--- a/Video Game Sales.pptx
+++ b/Video Game Sales.pptx
@@ -11,8 +11,16 @@
     <p:sldId id="258" r:id="rId5"/>
     <p:sldId id="261" r:id="rId6"/>
     <p:sldId id="262" r:id="rId7"/>
-    <p:sldId id="263" r:id="rId8"/>
-    <p:sldId id="264" r:id="rId9"/>
+    <p:sldId id="265" r:id="rId8"/>
+    <p:sldId id="266" r:id="rId9"/>
+    <p:sldId id="267" r:id="rId10"/>
+    <p:sldId id="268" r:id="rId11"/>
+    <p:sldId id="269" r:id="rId12"/>
+    <p:sldId id="270" r:id="rId13"/>
+    <p:sldId id="271" r:id="rId14"/>
+    <p:sldId id="272" r:id="rId15"/>
+    <p:sldId id="263" r:id="rId16"/>
+    <p:sldId id="264" r:id="rId17"/>
   </p:sldIdLst>
   <p:sldSz cx="12192000" cy="6858000"/>
   <p:notesSz cx="6858000" cy="9144000"/>
@@ -266,7 +274,7 @@
           <a:p>
             <a:fld id="{650FC72C-28C3-4A4C-B75B-E332A04106E3}" type="datetimeFigureOut">
               <a:rPr lang="en-US" smtClean="0"/>
-              <a:t>2/28/24</a:t>
+              <a:t>2/29/2024</a:t>
             </a:fld>
             <a:endParaRPr lang="en-US"/>
           </a:p>
@@ -464,7 +472,7 @@
           <a:p>
             <a:fld id="{650FC72C-28C3-4A4C-B75B-E332A04106E3}" type="datetimeFigureOut">
               <a:rPr lang="en-US" smtClean="0"/>
-              <a:t>2/28/24</a:t>
+              <a:t>2/29/2024</a:t>
             </a:fld>
             <a:endParaRPr lang="en-US"/>
           </a:p>
@@ -672,7 +680,7 @@
           <a:p>
             <a:fld id="{650FC72C-28C3-4A4C-B75B-E332A04106E3}" type="datetimeFigureOut">
               <a:rPr lang="en-US" smtClean="0"/>
-              <a:t>2/28/24</a:t>
+              <a:t>2/29/2024</a:t>
             </a:fld>
             <a:endParaRPr lang="en-US"/>
           </a:p>
@@ -870,7 +878,7 @@
           <a:p>
             <a:fld id="{650FC72C-28C3-4A4C-B75B-E332A04106E3}" type="datetimeFigureOut">
               <a:rPr lang="en-US" smtClean="0"/>
-              <a:t>2/28/24</a:t>
+              <a:t>2/29/2024</a:t>
             </a:fld>
             <a:endParaRPr lang="en-US"/>
           </a:p>
@@ -1145,7 +1153,7 @@
           <a:p>
             <a:fld id="{650FC72C-28C3-4A4C-B75B-E332A04106E3}" type="datetimeFigureOut">
               <a:rPr lang="en-US" smtClean="0"/>
-              <a:t>2/28/24</a:t>
+              <a:t>2/29/2024</a:t>
             </a:fld>
             <a:endParaRPr lang="en-US"/>
           </a:p>
@@ -1410,7 +1418,7 @@
           <a:p>
             <a:fld id="{650FC72C-28C3-4A4C-B75B-E332A04106E3}" type="datetimeFigureOut">
               <a:rPr lang="en-US" smtClean="0"/>
-              <a:t>2/28/24</a:t>
+              <a:t>2/29/2024</a:t>
             </a:fld>
             <a:endParaRPr lang="en-US"/>
           </a:p>
@@ -1822,7 +1830,7 @@
           <a:p>
             <a:fld id="{650FC72C-28C3-4A4C-B75B-E332A04106E3}" type="datetimeFigureOut">
               <a:rPr lang="en-US" smtClean="0"/>
-              <a:t>2/28/24</a:t>
+              <a:t>2/29/2024</a:t>
             </a:fld>
             <a:endParaRPr lang="en-US"/>
           </a:p>
@@ -1963,7 +1971,7 @@
           <a:p>
             <a:fld id="{650FC72C-28C3-4A4C-B75B-E332A04106E3}" type="datetimeFigureOut">
               <a:rPr lang="en-US" smtClean="0"/>
-              <a:t>2/28/24</a:t>
+              <a:t>2/29/2024</a:t>
             </a:fld>
             <a:endParaRPr lang="en-US"/>
           </a:p>
@@ -2076,7 +2084,7 @@
           <a:p>
             <a:fld id="{650FC72C-28C3-4A4C-B75B-E332A04106E3}" type="datetimeFigureOut">
               <a:rPr lang="en-US" smtClean="0"/>
-              <a:t>2/28/24</a:t>
+              <a:t>2/29/2024</a:t>
             </a:fld>
             <a:endParaRPr lang="en-US"/>
           </a:p>
@@ -2387,7 +2395,7 @@
           <a:p>
             <a:fld id="{650FC72C-28C3-4A4C-B75B-E332A04106E3}" type="datetimeFigureOut">
               <a:rPr lang="en-US" smtClean="0"/>
-              <a:t>2/28/24</a:t>
+              <a:t>2/29/2024</a:t>
             </a:fld>
             <a:endParaRPr lang="en-US"/>
           </a:p>
@@ -2675,7 +2683,7 @@
           <a:p>
             <a:fld id="{650FC72C-28C3-4A4C-B75B-E332A04106E3}" type="datetimeFigureOut">
               <a:rPr lang="en-US" smtClean="0"/>
-              <a:t>2/28/24</a:t>
+              <a:t>2/29/2024</a:t>
             </a:fld>
             <a:endParaRPr lang="en-US"/>
           </a:p>
@@ -2916,7 +2924,7 @@
           <a:p>
             <a:fld id="{650FC72C-28C3-4A4C-B75B-E332A04106E3}" type="datetimeFigureOut">
               <a:rPr lang="en-US" smtClean="0"/>
-              <a:t>2/28/24</a:t>
+              <a:t>2/29/2024</a:t>
             </a:fld>
             <a:endParaRPr lang="en-US"/>
           </a:p>
@@ -3509,33 +3517,54 @@
           <a:lstStyle/>
           <a:p>
             <a:r>
-              <a:rPr lang="en-US" sz="1700">
+              <a:rPr lang="en-US" sz="1700" dirty="0">
                 <a:solidFill>
                   <a:srgbClr val="FFFFFF"/>
                 </a:solidFill>
               </a:rPr>
-              <a:t>Cory Swisler</a:t>
+              <a:t>Corey Zwisler</a:t>
             </a:r>
           </a:p>
           <a:p>
             <a:r>
-              <a:rPr lang="en-US" sz="1700">
+              <a:rPr lang="en-US" sz="1700" dirty="0" err="1">
                 <a:solidFill>
                   <a:srgbClr val="FFFFFF"/>
                 </a:solidFill>
               </a:rPr>
-              <a:t>Irfanullah Ghaffar</a:t>
+              <a:t>Irfanullah</a:t>
             </a:r>
-          </a:p>
-          <a:p>
             <a:r>
-              <a:rPr lang="en-US" sz="1700">
+              <a:rPr lang="en-US" sz="1700" dirty="0">
                 <a:solidFill>
                   <a:srgbClr val="FFFFFF"/>
                 </a:solidFill>
               </a:rPr>
-              <a:t>Anthony Thepsourinthone</a:t>
+              <a:t> Ghaffar</a:t>
             </a:r>
+          </a:p>
+          <a:p>
+            <a:r>
+              <a:rPr lang="en-US" sz="1700" dirty="0">
+                <a:solidFill>
+                  <a:srgbClr val="FFFFFF"/>
+                </a:solidFill>
+              </a:rPr>
+              <a:t>Anthony </a:t>
+            </a:r>
+            <a:r>
+              <a:rPr lang="en-US" sz="1700" dirty="0" err="1">
+                <a:solidFill>
+                  <a:srgbClr val="FFFFFF"/>
+                </a:solidFill>
+              </a:rPr>
+              <a:t>Thepsourinthone</a:t>
+            </a:r>
+            <a:endParaRPr lang="en-US" sz="1700" dirty="0">
+              <a:solidFill>
+                <a:srgbClr val="FFFFFF"/>
+              </a:solidFill>
+            </a:endParaRPr>
           </a:p>
         </p:txBody>
       </p:sp>
@@ -3814,6 +3843,4298 @@
     <p:bldLst>
       <p:bldP spid="2" grpId="0"/>
       <p:bldP spid="3" grpId="0" build="p"/>
+    </p:bldLst>
+  </p:timing>
+</p:sld>
+</file>
+
+<file path=ppt/slides/slide10.xml><?xml version="1.0" encoding="utf-8"?>
+<p:sld xmlns:a="http://schemas.openxmlformats.org/drawingml/2006/main" xmlns:r="http://schemas.openxmlformats.org/officeDocument/2006/relationships" xmlns:p="http://schemas.openxmlformats.org/presentationml/2006/main">
+  <p:cSld>
+    <p:bg>
+      <p:bgPr>
+        <a:solidFill>
+          <a:schemeClr val="bg1"/>
+        </a:solidFill>
+        <a:effectLst/>
+      </p:bgPr>
+    </p:bg>
+    <p:spTree>
+      <p:nvGrpSpPr>
+        <p:cNvPr id="1" name="">
+          <a:extLst>
+            <a:ext uri="{FF2B5EF4-FFF2-40B4-BE49-F238E27FC236}">
+              <a16:creationId xmlns:a16="http://schemas.microsoft.com/office/drawing/2014/main" id="{71F54DB4-BD62-CB83-FFA2-8E9292412970}"/>
+            </a:ext>
+          </a:extLst>
+        </p:cNvPr>
+        <p:cNvGrpSpPr/>
+        <p:nvPr/>
+      </p:nvGrpSpPr>
+      <p:grpSpPr>
+        <a:xfrm>
+          <a:off x="0" y="0"/>
+          <a:ext cx="0" cy="0"/>
+          <a:chOff x="0" y="0"/>
+          <a:chExt cx="0" cy="0"/>
+        </a:xfrm>
+      </p:grpSpPr>
+      <p:sp useBgFill="1">
+        <p:nvSpPr>
+          <p:cNvPr id="37" name="Rectangle 36">
+            <a:extLst>
+              <a:ext uri="{FF2B5EF4-FFF2-40B4-BE49-F238E27FC236}">
+                <a16:creationId xmlns:a16="http://schemas.microsoft.com/office/drawing/2014/main" id="{F53D52F7-C022-147A-1D11-6F63E51125C7}"/>
+              </a:ext>
+              <a:ext uri="{C183D7F6-B498-43B3-948B-1728B52AA6E4}">
+                <adec:decorative xmlns:adec="http://schemas.microsoft.com/office/drawing/2017/decorative" val="1"/>
+              </a:ext>
+            </a:extLst>
+          </p:cNvPr>
+          <p:cNvSpPr>
+            <a:spLocks noGrp="1" noRot="1" noChangeAspect="1" noMove="1" noResize="1" noEditPoints="1" noAdjustHandles="1" noChangeArrowheads="1" noChangeShapeType="1" noTextEdit="1"/>
+          </p:cNvSpPr>
+          <p:nvPr>
+            <p:extLst>
+              <p:ext uri="{386F3935-93C4-4BCD-93E2-E3B085C9AB24}">
+                <p16:designElem xmlns:p16="http://schemas.microsoft.com/office/powerpoint/2015/main" val="1"/>
+              </p:ext>
+            </p:extLst>
+          </p:nvPr>
+        </p:nvSpPr>
+        <p:spPr>
+          <a:xfrm>
+            <a:off x="0" y="0"/>
+            <a:ext cx="12192000" cy="6858000"/>
+          </a:xfrm>
+          <a:prstGeom prst="rect">
+            <a:avLst/>
+          </a:prstGeom>
+          <a:ln>
+            <a:noFill/>
+          </a:ln>
+        </p:spPr>
+        <p:style>
+          <a:lnRef idx="2">
+            <a:schemeClr val="accent1">
+              <a:shade val="50000"/>
+            </a:schemeClr>
+          </a:lnRef>
+          <a:fillRef idx="1">
+            <a:schemeClr val="accent1"/>
+          </a:fillRef>
+          <a:effectRef idx="0">
+            <a:schemeClr val="accent1"/>
+          </a:effectRef>
+          <a:fontRef idx="minor">
+            <a:schemeClr val="lt1"/>
+          </a:fontRef>
+        </p:style>
+        <p:txBody>
+          <a:bodyPr rtlCol="0" anchor="ctr"/>
+          <a:lstStyle/>
+          <a:p>
+            <a:pPr algn="ctr"/>
+            <a:endParaRPr lang="en-US"/>
+          </a:p>
+        </p:txBody>
+      </p:sp>
+      <p:pic>
+        <p:nvPicPr>
+          <p:cNvPr id="4" name="Content Placeholder 3" descr="A screenshot of a computer&#10;&#10;Description automatically generated">
+            <a:extLst>
+              <a:ext uri="{FF2B5EF4-FFF2-40B4-BE49-F238E27FC236}">
+                <a16:creationId xmlns:a16="http://schemas.microsoft.com/office/drawing/2014/main" id="{750706E8-DD3C-772E-4AE0-0D9DDC3E6494}"/>
+              </a:ext>
+            </a:extLst>
+          </p:cNvPr>
+          <p:cNvPicPr>
+            <a:picLocks noChangeAspect="1"/>
+          </p:cNvPicPr>
+          <p:nvPr/>
+        </p:nvPicPr>
+        <p:blipFill rotWithShape="1">
+          <a:blip r:embed="rId2"/>
+          <a:srcRect t="15881" r="9089" b="-2"/>
+          <a:stretch/>
+        </p:blipFill>
+        <p:spPr>
+          <a:xfrm>
+            <a:off x="3523488" y="10"/>
+            <a:ext cx="8668512" cy="6857990"/>
+          </a:xfrm>
+          <a:prstGeom prst="rect">
+            <a:avLst/>
+          </a:prstGeom>
+        </p:spPr>
+      </p:pic>
+      <p:sp>
+        <p:nvSpPr>
+          <p:cNvPr id="39" name="Rectangle 38">
+            <a:extLst>
+              <a:ext uri="{FF2B5EF4-FFF2-40B4-BE49-F238E27FC236}">
+                <a16:creationId xmlns:a16="http://schemas.microsoft.com/office/drawing/2014/main" id="{8D04A327-71BF-CBA2-D598-1BCE8EC9A0F6}"/>
+              </a:ext>
+              <a:ext uri="{C183D7F6-B498-43B3-948B-1728B52AA6E4}">
+                <adec:decorative xmlns:adec="http://schemas.microsoft.com/office/drawing/2017/decorative" val="1"/>
+              </a:ext>
+            </a:extLst>
+          </p:cNvPr>
+          <p:cNvSpPr>
+            <a:spLocks noGrp="1" noRot="1" noChangeAspect="1" noMove="1" noResize="1" noEditPoints="1" noAdjustHandles="1" noChangeArrowheads="1" noChangeShapeType="1" noTextEdit="1"/>
+          </p:cNvSpPr>
+          <p:nvPr>
+            <p:extLst>
+              <p:ext uri="{386F3935-93C4-4BCD-93E2-E3B085C9AB24}">
+                <p16:designElem xmlns:p16="http://schemas.microsoft.com/office/powerpoint/2015/main" val="1"/>
+              </p:ext>
+            </p:extLst>
+          </p:nvPr>
+        </p:nvSpPr>
+        <p:spPr>
+          <a:xfrm>
+            <a:off x="3" y="0"/>
+            <a:ext cx="9339206" cy="6858000"/>
+          </a:xfrm>
+          <a:prstGeom prst="rect">
+            <a:avLst/>
+          </a:prstGeom>
+          <a:gradFill>
+            <a:gsLst>
+              <a:gs pos="58000">
+                <a:schemeClr val="tx1"/>
+              </a:gs>
+              <a:gs pos="33000">
+                <a:schemeClr val="tx1">
+                  <a:alpha val="64000"/>
+                </a:schemeClr>
+              </a:gs>
+              <a:gs pos="0">
+                <a:schemeClr val="tx1">
+                  <a:alpha val="0"/>
+                </a:schemeClr>
+              </a:gs>
+              <a:gs pos="100000">
+                <a:schemeClr val="tx1"/>
+              </a:gs>
+            </a:gsLst>
+            <a:lin ang="10800000" scaled="0"/>
+          </a:gradFill>
+          <a:ln>
+            <a:noFill/>
+          </a:ln>
+        </p:spPr>
+        <p:style>
+          <a:lnRef idx="2">
+            <a:schemeClr val="accent1">
+              <a:shade val="50000"/>
+            </a:schemeClr>
+          </a:lnRef>
+          <a:fillRef idx="1">
+            <a:schemeClr val="accent1"/>
+          </a:fillRef>
+          <a:effectRef idx="0">
+            <a:schemeClr val="accent1"/>
+          </a:effectRef>
+          <a:fontRef idx="minor">
+            <a:schemeClr val="lt1"/>
+          </a:fontRef>
+        </p:style>
+        <p:txBody>
+          <a:bodyPr rtlCol="0" anchor="ctr"/>
+          <a:lstStyle/>
+          <a:p>
+            <a:pPr algn="ctr"/>
+            <a:endParaRPr lang="en-US" dirty="0"/>
+          </a:p>
+        </p:txBody>
+      </p:sp>
+      <p:sp>
+        <p:nvSpPr>
+          <p:cNvPr id="2" name="Title 1">
+            <a:extLst>
+              <a:ext uri="{FF2B5EF4-FFF2-40B4-BE49-F238E27FC236}">
+                <a16:creationId xmlns:a16="http://schemas.microsoft.com/office/drawing/2014/main" id="{81303B11-B2F6-DB69-8BFE-4D5024D0330D}"/>
+              </a:ext>
+            </a:extLst>
+          </p:cNvPr>
+          <p:cNvSpPr>
+            <a:spLocks noGrp="1"/>
+          </p:cNvSpPr>
+          <p:nvPr>
+            <p:ph type="title"/>
+          </p:nvPr>
+        </p:nvSpPr>
+        <p:spPr>
+          <a:xfrm>
+            <a:off x="456123" y="1341914"/>
+            <a:ext cx="4023360" cy="751193"/>
+          </a:xfrm>
+        </p:spPr>
+        <p:txBody>
+          <a:bodyPr vert="horz" lIns="91440" tIns="45720" rIns="91440" bIns="45720" rtlCol="0" anchor="b">
+            <a:normAutofit fontScale="90000"/>
+          </a:bodyPr>
+          <a:lstStyle/>
+          <a:p>
+            <a:r>
+              <a:rPr lang="en-US" sz="4800" dirty="0">
+                <a:solidFill>
+                  <a:schemeClr val="bg1"/>
+                </a:solidFill>
+              </a:rPr>
+              <a:t>Python/Pandas</a:t>
+            </a:r>
+            <a:br>
+              <a:rPr lang="en-US" sz="4800" dirty="0">
+                <a:solidFill>
+                  <a:schemeClr val="bg1"/>
+                </a:solidFill>
+              </a:rPr>
+            </a:br>
+            <a:endParaRPr lang="en-US" sz="4800" dirty="0">
+              <a:solidFill>
+                <a:schemeClr val="bg1"/>
+              </a:solidFill>
+            </a:endParaRPr>
+          </a:p>
+        </p:txBody>
+      </p:sp>
+      <p:sp>
+        <p:nvSpPr>
+          <p:cNvPr id="41" name="Rectangle 40">
+            <a:extLst>
+              <a:ext uri="{FF2B5EF4-FFF2-40B4-BE49-F238E27FC236}">
+                <a16:creationId xmlns:a16="http://schemas.microsoft.com/office/drawing/2014/main" id="{0FFAE3F1-202E-1F4C-BDAA-1D89B5A674C3}"/>
+              </a:ext>
+              <a:ext uri="{C183D7F6-B498-43B3-948B-1728B52AA6E4}">
+                <adec:decorative xmlns:adec="http://schemas.microsoft.com/office/drawing/2017/decorative" val="1"/>
+              </a:ext>
+            </a:extLst>
+          </p:cNvPr>
+          <p:cNvSpPr>
+            <a:spLocks noGrp="1" noRot="1" noChangeAspect="1" noMove="1" noResize="1" noEditPoints="1" noAdjustHandles="1" noChangeArrowheads="1" noChangeShapeType="1" noTextEdit="1"/>
+          </p:cNvSpPr>
+          <p:nvPr>
+            <p:extLst>
+              <p:ext uri="{386F3935-93C4-4BCD-93E2-E3B085C9AB24}">
+                <p16:designElem xmlns:p16="http://schemas.microsoft.com/office/powerpoint/2015/main" val="1"/>
+              </p:ext>
+            </p:extLst>
+          </p:nvPr>
+        </p:nvSpPr>
+        <p:spPr>
+          <a:xfrm rot="5400000">
+            <a:off x="759921" y="346791"/>
+            <a:ext cx="146304" cy="704088"/>
+          </a:xfrm>
+          <a:prstGeom prst="rect">
+            <a:avLst/>
+          </a:prstGeom>
+          <a:solidFill>
+            <a:schemeClr val="accent2"/>
+          </a:solidFill>
+          <a:ln>
+            <a:noFill/>
+          </a:ln>
+        </p:spPr>
+        <p:style>
+          <a:lnRef idx="2">
+            <a:schemeClr val="accent1">
+              <a:shade val="50000"/>
+            </a:schemeClr>
+          </a:lnRef>
+          <a:fillRef idx="1">
+            <a:schemeClr val="accent1"/>
+          </a:fillRef>
+          <a:effectRef idx="0">
+            <a:schemeClr val="accent1"/>
+          </a:effectRef>
+          <a:fontRef idx="minor">
+            <a:schemeClr val="lt1"/>
+          </a:fontRef>
+        </p:style>
+        <p:txBody>
+          <a:bodyPr rtlCol="0" anchor="ctr"/>
+          <a:lstStyle/>
+          <a:p>
+            <a:pPr algn="ctr"/>
+            <a:endParaRPr lang="en-US">
+              <a:solidFill>
+                <a:prstClr val="white"/>
+              </a:solidFill>
+              <a:latin typeface="Calibri" panose="020F0502020204030204"/>
+            </a:endParaRPr>
+          </a:p>
+        </p:txBody>
+      </p:sp>
+      <p:sp>
+        <p:nvSpPr>
+          <p:cNvPr id="43" name="Rectangle 42">
+            <a:extLst>
+              <a:ext uri="{FF2B5EF4-FFF2-40B4-BE49-F238E27FC236}">
+                <a16:creationId xmlns:a16="http://schemas.microsoft.com/office/drawing/2014/main" id="{3E094069-0D4C-2DF6-04D5-8D3135FD5C7D}"/>
+              </a:ext>
+              <a:ext uri="{C183D7F6-B498-43B3-948B-1728B52AA6E4}">
+                <adec:decorative xmlns:adec="http://schemas.microsoft.com/office/drawing/2017/decorative" val="1"/>
+              </a:ext>
+            </a:extLst>
+          </p:cNvPr>
+          <p:cNvSpPr>
+            <a:spLocks noGrp="1" noRot="1" noChangeAspect="1" noMove="1" noResize="1" noEditPoints="1" noAdjustHandles="1" noChangeArrowheads="1" noChangeShapeType="1" noTextEdit="1"/>
+          </p:cNvSpPr>
+          <p:nvPr>
+            <p:extLst>
+              <p:ext uri="{386F3935-93C4-4BCD-93E2-E3B085C9AB24}">
+                <p16:designElem xmlns:p16="http://schemas.microsoft.com/office/powerpoint/2015/main" val="1"/>
+              </p:ext>
+            </p:extLst>
+          </p:nvPr>
+        </p:nvSpPr>
+        <p:spPr>
+          <a:xfrm>
+            <a:off x="481029" y="4546920"/>
+            <a:ext cx="3977640" cy="18288"/>
+          </a:xfrm>
+          <a:prstGeom prst="rect">
+            <a:avLst/>
+          </a:prstGeom>
+          <a:solidFill>
+            <a:schemeClr val="tx1"/>
+          </a:solidFill>
+          <a:ln w="3175">
+            <a:noFill/>
+          </a:ln>
+          <a:effectLst/>
+        </p:spPr>
+        <p:style>
+          <a:lnRef idx="2">
+            <a:schemeClr val="accent1">
+              <a:shade val="50000"/>
+            </a:schemeClr>
+          </a:lnRef>
+          <a:fillRef idx="1">
+            <a:schemeClr val="accent1"/>
+          </a:fillRef>
+          <a:effectRef idx="0">
+            <a:schemeClr val="accent1"/>
+          </a:effectRef>
+          <a:fontRef idx="minor">
+            <a:schemeClr val="lt1"/>
+          </a:fontRef>
+        </p:style>
+        <p:txBody>
+          <a:bodyPr rtlCol="0" anchor="ctr"/>
+          <a:lstStyle/>
+          <a:p>
+            <a:pPr marL="0" marR="0" lvl="0" indent="0" algn="ctr" defTabSz="914400" rtl="0" eaLnBrk="1" fontAlgn="auto" latinLnBrk="0" hangingPunct="1">
+              <a:lnSpc>
+                <a:spcPct val="100000"/>
+              </a:lnSpc>
+              <a:spcBef>
+                <a:spcPts val="0"/>
+              </a:spcBef>
+              <a:spcAft>
+                <a:spcPts val="0"/>
+              </a:spcAft>
+              <a:buClrTx/>
+              <a:buSzTx/>
+              <a:buFontTx/>
+              <a:buNone/>
+              <a:tabLst/>
+              <a:defRPr/>
+            </a:pPr>
+            <a:endParaRPr kumimoji="0" lang="en-US" sz="1800" b="0" i="0" u="none" strike="noStrike" kern="1200" cap="none" spc="0" normalizeH="0" baseline="0" noProof="0">
+              <a:ln>
+                <a:noFill/>
+              </a:ln>
+              <a:solidFill>
+                <a:prstClr val="white"/>
+              </a:solidFill>
+              <a:effectLst/>
+              <a:uLnTx/>
+              <a:uFillTx/>
+              <a:latin typeface="Calibri" panose="020F0502020204030204"/>
+              <a:ea typeface="+mn-ea"/>
+              <a:cs typeface="+mn-cs"/>
+            </a:endParaRPr>
+          </a:p>
+        </p:txBody>
+      </p:sp>
+      <p:sp>
+        <p:nvSpPr>
+          <p:cNvPr id="6" name="Title 1">
+            <a:extLst>
+              <a:ext uri="{FF2B5EF4-FFF2-40B4-BE49-F238E27FC236}">
+                <a16:creationId xmlns:a16="http://schemas.microsoft.com/office/drawing/2014/main" id="{76682E83-52E7-9512-0D4D-4DE0A1B04C65}"/>
+              </a:ext>
+            </a:extLst>
+          </p:cNvPr>
+          <p:cNvSpPr txBox="1">
+            <a:spLocks/>
+          </p:cNvSpPr>
+          <p:nvPr/>
+        </p:nvSpPr>
+        <p:spPr>
+          <a:xfrm>
+            <a:off x="456123" y="1926009"/>
+            <a:ext cx="4023360" cy="4306308"/>
+          </a:xfrm>
+          <a:prstGeom prst="rect">
+            <a:avLst/>
+          </a:prstGeom>
+        </p:spPr>
+        <p:txBody>
+          <a:bodyPr vert="horz" lIns="91440" tIns="45720" rIns="91440" bIns="45720" rtlCol="0" anchor="b">
+            <a:normAutofit/>
+          </a:bodyPr>
+          <a:lstStyle>
+            <a:lvl1pPr algn="l" defTabSz="914400" rtl="0" eaLnBrk="1" latinLnBrk="0" hangingPunct="1">
+              <a:lnSpc>
+                <a:spcPct val="90000"/>
+              </a:lnSpc>
+              <a:spcBef>
+                <a:spcPct val="0"/>
+              </a:spcBef>
+              <a:buNone/>
+              <a:defRPr sz="4400" kern="1200">
+                <a:solidFill>
+                  <a:schemeClr val="tx1"/>
+                </a:solidFill>
+                <a:latin typeface="+mj-lt"/>
+                <a:ea typeface="+mj-ea"/>
+                <a:cs typeface="+mj-cs"/>
+              </a:defRPr>
+            </a:lvl1pPr>
+          </a:lstStyle>
+          <a:p>
+            <a:endParaRPr lang="en-US" sz="4800" dirty="0">
+              <a:solidFill>
+                <a:schemeClr val="bg1"/>
+              </a:solidFill>
+            </a:endParaRPr>
+          </a:p>
+        </p:txBody>
+      </p:sp>
+      <p:sp>
+        <p:nvSpPr>
+          <p:cNvPr id="7" name="TextBox 6">
+            <a:extLst>
+              <a:ext uri="{FF2B5EF4-FFF2-40B4-BE49-F238E27FC236}">
+                <a16:creationId xmlns:a16="http://schemas.microsoft.com/office/drawing/2014/main" id="{73190DC6-1E74-9AD2-B535-870F5EBCB136}"/>
+              </a:ext>
+            </a:extLst>
+          </p:cNvPr>
+          <p:cNvSpPr txBox="1"/>
+          <p:nvPr/>
+        </p:nvSpPr>
+        <p:spPr>
+          <a:xfrm>
+            <a:off x="481029" y="1848788"/>
+            <a:ext cx="3230880" cy="3139321"/>
+          </a:xfrm>
+          <a:prstGeom prst="rect">
+            <a:avLst/>
+          </a:prstGeom>
+          <a:noFill/>
+        </p:spPr>
+        <p:txBody>
+          <a:bodyPr wrap="square" rtlCol="0">
+            <a:spAutoFit/>
+          </a:bodyPr>
+          <a:lstStyle/>
+          <a:p>
+            <a:pPr marL="342900" indent="-342900">
+              <a:buFont typeface="Arial" panose="020B0604020202020204" pitchFamily="34" charset="0"/>
+              <a:buChar char="•"/>
+            </a:pPr>
+            <a:r>
+              <a:rPr lang="en-US" dirty="0">
+                <a:solidFill>
+                  <a:schemeClr val="bg1"/>
+                </a:solidFill>
+              </a:rPr>
+              <a:t>Used </a:t>
+            </a:r>
+            <a:r>
+              <a:rPr lang="en-US" dirty="0" err="1">
+                <a:solidFill>
+                  <a:schemeClr val="bg1"/>
+                </a:solidFill>
+              </a:rPr>
+              <a:t>OneHotEncoder</a:t>
+            </a:r>
+            <a:r>
+              <a:rPr lang="en-US" dirty="0">
+                <a:solidFill>
+                  <a:schemeClr val="bg1"/>
+                </a:solidFill>
+              </a:rPr>
+              <a:t> to change ‘Genre’ and ‘</a:t>
+            </a:r>
+            <a:r>
+              <a:rPr lang="en-US" dirty="0" err="1">
+                <a:solidFill>
+                  <a:schemeClr val="bg1"/>
+                </a:solidFill>
+              </a:rPr>
+              <a:t>platform_bins</a:t>
+            </a:r>
+            <a:r>
+              <a:rPr lang="en-US" dirty="0">
+                <a:solidFill>
+                  <a:schemeClr val="bg1"/>
+                </a:solidFill>
+              </a:rPr>
+              <a:t>’ from categorical data to numerical data</a:t>
+            </a:r>
+          </a:p>
+          <a:p>
+            <a:pPr marL="342900" indent="-342900">
+              <a:buFont typeface="Arial" panose="020B0604020202020204" pitchFamily="34" charset="0"/>
+              <a:buChar char="•"/>
+            </a:pPr>
+            <a:endParaRPr lang="en-US" dirty="0">
+              <a:solidFill>
+                <a:schemeClr val="bg1"/>
+              </a:solidFill>
+            </a:endParaRPr>
+          </a:p>
+          <a:p>
+            <a:pPr marL="342900" indent="-342900">
+              <a:buFont typeface="Arial" panose="020B0604020202020204" pitchFamily="34" charset="0"/>
+              <a:buChar char="•"/>
+            </a:pPr>
+            <a:r>
+              <a:rPr lang="en-US" dirty="0">
+                <a:solidFill>
+                  <a:schemeClr val="bg1"/>
+                </a:solidFill>
+              </a:rPr>
+              <a:t>Joined the encoded columns to the copied </a:t>
+            </a:r>
+            <a:r>
+              <a:rPr lang="en-US" dirty="0" err="1">
+                <a:solidFill>
+                  <a:schemeClr val="bg1"/>
+                </a:solidFill>
+              </a:rPr>
+              <a:t>dataframe</a:t>
+            </a:r>
+            <a:endParaRPr lang="en-US" dirty="0">
+              <a:solidFill>
+                <a:schemeClr val="bg1"/>
+              </a:solidFill>
+            </a:endParaRPr>
+          </a:p>
+          <a:p>
+            <a:pPr marL="342900" indent="-342900">
+              <a:buFont typeface="Arial" panose="020B0604020202020204" pitchFamily="34" charset="0"/>
+              <a:buChar char="•"/>
+            </a:pPr>
+            <a:endParaRPr lang="en-US" dirty="0">
+              <a:solidFill>
+                <a:schemeClr val="bg1"/>
+              </a:solidFill>
+            </a:endParaRPr>
+          </a:p>
+          <a:p>
+            <a:pPr marL="342900" indent="-342900">
+              <a:buFont typeface="Arial" panose="020B0604020202020204" pitchFamily="34" charset="0"/>
+              <a:buChar char="•"/>
+            </a:pPr>
+            <a:r>
+              <a:rPr lang="en-US" dirty="0">
+                <a:solidFill>
+                  <a:schemeClr val="bg1"/>
+                </a:solidFill>
+              </a:rPr>
+              <a:t>Dropped the ‘Genre’ and ‘</a:t>
+            </a:r>
+            <a:r>
+              <a:rPr lang="en-US" dirty="0" err="1">
+                <a:solidFill>
+                  <a:schemeClr val="bg1"/>
+                </a:solidFill>
+              </a:rPr>
+              <a:t>platform_bins</a:t>
+            </a:r>
+            <a:r>
+              <a:rPr lang="en-US" dirty="0">
+                <a:solidFill>
+                  <a:schemeClr val="bg1"/>
+                </a:solidFill>
+              </a:rPr>
+              <a:t>’ columns</a:t>
+            </a:r>
+          </a:p>
+        </p:txBody>
+      </p:sp>
+      <p:sp>
+        <p:nvSpPr>
+          <p:cNvPr id="10" name="TextBox 9">
+            <a:extLst>
+              <a:ext uri="{FF2B5EF4-FFF2-40B4-BE49-F238E27FC236}">
+                <a16:creationId xmlns:a16="http://schemas.microsoft.com/office/drawing/2014/main" id="{CB7E2CF3-588D-B873-2991-0A604195B877}"/>
+              </a:ext>
+            </a:extLst>
+          </p:cNvPr>
+          <p:cNvSpPr txBox="1"/>
+          <p:nvPr/>
+        </p:nvSpPr>
+        <p:spPr>
+          <a:xfrm>
+            <a:off x="455754" y="1479456"/>
+            <a:ext cx="3230879" cy="369332"/>
+          </a:xfrm>
+          <a:prstGeom prst="rect">
+            <a:avLst/>
+          </a:prstGeom>
+          <a:noFill/>
+        </p:spPr>
+        <p:txBody>
+          <a:bodyPr wrap="square" rtlCol="0">
+            <a:spAutoFit/>
+          </a:bodyPr>
+          <a:lstStyle/>
+          <a:p>
+            <a:r>
+              <a:rPr lang="en-US" dirty="0">
+                <a:solidFill>
+                  <a:schemeClr val="bg1"/>
+                </a:solidFill>
+              </a:rPr>
+              <a:t>The art of preprocessing!</a:t>
+            </a:r>
+            <a:endParaRPr lang="en-US" dirty="0"/>
+          </a:p>
+        </p:txBody>
+      </p:sp>
+      <p:pic>
+        <p:nvPicPr>
+          <p:cNvPr id="8" name="Picture 7" descr="A screenshot of a computer&#10;&#10;Description automatically generated">
+            <a:extLst>
+              <a:ext uri="{FF2B5EF4-FFF2-40B4-BE49-F238E27FC236}">
+                <a16:creationId xmlns:a16="http://schemas.microsoft.com/office/drawing/2014/main" id="{77C426E2-F4DC-B785-5D76-6128DC0826E2}"/>
+              </a:ext>
+            </a:extLst>
+          </p:cNvPr>
+          <p:cNvPicPr>
+            <a:picLocks noChangeAspect="1"/>
+          </p:cNvPicPr>
+          <p:nvPr/>
+        </p:nvPicPr>
+        <p:blipFill>
+          <a:blip r:embed="rId3">
+            <a:extLst>
+              <a:ext uri="{28A0092B-C50C-407E-A947-70E740481C1C}">
+                <a14:useLocalDpi xmlns:a14="http://schemas.microsoft.com/office/drawing/2010/main" val="0"/>
+              </a:ext>
+            </a:extLst>
+          </a:blip>
+          <a:stretch>
+            <a:fillRect/>
+          </a:stretch>
+        </p:blipFill>
+        <p:spPr>
+          <a:xfrm>
+            <a:off x="4167659" y="521845"/>
+            <a:ext cx="7691681" cy="5814309"/>
+          </a:xfrm>
+          <a:prstGeom prst="rect">
+            <a:avLst/>
+          </a:prstGeom>
+        </p:spPr>
+      </p:pic>
+    </p:spTree>
+    <p:extLst>
+      <p:ext uri="{BB962C8B-B14F-4D97-AF65-F5344CB8AC3E}">
+        <p14:creationId xmlns:p14="http://schemas.microsoft.com/office/powerpoint/2010/main" val="3288420566"/>
+      </p:ext>
+    </p:extLst>
+  </p:cSld>
+  <p:clrMapOvr>
+    <a:masterClrMapping/>
+  </p:clrMapOvr>
+</p:sld>
+</file>
+
+<file path=ppt/slides/slide11.xml><?xml version="1.0" encoding="utf-8"?>
+<p:sld xmlns:a="http://schemas.openxmlformats.org/drawingml/2006/main" xmlns:r="http://schemas.openxmlformats.org/officeDocument/2006/relationships" xmlns:p="http://schemas.openxmlformats.org/presentationml/2006/main">
+  <p:cSld>
+    <p:bg>
+      <p:bgPr>
+        <a:solidFill>
+          <a:schemeClr val="bg1"/>
+        </a:solidFill>
+        <a:effectLst/>
+      </p:bgPr>
+    </p:bg>
+    <p:spTree>
+      <p:nvGrpSpPr>
+        <p:cNvPr id="1" name="">
+          <a:extLst>
+            <a:ext uri="{FF2B5EF4-FFF2-40B4-BE49-F238E27FC236}">
+              <a16:creationId xmlns:a16="http://schemas.microsoft.com/office/drawing/2014/main" id="{B3937D8F-B4EE-B130-AFE2-1CBB02E96B4F}"/>
+            </a:ext>
+          </a:extLst>
+        </p:cNvPr>
+        <p:cNvGrpSpPr/>
+        <p:nvPr/>
+      </p:nvGrpSpPr>
+      <p:grpSpPr>
+        <a:xfrm>
+          <a:off x="0" y="0"/>
+          <a:ext cx="0" cy="0"/>
+          <a:chOff x="0" y="0"/>
+          <a:chExt cx="0" cy="0"/>
+        </a:xfrm>
+      </p:grpSpPr>
+      <p:sp useBgFill="1">
+        <p:nvSpPr>
+          <p:cNvPr id="37" name="Rectangle 36">
+            <a:extLst>
+              <a:ext uri="{FF2B5EF4-FFF2-40B4-BE49-F238E27FC236}">
+                <a16:creationId xmlns:a16="http://schemas.microsoft.com/office/drawing/2014/main" id="{FF4ED1B8-BAE8-0AAD-8217-AF070E0BC99D}"/>
+              </a:ext>
+              <a:ext uri="{C183D7F6-B498-43B3-948B-1728B52AA6E4}">
+                <adec:decorative xmlns:adec="http://schemas.microsoft.com/office/drawing/2017/decorative" val="1"/>
+              </a:ext>
+            </a:extLst>
+          </p:cNvPr>
+          <p:cNvSpPr>
+            <a:spLocks noGrp="1" noRot="1" noChangeAspect="1" noMove="1" noResize="1" noEditPoints="1" noAdjustHandles="1" noChangeArrowheads="1" noChangeShapeType="1" noTextEdit="1"/>
+          </p:cNvSpPr>
+          <p:nvPr>
+            <p:extLst>
+              <p:ext uri="{386F3935-93C4-4BCD-93E2-E3B085C9AB24}">
+                <p16:designElem xmlns:p16="http://schemas.microsoft.com/office/powerpoint/2015/main" val="1"/>
+              </p:ext>
+            </p:extLst>
+          </p:nvPr>
+        </p:nvSpPr>
+        <p:spPr>
+          <a:xfrm>
+            <a:off x="0" y="0"/>
+            <a:ext cx="12192000" cy="6858000"/>
+          </a:xfrm>
+          <a:prstGeom prst="rect">
+            <a:avLst/>
+          </a:prstGeom>
+          <a:ln>
+            <a:noFill/>
+          </a:ln>
+        </p:spPr>
+        <p:style>
+          <a:lnRef idx="2">
+            <a:schemeClr val="accent1">
+              <a:shade val="50000"/>
+            </a:schemeClr>
+          </a:lnRef>
+          <a:fillRef idx="1">
+            <a:schemeClr val="accent1"/>
+          </a:fillRef>
+          <a:effectRef idx="0">
+            <a:schemeClr val="accent1"/>
+          </a:effectRef>
+          <a:fontRef idx="minor">
+            <a:schemeClr val="lt1"/>
+          </a:fontRef>
+        </p:style>
+        <p:txBody>
+          <a:bodyPr rtlCol="0" anchor="ctr"/>
+          <a:lstStyle/>
+          <a:p>
+            <a:pPr algn="ctr"/>
+            <a:endParaRPr lang="en-US"/>
+          </a:p>
+        </p:txBody>
+      </p:sp>
+      <p:pic>
+        <p:nvPicPr>
+          <p:cNvPr id="4" name="Content Placeholder 3" descr="A screenshot of a computer&#10;&#10;Description automatically generated">
+            <a:extLst>
+              <a:ext uri="{FF2B5EF4-FFF2-40B4-BE49-F238E27FC236}">
+                <a16:creationId xmlns:a16="http://schemas.microsoft.com/office/drawing/2014/main" id="{AB4AF78B-9215-BD5B-7E8B-2D468D264B65}"/>
+              </a:ext>
+            </a:extLst>
+          </p:cNvPr>
+          <p:cNvPicPr>
+            <a:picLocks noChangeAspect="1"/>
+          </p:cNvPicPr>
+          <p:nvPr/>
+        </p:nvPicPr>
+        <p:blipFill rotWithShape="1">
+          <a:blip r:embed="rId2"/>
+          <a:srcRect t="15881" r="9089" b="-2"/>
+          <a:stretch/>
+        </p:blipFill>
+        <p:spPr>
+          <a:xfrm>
+            <a:off x="3523488" y="10"/>
+            <a:ext cx="8668512" cy="6857990"/>
+          </a:xfrm>
+          <a:prstGeom prst="rect">
+            <a:avLst/>
+          </a:prstGeom>
+        </p:spPr>
+      </p:pic>
+      <p:sp>
+        <p:nvSpPr>
+          <p:cNvPr id="39" name="Rectangle 38">
+            <a:extLst>
+              <a:ext uri="{FF2B5EF4-FFF2-40B4-BE49-F238E27FC236}">
+                <a16:creationId xmlns:a16="http://schemas.microsoft.com/office/drawing/2014/main" id="{672A0E9C-C40C-937B-C872-D2B0ADCAEC6C}"/>
+              </a:ext>
+              <a:ext uri="{C183D7F6-B498-43B3-948B-1728B52AA6E4}">
+                <adec:decorative xmlns:adec="http://schemas.microsoft.com/office/drawing/2017/decorative" val="1"/>
+              </a:ext>
+            </a:extLst>
+          </p:cNvPr>
+          <p:cNvSpPr>
+            <a:spLocks noGrp="1" noRot="1" noChangeAspect="1" noMove="1" noResize="1" noEditPoints="1" noAdjustHandles="1" noChangeArrowheads="1" noChangeShapeType="1" noTextEdit="1"/>
+          </p:cNvSpPr>
+          <p:nvPr>
+            <p:extLst>
+              <p:ext uri="{386F3935-93C4-4BCD-93E2-E3B085C9AB24}">
+                <p16:designElem xmlns:p16="http://schemas.microsoft.com/office/powerpoint/2015/main" val="1"/>
+              </p:ext>
+            </p:extLst>
+          </p:nvPr>
+        </p:nvSpPr>
+        <p:spPr>
+          <a:xfrm>
+            <a:off x="3" y="0"/>
+            <a:ext cx="9339206" cy="6858000"/>
+          </a:xfrm>
+          <a:prstGeom prst="rect">
+            <a:avLst/>
+          </a:prstGeom>
+          <a:gradFill>
+            <a:gsLst>
+              <a:gs pos="58000">
+                <a:schemeClr val="tx1"/>
+              </a:gs>
+              <a:gs pos="33000">
+                <a:schemeClr val="tx1">
+                  <a:alpha val="64000"/>
+                </a:schemeClr>
+              </a:gs>
+              <a:gs pos="0">
+                <a:schemeClr val="tx1">
+                  <a:alpha val="0"/>
+                </a:schemeClr>
+              </a:gs>
+              <a:gs pos="100000">
+                <a:schemeClr val="tx1"/>
+              </a:gs>
+            </a:gsLst>
+            <a:lin ang="10800000" scaled="0"/>
+          </a:gradFill>
+          <a:ln>
+            <a:noFill/>
+          </a:ln>
+        </p:spPr>
+        <p:style>
+          <a:lnRef idx="2">
+            <a:schemeClr val="accent1">
+              <a:shade val="50000"/>
+            </a:schemeClr>
+          </a:lnRef>
+          <a:fillRef idx="1">
+            <a:schemeClr val="accent1"/>
+          </a:fillRef>
+          <a:effectRef idx="0">
+            <a:schemeClr val="accent1"/>
+          </a:effectRef>
+          <a:fontRef idx="minor">
+            <a:schemeClr val="lt1"/>
+          </a:fontRef>
+        </p:style>
+        <p:txBody>
+          <a:bodyPr rtlCol="0" anchor="ctr"/>
+          <a:lstStyle/>
+          <a:p>
+            <a:pPr algn="ctr"/>
+            <a:endParaRPr lang="en-US" dirty="0"/>
+          </a:p>
+        </p:txBody>
+      </p:sp>
+      <p:sp>
+        <p:nvSpPr>
+          <p:cNvPr id="2" name="Title 1">
+            <a:extLst>
+              <a:ext uri="{FF2B5EF4-FFF2-40B4-BE49-F238E27FC236}">
+                <a16:creationId xmlns:a16="http://schemas.microsoft.com/office/drawing/2014/main" id="{7AE285F9-753C-0018-F0F4-22AAD3E69785}"/>
+              </a:ext>
+            </a:extLst>
+          </p:cNvPr>
+          <p:cNvSpPr>
+            <a:spLocks noGrp="1"/>
+          </p:cNvSpPr>
+          <p:nvPr>
+            <p:ph type="title"/>
+          </p:nvPr>
+        </p:nvSpPr>
+        <p:spPr>
+          <a:xfrm>
+            <a:off x="456123" y="1341914"/>
+            <a:ext cx="4023360" cy="751193"/>
+          </a:xfrm>
+        </p:spPr>
+        <p:txBody>
+          <a:bodyPr vert="horz" lIns="91440" tIns="45720" rIns="91440" bIns="45720" rtlCol="0" anchor="b">
+            <a:normAutofit fontScale="90000"/>
+          </a:bodyPr>
+          <a:lstStyle/>
+          <a:p>
+            <a:r>
+              <a:rPr lang="en-US" sz="4800" dirty="0">
+                <a:solidFill>
+                  <a:schemeClr val="bg1"/>
+                </a:solidFill>
+              </a:rPr>
+              <a:t>Python/</a:t>
+            </a:r>
+            <a:r>
+              <a:rPr lang="en-US" sz="4800" dirty="0" err="1">
+                <a:solidFill>
+                  <a:schemeClr val="bg1"/>
+                </a:solidFill>
+              </a:rPr>
+              <a:t>Sklearn</a:t>
+            </a:r>
+            <a:br>
+              <a:rPr lang="en-US" sz="4800" dirty="0">
+                <a:solidFill>
+                  <a:schemeClr val="bg1"/>
+                </a:solidFill>
+              </a:rPr>
+            </a:br>
+            <a:endParaRPr lang="en-US" sz="4800" dirty="0">
+              <a:solidFill>
+                <a:schemeClr val="bg1"/>
+              </a:solidFill>
+            </a:endParaRPr>
+          </a:p>
+        </p:txBody>
+      </p:sp>
+      <p:sp>
+        <p:nvSpPr>
+          <p:cNvPr id="41" name="Rectangle 40">
+            <a:extLst>
+              <a:ext uri="{FF2B5EF4-FFF2-40B4-BE49-F238E27FC236}">
+                <a16:creationId xmlns:a16="http://schemas.microsoft.com/office/drawing/2014/main" id="{56231BF9-FD50-691B-C12E-9B7E81611998}"/>
+              </a:ext>
+              <a:ext uri="{C183D7F6-B498-43B3-948B-1728B52AA6E4}">
+                <adec:decorative xmlns:adec="http://schemas.microsoft.com/office/drawing/2017/decorative" val="1"/>
+              </a:ext>
+            </a:extLst>
+          </p:cNvPr>
+          <p:cNvSpPr>
+            <a:spLocks noGrp="1" noRot="1" noChangeAspect="1" noMove="1" noResize="1" noEditPoints="1" noAdjustHandles="1" noChangeArrowheads="1" noChangeShapeType="1" noTextEdit="1"/>
+          </p:cNvSpPr>
+          <p:nvPr>
+            <p:extLst>
+              <p:ext uri="{386F3935-93C4-4BCD-93E2-E3B085C9AB24}">
+                <p16:designElem xmlns:p16="http://schemas.microsoft.com/office/powerpoint/2015/main" val="1"/>
+              </p:ext>
+            </p:extLst>
+          </p:nvPr>
+        </p:nvSpPr>
+        <p:spPr>
+          <a:xfrm rot="5400000">
+            <a:off x="759921" y="346791"/>
+            <a:ext cx="146304" cy="704088"/>
+          </a:xfrm>
+          <a:prstGeom prst="rect">
+            <a:avLst/>
+          </a:prstGeom>
+          <a:solidFill>
+            <a:schemeClr val="accent2"/>
+          </a:solidFill>
+          <a:ln>
+            <a:noFill/>
+          </a:ln>
+        </p:spPr>
+        <p:style>
+          <a:lnRef idx="2">
+            <a:schemeClr val="accent1">
+              <a:shade val="50000"/>
+            </a:schemeClr>
+          </a:lnRef>
+          <a:fillRef idx="1">
+            <a:schemeClr val="accent1"/>
+          </a:fillRef>
+          <a:effectRef idx="0">
+            <a:schemeClr val="accent1"/>
+          </a:effectRef>
+          <a:fontRef idx="minor">
+            <a:schemeClr val="lt1"/>
+          </a:fontRef>
+        </p:style>
+        <p:txBody>
+          <a:bodyPr rtlCol="0" anchor="ctr"/>
+          <a:lstStyle/>
+          <a:p>
+            <a:pPr algn="ctr"/>
+            <a:endParaRPr lang="en-US">
+              <a:solidFill>
+                <a:prstClr val="white"/>
+              </a:solidFill>
+              <a:latin typeface="Calibri" panose="020F0502020204030204"/>
+            </a:endParaRPr>
+          </a:p>
+        </p:txBody>
+      </p:sp>
+      <p:sp>
+        <p:nvSpPr>
+          <p:cNvPr id="43" name="Rectangle 42">
+            <a:extLst>
+              <a:ext uri="{FF2B5EF4-FFF2-40B4-BE49-F238E27FC236}">
+                <a16:creationId xmlns:a16="http://schemas.microsoft.com/office/drawing/2014/main" id="{E55FA2E8-33FD-97EB-D859-31DA5FEB1B51}"/>
+              </a:ext>
+              <a:ext uri="{C183D7F6-B498-43B3-948B-1728B52AA6E4}">
+                <adec:decorative xmlns:adec="http://schemas.microsoft.com/office/drawing/2017/decorative" val="1"/>
+              </a:ext>
+            </a:extLst>
+          </p:cNvPr>
+          <p:cNvSpPr>
+            <a:spLocks noGrp="1" noRot="1" noChangeAspect="1" noMove="1" noResize="1" noEditPoints="1" noAdjustHandles="1" noChangeArrowheads="1" noChangeShapeType="1" noTextEdit="1"/>
+          </p:cNvSpPr>
+          <p:nvPr>
+            <p:extLst>
+              <p:ext uri="{386F3935-93C4-4BCD-93E2-E3B085C9AB24}">
+                <p16:designElem xmlns:p16="http://schemas.microsoft.com/office/powerpoint/2015/main" val="1"/>
+              </p:ext>
+            </p:extLst>
+          </p:nvPr>
+        </p:nvSpPr>
+        <p:spPr>
+          <a:xfrm>
+            <a:off x="481029" y="4546920"/>
+            <a:ext cx="3977640" cy="18288"/>
+          </a:xfrm>
+          <a:prstGeom prst="rect">
+            <a:avLst/>
+          </a:prstGeom>
+          <a:solidFill>
+            <a:schemeClr val="tx1"/>
+          </a:solidFill>
+          <a:ln w="3175">
+            <a:noFill/>
+          </a:ln>
+          <a:effectLst/>
+        </p:spPr>
+        <p:style>
+          <a:lnRef idx="2">
+            <a:schemeClr val="accent1">
+              <a:shade val="50000"/>
+            </a:schemeClr>
+          </a:lnRef>
+          <a:fillRef idx="1">
+            <a:schemeClr val="accent1"/>
+          </a:fillRef>
+          <a:effectRef idx="0">
+            <a:schemeClr val="accent1"/>
+          </a:effectRef>
+          <a:fontRef idx="minor">
+            <a:schemeClr val="lt1"/>
+          </a:fontRef>
+        </p:style>
+        <p:txBody>
+          <a:bodyPr rtlCol="0" anchor="ctr"/>
+          <a:lstStyle/>
+          <a:p>
+            <a:pPr marL="0" marR="0" lvl="0" indent="0" algn="ctr" defTabSz="914400" rtl="0" eaLnBrk="1" fontAlgn="auto" latinLnBrk="0" hangingPunct="1">
+              <a:lnSpc>
+                <a:spcPct val="100000"/>
+              </a:lnSpc>
+              <a:spcBef>
+                <a:spcPts val="0"/>
+              </a:spcBef>
+              <a:spcAft>
+                <a:spcPts val="0"/>
+              </a:spcAft>
+              <a:buClrTx/>
+              <a:buSzTx/>
+              <a:buFontTx/>
+              <a:buNone/>
+              <a:tabLst/>
+              <a:defRPr/>
+            </a:pPr>
+            <a:endParaRPr kumimoji="0" lang="en-US" sz="1800" b="0" i="0" u="none" strike="noStrike" kern="1200" cap="none" spc="0" normalizeH="0" baseline="0" noProof="0">
+              <a:ln>
+                <a:noFill/>
+              </a:ln>
+              <a:solidFill>
+                <a:prstClr val="white"/>
+              </a:solidFill>
+              <a:effectLst/>
+              <a:uLnTx/>
+              <a:uFillTx/>
+              <a:latin typeface="Calibri" panose="020F0502020204030204"/>
+              <a:ea typeface="+mn-ea"/>
+              <a:cs typeface="+mn-cs"/>
+            </a:endParaRPr>
+          </a:p>
+        </p:txBody>
+      </p:sp>
+      <p:sp>
+        <p:nvSpPr>
+          <p:cNvPr id="6" name="Title 1">
+            <a:extLst>
+              <a:ext uri="{FF2B5EF4-FFF2-40B4-BE49-F238E27FC236}">
+                <a16:creationId xmlns:a16="http://schemas.microsoft.com/office/drawing/2014/main" id="{5E4BD94C-795E-B929-22F0-DFDBAB8026AA}"/>
+              </a:ext>
+            </a:extLst>
+          </p:cNvPr>
+          <p:cNvSpPr txBox="1">
+            <a:spLocks/>
+          </p:cNvSpPr>
+          <p:nvPr/>
+        </p:nvSpPr>
+        <p:spPr>
+          <a:xfrm>
+            <a:off x="456123" y="1926009"/>
+            <a:ext cx="4023360" cy="4306308"/>
+          </a:xfrm>
+          <a:prstGeom prst="rect">
+            <a:avLst/>
+          </a:prstGeom>
+        </p:spPr>
+        <p:txBody>
+          <a:bodyPr vert="horz" lIns="91440" tIns="45720" rIns="91440" bIns="45720" rtlCol="0" anchor="b">
+            <a:normAutofit/>
+          </a:bodyPr>
+          <a:lstStyle>
+            <a:lvl1pPr algn="l" defTabSz="914400" rtl="0" eaLnBrk="1" latinLnBrk="0" hangingPunct="1">
+              <a:lnSpc>
+                <a:spcPct val="90000"/>
+              </a:lnSpc>
+              <a:spcBef>
+                <a:spcPct val="0"/>
+              </a:spcBef>
+              <a:buNone/>
+              <a:defRPr sz="4400" kern="1200">
+                <a:solidFill>
+                  <a:schemeClr val="tx1"/>
+                </a:solidFill>
+                <a:latin typeface="+mj-lt"/>
+                <a:ea typeface="+mj-ea"/>
+                <a:cs typeface="+mj-cs"/>
+              </a:defRPr>
+            </a:lvl1pPr>
+          </a:lstStyle>
+          <a:p>
+            <a:endParaRPr lang="en-US" sz="4800" dirty="0">
+              <a:solidFill>
+                <a:schemeClr val="bg1"/>
+              </a:solidFill>
+            </a:endParaRPr>
+          </a:p>
+        </p:txBody>
+      </p:sp>
+      <p:sp>
+        <p:nvSpPr>
+          <p:cNvPr id="7" name="TextBox 6">
+            <a:extLst>
+              <a:ext uri="{FF2B5EF4-FFF2-40B4-BE49-F238E27FC236}">
+                <a16:creationId xmlns:a16="http://schemas.microsoft.com/office/drawing/2014/main" id="{75A96205-7A50-D17A-0AC3-BDC7F9DEB70F}"/>
+              </a:ext>
+            </a:extLst>
+          </p:cNvPr>
+          <p:cNvSpPr txBox="1"/>
+          <p:nvPr/>
+        </p:nvSpPr>
+        <p:spPr>
+          <a:xfrm>
+            <a:off x="481029" y="1848788"/>
+            <a:ext cx="3230880" cy="2862322"/>
+          </a:xfrm>
+          <a:prstGeom prst="rect">
+            <a:avLst/>
+          </a:prstGeom>
+          <a:noFill/>
+        </p:spPr>
+        <p:txBody>
+          <a:bodyPr wrap="square" rtlCol="0">
+            <a:spAutoFit/>
+          </a:bodyPr>
+          <a:lstStyle/>
+          <a:p>
+            <a:pPr marL="342900" indent="-342900">
+              <a:buFont typeface="Arial" panose="020B0604020202020204" pitchFamily="34" charset="0"/>
+              <a:buChar char="•"/>
+            </a:pPr>
+            <a:r>
+              <a:rPr lang="en-US" dirty="0">
+                <a:solidFill>
+                  <a:schemeClr val="bg1"/>
+                </a:solidFill>
+              </a:rPr>
+              <a:t>Defined our target variable and features</a:t>
+            </a:r>
+          </a:p>
+          <a:p>
+            <a:pPr marL="342900" indent="-342900">
+              <a:buFont typeface="Arial" panose="020B0604020202020204" pitchFamily="34" charset="0"/>
+              <a:buChar char="•"/>
+            </a:pPr>
+            <a:endParaRPr lang="en-US" dirty="0">
+              <a:solidFill>
+                <a:schemeClr val="bg1"/>
+              </a:solidFill>
+            </a:endParaRPr>
+          </a:p>
+          <a:p>
+            <a:pPr marL="342900" indent="-342900">
+              <a:buFont typeface="Arial" panose="020B0604020202020204" pitchFamily="34" charset="0"/>
+              <a:buChar char="•"/>
+            </a:pPr>
+            <a:r>
+              <a:rPr lang="en-US" dirty="0">
+                <a:solidFill>
+                  <a:schemeClr val="bg1"/>
+                </a:solidFill>
+              </a:rPr>
+              <a:t>Created train and test data</a:t>
+            </a:r>
+          </a:p>
+          <a:p>
+            <a:pPr marL="342900" indent="-342900">
+              <a:buFont typeface="Arial" panose="020B0604020202020204" pitchFamily="34" charset="0"/>
+              <a:buChar char="•"/>
+            </a:pPr>
+            <a:endParaRPr lang="en-US" dirty="0">
+              <a:solidFill>
+                <a:schemeClr val="bg1"/>
+              </a:solidFill>
+            </a:endParaRPr>
+          </a:p>
+          <a:p>
+            <a:pPr marL="342900" indent="-342900">
+              <a:buFont typeface="Arial" panose="020B0604020202020204" pitchFamily="34" charset="0"/>
+              <a:buChar char="•"/>
+            </a:pPr>
+            <a:r>
+              <a:rPr lang="en-US" dirty="0">
+                <a:solidFill>
+                  <a:schemeClr val="bg1"/>
+                </a:solidFill>
+              </a:rPr>
+              <a:t>Created a Decision Tree Model</a:t>
+            </a:r>
+          </a:p>
+          <a:p>
+            <a:pPr marL="342900" indent="-342900">
+              <a:buFont typeface="Arial" panose="020B0604020202020204" pitchFamily="34" charset="0"/>
+              <a:buChar char="•"/>
+            </a:pPr>
+            <a:endParaRPr lang="en-US" dirty="0">
+              <a:solidFill>
+                <a:schemeClr val="bg1"/>
+              </a:solidFill>
+            </a:endParaRPr>
+          </a:p>
+          <a:p>
+            <a:pPr marL="342900" indent="-342900">
+              <a:buFont typeface="Arial" panose="020B0604020202020204" pitchFamily="34" charset="0"/>
+              <a:buChar char="•"/>
+            </a:pPr>
+            <a:r>
+              <a:rPr lang="en-US" dirty="0">
+                <a:solidFill>
+                  <a:schemeClr val="bg1"/>
+                </a:solidFill>
+              </a:rPr>
+              <a:t>Fit the training data to the model</a:t>
+            </a:r>
+          </a:p>
+        </p:txBody>
+      </p:sp>
+      <p:sp>
+        <p:nvSpPr>
+          <p:cNvPr id="10" name="TextBox 9">
+            <a:extLst>
+              <a:ext uri="{FF2B5EF4-FFF2-40B4-BE49-F238E27FC236}">
+                <a16:creationId xmlns:a16="http://schemas.microsoft.com/office/drawing/2014/main" id="{ADBE257B-0BF6-8378-EB69-0C04A2B4AA8C}"/>
+              </a:ext>
+            </a:extLst>
+          </p:cNvPr>
+          <p:cNvSpPr txBox="1"/>
+          <p:nvPr/>
+        </p:nvSpPr>
+        <p:spPr>
+          <a:xfrm>
+            <a:off x="455754" y="1479456"/>
+            <a:ext cx="3230879" cy="369332"/>
+          </a:xfrm>
+          <a:prstGeom prst="rect">
+            <a:avLst/>
+          </a:prstGeom>
+          <a:noFill/>
+        </p:spPr>
+        <p:txBody>
+          <a:bodyPr wrap="square" rtlCol="0">
+            <a:spAutoFit/>
+          </a:bodyPr>
+          <a:lstStyle/>
+          <a:p>
+            <a:r>
+              <a:rPr lang="en-US" dirty="0">
+                <a:solidFill>
+                  <a:schemeClr val="bg1"/>
+                </a:solidFill>
+              </a:rPr>
+              <a:t>Creating and training our model!</a:t>
+            </a:r>
+            <a:endParaRPr lang="en-US" dirty="0"/>
+          </a:p>
+        </p:txBody>
+      </p:sp>
+      <p:pic>
+        <p:nvPicPr>
+          <p:cNvPr id="5" name="Picture 4" descr="A screenshot of a computer program&#10;&#10;Description automatically generated">
+            <a:extLst>
+              <a:ext uri="{FF2B5EF4-FFF2-40B4-BE49-F238E27FC236}">
+                <a16:creationId xmlns:a16="http://schemas.microsoft.com/office/drawing/2014/main" id="{24B02CA5-ED95-6D6A-6631-8A16AEE492EE}"/>
+              </a:ext>
+            </a:extLst>
+          </p:cNvPr>
+          <p:cNvPicPr>
+            <a:picLocks noChangeAspect="1"/>
+          </p:cNvPicPr>
+          <p:nvPr/>
+        </p:nvPicPr>
+        <p:blipFill>
+          <a:blip r:embed="rId3">
+            <a:extLst>
+              <a:ext uri="{28A0092B-C50C-407E-A947-70E740481C1C}">
+                <a14:useLocalDpi xmlns:a14="http://schemas.microsoft.com/office/drawing/2010/main" val="0"/>
+              </a:ext>
+            </a:extLst>
+          </a:blip>
+          <a:stretch>
+            <a:fillRect/>
+          </a:stretch>
+        </p:blipFill>
+        <p:spPr>
+          <a:xfrm>
+            <a:off x="4143197" y="469444"/>
+            <a:ext cx="7719541" cy="5919112"/>
+          </a:xfrm>
+          <a:prstGeom prst="rect">
+            <a:avLst/>
+          </a:prstGeom>
+        </p:spPr>
+      </p:pic>
+    </p:spTree>
+    <p:extLst>
+      <p:ext uri="{BB962C8B-B14F-4D97-AF65-F5344CB8AC3E}">
+        <p14:creationId xmlns:p14="http://schemas.microsoft.com/office/powerpoint/2010/main" val="3711241441"/>
+      </p:ext>
+    </p:extLst>
+  </p:cSld>
+  <p:clrMapOvr>
+    <a:masterClrMapping/>
+  </p:clrMapOvr>
+</p:sld>
+</file>
+
+<file path=ppt/slides/slide12.xml><?xml version="1.0" encoding="utf-8"?>
+<p:sld xmlns:a="http://schemas.openxmlformats.org/drawingml/2006/main" xmlns:r="http://schemas.openxmlformats.org/officeDocument/2006/relationships" xmlns:p="http://schemas.openxmlformats.org/presentationml/2006/main">
+  <p:cSld>
+    <p:bg>
+      <p:bgPr>
+        <a:solidFill>
+          <a:schemeClr val="bg1"/>
+        </a:solidFill>
+        <a:effectLst/>
+      </p:bgPr>
+    </p:bg>
+    <p:spTree>
+      <p:nvGrpSpPr>
+        <p:cNvPr id="1" name="">
+          <a:extLst>
+            <a:ext uri="{FF2B5EF4-FFF2-40B4-BE49-F238E27FC236}">
+              <a16:creationId xmlns:a16="http://schemas.microsoft.com/office/drawing/2014/main" id="{A2C30827-093C-02B3-963D-34BE51BC465F}"/>
+            </a:ext>
+          </a:extLst>
+        </p:cNvPr>
+        <p:cNvGrpSpPr/>
+        <p:nvPr/>
+      </p:nvGrpSpPr>
+      <p:grpSpPr>
+        <a:xfrm>
+          <a:off x="0" y="0"/>
+          <a:ext cx="0" cy="0"/>
+          <a:chOff x="0" y="0"/>
+          <a:chExt cx="0" cy="0"/>
+        </a:xfrm>
+      </p:grpSpPr>
+      <p:sp useBgFill="1">
+        <p:nvSpPr>
+          <p:cNvPr id="37" name="Rectangle 36">
+            <a:extLst>
+              <a:ext uri="{FF2B5EF4-FFF2-40B4-BE49-F238E27FC236}">
+                <a16:creationId xmlns:a16="http://schemas.microsoft.com/office/drawing/2014/main" id="{665E535A-A60D-25B5-02E8-A845D28AEF61}"/>
+              </a:ext>
+              <a:ext uri="{C183D7F6-B498-43B3-948B-1728B52AA6E4}">
+                <adec:decorative xmlns:adec="http://schemas.microsoft.com/office/drawing/2017/decorative" val="1"/>
+              </a:ext>
+            </a:extLst>
+          </p:cNvPr>
+          <p:cNvSpPr>
+            <a:spLocks noGrp="1" noRot="1" noChangeAspect="1" noMove="1" noResize="1" noEditPoints="1" noAdjustHandles="1" noChangeArrowheads="1" noChangeShapeType="1" noTextEdit="1"/>
+          </p:cNvSpPr>
+          <p:nvPr>
+            <p:extLst>
+              <p:ext uri="{386F3935-93C4-4BCD-93E2-E3B085C9AB24}">
+                <p16:designElem xmlns:p16="http://schemas.microsoft.com/office/powerpoint/2015/main" val="1"/>
+              </p:ext>
+            </p:extLst>
+          </p:nvPr>
+        </p:nvSpPr>
+        <p:spPr>
+          <a:xfrm>
+            <a:off x="0" y="0"/>
+            <a:ext cx="12192000" cy="6858000"/>
+          </a:xfrm>
+          <a:prstGeom prst="rect">
+            <a:avLst/>
+          </a:prstGeom>
+          <a:ln>
+            <a:noFill/>
+          </a:ln>
+        </p:spPr>
+        <p:style>
+          <a:lnRef idx="2">
+            <a:schemeClr val="accent1">
+              <a:shade val="50000"/>
+            </a:schemeClr>
+          </a:lnRef>
+          <a:fillRef idx="1">
+            <a:schemeClr val="accent1"/>
+          </a:fillRef>
+          <a:effectRef idx="0">
+            <a:schemeClr val="accent1"/>
+          </a:effectRef>
+          <a:fontRef idx="minor">
+            <a:schemeClr val="lt1"/>
+          </a:fontRef>
+        </p:style>
+        <p:txBody>
+          <a:bodyPr rtlCol="0" anchor="ctr"/>
+          <a:lstStyle/>
+          <a:p>
+            <a:pPr algn="ctr"/>
+            <a:endParaRPr lang="en-US"/>
+          </a:p>
+        </p:txBody>
+      </p:sp>
+      <p:pic>
+        <p:nvPicPr>
+          <p:cNvPr id="4" name="Content Placeholder 3" descr="A screenshot of a computer&#10;&#10;Description automatically generated">
+            <a:extLst>
+              <a:ext uri="{FF2B5EF4-FFF2-40B4-BE49-F238E27FC236}">
+                <a16:creationId xmlns:a16="http://schemas.microsoft.com/office/drawing/2014/main" id="{7115BF39-CE15-0561-E3B9-FC2B4952F3F8}"/>
+              </a:ext>
+            </a:extLst>
+          </p:cNvPr>
+          <p:cNvPicPr>
+            <a:picLocks noChangeAspect="1"/>
+          </p:cNvPicPr>
+          <p:nvPr/>
+        </p:nvPicPr>
+        <p:blipFill rotWithShape="1">
+          <a:blip r:embed="rId2"/>
+          <a:srcRect t="15881" r="9089" b="-2"/>
+          <a:stretch/>
+        </p:blipFill>
+        <p:spPr>
+          <a:xfrm>
+            <a:off x="3523488" y="10"/>
+            <a:ext cx="8668512" cy="6857990"/>
+          </a:xfrm>
+          <a:prstGeom prst="rect">
+            <a:avLst/>
+          </a:prstGeom>
+        </p:spPr>
+      </p:pic>
+      <p:sp>
+        <p:nvSpPr>
+          <p:cNvPr id="39" name="Rectangle 38">
+            <a:extLst>
+              <a:ext uri="{FF2B5EF4-FFF2-40B4-BE49-F238E27FC236}">
+                <a16:creationId xmlns:a16="http://schemas.microsoft.com/office/drawing/2014/main" id="{7F033190-BDE3-B71E-1BB2-CEF69437A57C}"/>
+              </a:ext>
+              <a:ext uri="{C183D7F6-B498-43B3-948B-1728B52AA6E4}">
+                <adec:decorative xmlns:adec="http://schemas.microsoft.com/office/drawing/2017/decorative" val="1"/>
+              </a:ext>
+            </a:extLst>
+          </p:cNvPr>
+          <p:cNvSpPr>
+            <a:spLocks noGrp="1" noRot="1" noChangeAspect="1" noMove="1" noResize="1" noEditPoints="1" noAdjustHandles="1" noChangeArrowheads="1" noChangeShapeType="1" noTextEdit="1"/>
+          </p:cNvSpPr>
+          <p:nvPr>
+            <p:extLst>
+              <p:ext uri="{386F3935-93C4-4BCD-93E2-E3B085C9AB24}">
+                <p16:designElem xmlns:p16="http://schemas.microsoft.com/office/powerpoint/2015/main" val="1"/>
+              </p:ext>
+            </p:extLst>
+          </p:nvPr>
+        </p:nvSpPr>
+        <p:spPr>
+          <a:xfrm>
+            <a:off x="3" y="0"/>
+            <a:ext cx="9339206" cy="6858000"/>
+          </a:xfrm>
+          <a:prstGeom prst="rect">
+            <a:avLst/>
+          </a:prstGeom>
+          <a:gradFill>
+            <a:gsLst>
+              <a:gs pos="58000">
+                <a:schemeClr val="tx1"/>
+              </a:gs>
+              <a:gs pos="33000">
+                <a:schemeClr val="tx1">
+                  <a:alpha val="64000"/>
+                </a:schemeClr>
+              </a:gs>
+              <a:gs pos="0">
+                <a:schemeClr val="tx1">
+                  <a:alpha val="0"/>
+                </a:schemeClr>
+              </a:gs>
+              <a:gs pos="100000">
+                <a:schemeClr val="tx1"/>
+              </a:gs>
+            </a:gsLst>
+            <a:lin ang="10800000" scaled="0"/>
+          </a:gradFill>
+          <a:ln>
+            <a:noFill/>
+          </a:ln>
+        </p:spPr>
+        <p:style>
+          <a:lnRef idx="2">
+            <a:schemeClr val="accent1">
+              <a:shade val="50000"/>
+            </a:schemeClr>
+          </a:lnRef>
+          <a:fillRef idx="1">
+            <a:schemeClr val="accent1"/>
+          </a:fillRef>
+          <a:effectRef idx="0">
+            <a:schemeClr val="accent1"/>
+          </a:effectRef>
+          <a:fontRef idx="minor">
+            <a:schemeClr val="lt1"/>
+          </a:fontRef>
+        </p:style>
+        <p:txBody>
+          <a:bodyPr rtlCol="0" anchor="ctr"/>
+          <a:lstStyle/>
+          <a:p>
+            <a:pPr algn="ctr"/>
+            <a:endParaRPr lang="en-US" dirty="0"/>
+          </a:p>
+        </p:txBody>
+      </p:sp>
+      <p:sp>
+        <p:nvSpPr>
+          <p:cNvPr id="2" name="Title 1">
+            <a:extLst>
+              <a:ext uri="{FF2B5EF4-FFF2-40B4-BE49-F238E27FC236}">
+                <a16:creationId xmlns:a16="http://schemas.microsoft.com/office/drawing/2014/main" id="{8FECE5E1-8A47-6ECB-E0A4-0A5361B7A6A2}"/>
+              </a:ext>
+            </a:extLst>
+          </p:cNvPr>
+          <p:cNvSpPr>
+            <a:spLocks noGrp="1"/>
+          </p:cNvSpPr>
+          <p:nvPr>
+            <p:ph type="title"/>
+          </p:nvPr>
+        </p:nvSpPr>
+        <p:spPr>
+          <a:xfrm>
+            <a:off x="456123" y="1341914"/>
+            <a:ext cx="4023360" cy="751193"/>
+          </a:xfrm>
+        </p:spPr>
+        <p:txBody>
+          <a:bodyPr vert="horz" lIns="91440" tIns="45720" rIns="91440" bIns="45720" rtlCol="0" anchor="b">
+            <a:normAutofit fontScale="90000"/>
+          </a:bodyPr>
+          <a:lstStyle/>
+          <a:p>
+            <a:r>
+              <a:rPr lang="en-US" sz="4800" dirty="0">
+                <a:solidFill>
+                  <a:schemeClr val="bg1"/>
+                </a:solidFill>
+              </a:rPr>
+              <a:t>Python/</a:t>
+            </a:r>
+            <a:r>
+              <a:rPr lang="en-US" sz="4800" dirty="0" err="1">
+                <a:solidFill>
+                  <a:schemeClr val="bg1"/>
+                </a:solidFill>
+              </a:rPr>
+              <a:t>Sklearn</a:t>
+            </a:r>
+            <a:br>
+              <a:rPr lang="en-US" sz="4800" dirty="0">
+                <a:solidFill>
+                  <a:schemeClr val="bg1"/>
+                </a:solidFill>
+              </a:rPr>
+            </a:br>
+            <a:endParaRPr lang="en-US" sz="4800" dirty="0">
+              <a:solidFill>
+                <a:schemeClr val="bg1"/>
+              </a:solidFill>
+            </a:endParaRPr>
+          </a:p>
+        </p:txBody>
+      </p:sp>
+      <p:sp>
+        <p:nvSpPr>
+          <p:cNvPr id="41" name="Rectangle 40">
+            <a:extLst>
+              <a:ext uri="{FF2B5EF4-FFF2-40B4-BE49-F238E27FC236}">
+                <a16:creationId xmlns:a16="http://schemas.microsoft.com/office/drawing/2014/main" id="{94B85436-EF07-E94B-E3C6-6E68428770F6}"/>
+              </a:ext>
+              <a:ext uri="{C183D7F6-B498-43B3-948B-1728B52AA6E4}">
+                <adec:decorative xmlns:adec="http://schemas.microsoft.com/office/drawing/2017/decorative" val="1"/>
+              </a:ext>
+            </a:extLst>
+          </p:cNvPr>
+          <p:cNvSpPr>
+            <a:spLocks noGrp="1" noRot="1" noChangeAspect="1" noMove="1" noResize="1" noEditPoints="1" noAdjustHandles="1" noChangeArrowheads="1" noChangeShapeType="1" noTextEdit="1"/>
+          </p:cNvSpPr>
+          <p:nvPr>
+            <p:extLst>
+              <p:ext uri="{386F3935-93C4-4BCD-93E2-E3B085C9AB24}">
+                <p16:designElem xmlns:p16="http://schemas.microsoft.com/office/powerpoint/2015/main" val="1"/>
+              </p:ext>
+            </p:extLst>
+          </p:nvPr>
+        </p:nvSpPr>
+        <p:spPr>
+          <a:xfrm rot="5400000">
+            <a:off x="759921" y="346791"/>
+            <a:ext cx="146304" cy="704088"/>
+          </a:xfrm>
+          <a:prstGeom prst="rect">
+            <a:avLst/>
+          </a:prstGeom>
+          <a:solidFill>
+            <a:schemeClr val="accent2"/>
+          </a:solidFill>
+          <a:ln>
+            <a:noFill/>
+          </a:ln>
+        </p:spPr>
+        <p:style>
+          <a:lnRef idx="2">
+            <a:schemeClr val="accent1">
+              <a:shade val="50000"/>
+            </a:schemeClr>
+          </a:lnRef>
+          <a:fillRef idx="1">
+            <a:schemeClr val="accent1"/>
+          </a:fillRef>
+          <a:effectRef idx="0">
+            <a:schemeClr val="accent1"/>
+          </a:effectRef>
+          <a:fontRef idx="minor">
+            <a:schemeClr val="lt1"/>
+          </a:fontRef>
+        </p:style>
+        <p:txBody>
+          <a:bodyPr rtlCol="0" anchor="ctr"/>
+          <a:lstStyle/>
+          <a:p>
+            <a:pPr algn="ctr"/>
+            <a:endParaRPr lang="en-US">
+              <a:solidFill>
+                <a:prstClr val="white"/>
+              </a:solidFill>
+              <a:latin typeface="Calibri" panose="020F0502020204030204"/>
+            </a:endParaRPr>
+          </a:p>
+        </p:txBody>
+      </p:sp>
+      <p:sp>
+        <p:nvSpPr>
+          <p:cNvPr id="43" name="Rectangle 42">
+            <a:extLst>
+              <a:ext uri="{FF2B5EF4-FFF2-40B4-BE49-F238E27FC236}">
+                <a16:creationId xmlns:a16="http://schemas.microsoft.com/office/drawing/2014/main" id="{3F090C99-2B22-D98B-E79E-5A49EF5200EB}"/>
+              </a:ext>
+              <a:ext uri="{C183D7F6-B498-43B3-948B-1728B52AA6E4}">
+                <adec:decorative xmlns:adec="http://schemas.microsoft.com/office/drawing/2017/decorative" val="1"/>
+              </a:ext>
+            </a:extLst>
+          </p:cNvPr>
+          <p:cNvSpPr>
+            <a:spLocks noGrp="1" noRot="1" noChangeAspect="1" noMove="1" noResize="1" noEditPoints="1" noAdjustHandles="1" noChangeArrowheads="1" noChangeShapeType="1" noTextEdit="1"/>
+          </p:cNvSpPr>
+          <p:nvPr>
+            <p:extLst>
+              <p:ext uri="{386F3935-93C4-4BCD-93E2-E3B085C9AB24}">
+                <p16:designElem xmlns:p16="http://schemas.microsoft.com/office/powerpoint/2015/main" val="1"/>
+              </p:ext>
+            </p:extLst>
+          </p:nvPr>
+        </p:nvSpPr>
+        <p:spPr>
+          <a:xfrm>
+            <a:off x="481029" y="4546920"/>
+            <a:ext cx="3977640" cy="18288"/>
+          </a:xfrm>
+          <a:prstGeom prst="rect">
+            <a:avLst/>
+          </a:prstGeom>
+          <a:solidFill>
+            <a:schemeClr val="tx1"/>
+          </a:solidFill>
+          <a:ln w="3175">
+            <a:noFill/>
+          </a:ln>
+          <a:effectLst/>
+        </p:spPr>
+        <p:style>
+          <a:lnRef idx="2">
+            <a:schemeClr val="accent1">
+              <a:shade val="50000"/>
+            </a:schemeClr>
+          </a:lnRef>
+          <a:fillRef idx="1">
+            <a:schemeClr val="accent1"/>
+          </a:fillRef>
+          <a:effectRef idx="0">
+            <a:schemeClr val="accent1"/>
+          </a:effectRef>
+          <a:fontRef idx="minor">
+            <a:schemeClr val="lt1"/>
+          </a:fontRef>
+        </p:style>
+        <p:txBody>
+          <a:bodyPr rtlCol="0" anchor="ctr"/>
+          <a:lstStyle/>
+          <a:p>
+            <a:pPr marL="0" marR="0" lvl="0" indent="0" algn="ctr" defTabSz="914400" rtl="0" eaLnBrk="1" fontAlgn="auto" latinLnBrk="0" hangingPunct="1">
+              <a:lnSpc>
+                <a:spcPct val="100000"/>
+              </a:lnSpc>
+              <a:spcBef>
+                <a:spcPts val="0"/>
+              </a:spcBef>
+              <a:spcAft>
+                <a:spcPts val="0"/>
+              </a:spcAft>
+              <a:buClrTx/>
+              <a:buSzTx/>
+              <a:buFontTx/>
+              <a:buNone/>
+              <a:tabLst/>
+              <a:defRPr/>
+            </a:pPr>
+            <a:endParaRPr kumimoji="0" lang="en-US" sz="1800" b="0" i="0" u="none" strike="noStrike" kern="1200" cap="none" spc="0" normalizeH="0" baseline="0" noProof="0">
+              <a:ln>
+                <a:noFill/>
+              </a:ln>
+              <a:solidFill>
+                <a:prstClr val="white"/>
+              </a:solidFill>
+              <a:effectLst/>
+              <a:uLnTx/>
+              <a:uFillTx/>
+              <a:latin typeface="Calibri" panose="020F0502020204030204"/>
+              <a:ea typeface="+mn-ea"/>
+              <a:cs typeface="+mn-cs"/>
+            </a:endParaRPr>
+          </a:p>
+        </p:txBody>
+      </p:sp>
+      <p:sp>
+        <p:nvSpPr>
+          <p:cNvPr id="6" name="Title 1">
+            <a:extLst>
+              <a:ext uri="{FF2B5EF4-FFF2-40B4-BE49-F238E27FC236}">
+                <a16:creationId xmlns:a16="http://schemas.microsoft.com/office/drawing/2014/main" id="{154532EC-D4EB-38A9-6E8A-C7C4AA16DB07}"/>
+              </a:ext>
+            </a:extLst>
+          </p:cNvPr>
+          <p:cNvSpPr txBox="1">
+            <a:spLocks/>
+          </p:cNvSpPr>
+          <p:nvPr/>
+        </p:nvSpPr>
+        <p:spPr>
+          <a:xfrm>
+            <a:off x="456123" y="1926009"/>
+            <a:ext cx="4023360" cy="4306308"/>
+          </a:xfrm>
+          <a:prstGeom prst="rect">
+            <a:avLst/>
+          </a:prstGeom>
+        </p:spPr>
+        <p:txBody>
+          <a:bodyPr vert="horz" lIns="91440" tIns="45720" rIns="91440" bIns="45720" rtlCol="0" anchor="b">
+            <a:normAutofit/>
+          </a:bodyPr>
+          <a:lstStyle>
+            <a:lvl1pPr algn="l" defTabSz="914400" rtl="0" eaLnBrk="1" latinLnBrk="0" hangingPunct="1">
+              <a:lnSpc>
+                <a:spcPct val="90000"/>
+              </a:lnSpc>
+              <a:spcBef>
+                <a:spcPct val="0"/>
+              </a:spcBef>
+              <a:buNone/>
+              <a:defRPr sz="4400" kern="1200">
+                <a:solidFill>
+                  <a:schemeClr val="tx1"/>
+                </a:solidFill>
+                <a:latin typeface="+mj-lt"/>
+                <a:ea typeface="+mj-ea"/>
+                <a:cs typeface="+mj-cs"/>
+              </a:defRPr>
+            </a:lvl1pPr>
+          </a:lstStyle>
+          <a:p>
+            <a:endParaRPr lang="en-US" sz="4800" dirty="0">
+              <a:solidFill>
+                <a:schemeClr val="bg1"/>
+              </a:solidFill>
+            </a:endParaRPr>
+          </a:p>
+        </p:txBody>
+      </p:sp>
+      <p:sp>
+        <p:nvSpPr>
+          <p:cNvPr id="7" name="TextBox 6">
+            <a:extLst>
+              <a:ext uri="{FF2B5EF4-FFF2-40B4-BE49-F238E27FC236}">
+                <a16:creationId xmlns:a16="http://schemas.microsoft.com/office/drawing/2014/main" id="{5745842F-D863-7E2E-81BA-1DDB78CB03D5}"/>
+              </a:ext>
+            </a:extLst>
+          </p:cNvPr>
+          <p:cNvSpPr txBox="1"/>
+          <p:nvPr/>
+        </p:nvSpPr>
+        <p:spPr>
+          <a:xfrm>
+            <a:off x="481029" y="1848788"/>
+            <a:ext cx="3230880" cy="2862322"/>
+          </a:xfrm>
+          <a:prstGeom prst="rect">
+            <a:avLst/>
+          </a:prstGeom>
+          <a:noFill/>
+        </p:spPr>
+        <p:txBody>
+          <a:bodyPr wrap="square" rtlCol="0">
+            <a:spAutoFit/>
+          </a:bodyPr>
+          <a:lstStyle/>
+          <a:p>
+            <a:pPr marL="342900" indent="-342900">
+              <a:buFont typeface="Arial" panose="020B0604020202020204" pitchFamily="34" charset="0"/>
+              <a:buChar char="•"/>
+            </a:pPr>
+            <a:r>
+              <a:rPr lang="en-US" dirty="0">
+                <a:solidFill>
+                  <a:schemeClr val="bg1"/>
+                </a:solidFill>
+              </a:rPr>
+              <a:t>Made predictions using test data</a:t>
+            </a:r>
+          </a:p>
+          <a:p>
+            <a:pPr marL="342900" indent="-342900">
+              <a:buFont typeface="Arial" panose="020B0604020202020204" pitchFamily="34" charset="0"/>
+              <a:buChar char="•"/>
+            </a:pPr>
+            <a:endParaRPr lang="en-US" dirty="0">
+              <a:solidFill>
+                <a:schemeClr val="bg1"/>
+              </a:solidFill>
+            </a:endParaRPr>
+          </a:p>
+          <a:p>
+            <a:pPr marL="342900" indent="-342900">
+              <a:buFont typeface="Arial" panose="020B0604020202020204" pitchFamily="34" charset="0"/>
+              <a:buChar char="•"/>
+            </a:pPr>
+            <a:r>
+              <a:rPr lang="en-US" dirty="0">
+                <a:solidFill>
+                  <a:schemeClr val="bg1"/>
+                </a:solidFill>
+              </a:rPr>
+              <a:t>Looked at accuracy score</a:t>
+            </a:r>
+          </a:p>
+          <a:p>
+            <a:pPr marL="342900" indent="-342900">
+              <a:buFont typeface="Arial" panose="020B0604020202020204" pitchFamily="34" charset="0"/>
+              <a:buChar char="•"/>
+            </a:pPr>
+            <a:endParaRPr lang="en-US" dirty="0">
+              <a:solidFill>
+                <a:schemeClr val="bg1"/>
+              </a:solidFill>
+            </a:endParaRPr>
+          </a:p>
+          <a:p>
+            <a:pPr marL="342900" indent="-342900">
+              <a:buFont typeface="Arial" panose="020B0604020202020204" pitchFamily="34" charset="0"/>
+              <a:buChar char="•"/>
+            </a:pPr>
+            <a:r>
+              <a:rPr lang="en-US" dirty="0">
+                <a:solidFill>
+                  <a:schemeClr val="bg1"/>
+                </a:solidFill>
+              </a:rPr>
+              <a:t>Generated a confusion matrix</a:t>
+            </a:r>
+          </a:p>
+          <a:p>
+            <a:pPr marL="342900" indent="-342900">
+              <a:buFont typeface="Arial" panose="020B0604020202020204" pitchFamily="34" charset="0"/>
+              <a:buChar char="•"/>
+            </a:pPr>
+            <a:endParaRPr lang="en-US" dirty="0">
+              <a:solidFill>
+                <a:schemeClr val="bg1"/>
+              </a:solidFill>
+            </a:endParaRPr>
+          </a:p>
+          <a:p>
+            <a:pPr marL="342900" indent="-342900">
+              <a:buFont typeface="Arial" panose="020B0604020202020204" pitchFamily="34" charset="0"/>
+              <a:buChar char="•"/>
+            </a:pPr>
+            <a:r>
+              <a:rPr lang="en-US" dirty="0">
+                <a:solidFill>
+                  <a:schemeClr val="bg1"/>
+                </a:solidFill>
+              </a:rPr>
+              <a:t>Generated a classification report</a:t>
+            </a:r>
+          </a:p>
+        </p:txBody>
+      </p:sp>
+      <p:sp>
+        <p:nvSpPr>
+          <p:cNvPr id="10" name="TextBox 9">
+            <a:extLst>
+              <a:ext uri="{FF2B5EF4-FFF2-40B4-BE49-F238E27FC236}">
+                <a16:creationId xmlns:a16="http://schemas.microsoft.com/office/drawing/2014/main" id="{A6B92EFD-A8ED-97C2-769B-36FE5698AE35}"/>
+              </a:ext>
+            </a:extLst>
+          </p:cNvPr>
+          <p:cNvSpPr txBox="1"/>
+          <p:nvPr/>
+        </p:nvSpPr>
+        <p:spPr>
+          <a:xfrm>
+            <a:off x="455754" y="1479456"/>
+            <a:ext cx="3230879" cy="369332"/>
+          </a:xfrm>
+          <a:prstGeom prst="rect">
+            <a:avLst/>
+          </a:prstGeom>
+          <a:noFill/>
+        </p:spPr>
+        <p:txBody>
+          <a:bodyPr wrap="square" rtlCol="0">
+            <a:spAutoFit/>
+          </a:bodyPr>
+          <a:lstStyle/>
+          <a:p>
+            <a:r>
+              <a:rPr lang="en-US" dirty="0">
+                <a:solidFill>
+                  <a:schemeClr val="bg1"/>
+                </a:solidFill>
+              </a:rPr>
+              <a:t>How well did it predict?</a:t>
+            </a:r>
+            <a:endParaRPr lang="en-US" dirty="0"/>
+          </a:p>
+        </p:txBody>
+      </p:sp>
+      <p:pic>
+        <p:nvPicPr>
+          <p:cNvPr id="8" name="Picture 7" descr="A screenshot of a computer&#10;&#10;Description automatically generated">
+            <a:extLst>
+              <a:ext uri="{FF2B5EF4-FFF2-40B4-BE49-F238E27FC236}">
+                <a16:creationId xmlns:a16="http://schemas.microsoft.com/office/drawing/2014/main" id="{BCCD5E5F-53D4-3D98-D049-5E2EFD761279}"/>
+              </a:ext>
+            </a:extLst>
+          </p:cNvPr>
+          <p:cNvPicPr>
+            <a:picLocks noChangeAspect="1"/>
+          </p:cNvPicPr>
+          <p:nvPr/>
+        </p:nvPicPr>
+        <p:blipFill>
+          <a:blip r:embed="rId3">
+            <a:extLst>
+              <a:ext uri="{28A0092B-C50C-407E-A947-70E740481C1C}">
+                <a14:useLocalDpi xmlns:a14="http://schemas.microsoft.com/office/drawing/2010/main" val="0"/>
+              </a:ext>
+            </a:extLst>
+          </a:blip>
+          <a:stretch>
+            <a:fillRect/>
+          </a:stretch>
+        </p:blipFill>
+        <p:spPr>
+          <a:xfrm>
+            <a:off x="4142384" y="1170808"/>
+            <a:ext cx="7881531" cy="4516383"/>
+          </a:xfrm>
+          <a:prstGeom prst="rect">
+            <a:avLst/>
+          </a:prstGeom>
+        </p:spPr>
+      </p:pic>
+    </p:spTree>
+    <p:extLst>
+      <p:ext uri="{BB962C8B-B14F-4D97-AF65-F5344CB8AC3E}">
+        <p14:creationId xmlns:p14="http://schemas.microsoft.com/office/powerpoint/2010/main" val="2414953961"/>
+      </p:ext>
+    </p:extLst>
+  </p:cSld>
+  <p:clrMapOvr>
+    <a:masterClrMapping/>
+  </p:clrMapOvr>
+</p:sld>
+</file>
+
+<file path=ppt/slides/slide13.xml><?xml version="1.0" encoding="utf-8"?>
+<p:sld xmlns:a="http://schemas.openxmlformats.org/drawingml/2006/main" xmlns:r="http://schemas.openxmlformats.org/officeDocument/2006/relationships" xmlns:p="http://schemas.openxmlformats.org/presentationml/2006/main">
+  <p:cSld>
+    <p:bg>
+      <p:bgPr>
+        <a:solidFill>
+          <a:schemeClr val="bg1"/>
+        </a:solidFill>
+        <a:effectLst/>
+      </p:bgPr>
+    </p:bg>
+    <p:spTree>
+      <p:nvGrpSpPr>
+        <p:cNvPr id="1" name="">
+          <a:extLst>
+            <a:ext uri="{FF2B5EF4-FFF2-40B4-BE49-F238E27FC236}">
+              <a16:creationId xmlns:a16="http://schemas.microsoft.com/office/drawing/2014/main" id="{44F0626A-C774-F73F-D3E1-6DDF4853C280}"/>
+            </a:ext>
+          </a:extLst>
+        </p:cNvPr>
+        <p:cNvGrpSpPr/>
+        <p:nvPr/>
+      </p:nvGrpSpPr>
+      <p:grpSpPr>
+        <a:xfrm>
+          <a:off x="0" y="0"/>
+          <a:ext cx="0" cy="0"/>
+          <a:chOff x="0" y="0"/>
+          <a:chExt cx="0" cy="0"/>
+        </a:xfrm>
+      </p:grpSpPr>
+      <p:sp useBgFill="1">
+        <p:nvSpPr>
+          <p:cNvPr id="37" name="Rectangle 36">
+            <a:extLst>
+              <a:ext uri="{FF2B5EF4-FFF2-40B4-BE49-F238E27FC236}">
+                <a16:creationId xmlns:a16="http://schemas.microsoft.com/office/drawing/2014/main" id="{F8BC3918-333A-F88C-7115-4679569DA36B}"/>
+              </a:ext>
+              <a:ext uri="{C183D7F6-B498-43B3-948B-1728B52AA6E4}">
+                <adec:decorative xmlns:adec="http://schemas.microsoft.com/office/drawing/2017/decorative" val="1"/>
+              </a:ext>
+            </a:extLst>
+          </p:cNvPr>
+          <p:cNvSpPr>
+            <a:spLocks noGrp="1" noRot="1" noChangeAspect="1" noMove="1" noResize="1" noEditPoints="1" noAdjustHandles="1" noChangeArrowheads="1" noChangeShapeType="1" noTextEdit="1"/>
+          </p:cNvSpPr>
+          <p:nvPr>
+            <p:extLst>
+              <p:ext uri="{386F3935-93C4-4BCD-93E2-E3B085C9AB24}">
+                <p16:designElem xmlns:p16="http://schemas.microsoft.com/office/powerpoint/2015/main" val="1"/>
+              </p:ext>
+            </p:extLst>
+          </p:nvPr>
+        </p:nvSpPr>
+        <p:spPr>
+          <a:xfrm>
+            <a:off x="0" y="0"/>
+            <a:ext cx="12192000" cy="6858000"/>
+          </a:xfrm>
+          <a:prstGeom prst="rect">
+            <a:avLst/>
+          </a:prstGeom>
+          <a:ln>
+            <a:noFill/>
+          </a:ln>
+        </p:spPr>
+        <p:style>
+          <a:lnRef idx="2">
+            <a:schemeClr val="accent1">
+              <a:shade val="50000"/>
+            </a:schemeClr>
+          </a:lnRef>
+          <a:fillRef idx="1">
+            <a:schemeClr val="accent1"/>
+          </a:fillRef>
+          <a:effectRef idx="0">
+            <a:schemeClr val="accent1"/>
+          </a:effectRef>
+          <a:fontRef idx="minor">
+            <a:schemeClr val="lt1"/>
+          </a:fontRef>
+        </p:style>
+        <p:txBody>
+          <a:bodyPr rtlCol="0" anchor="ctr"/>
+          <a:lstStyle/>
+          <a:p>
+            <a:pPr algn="ctr"/>
+            <a:endParaRPr lang="en-US"/>
+          </a:p>
+        </p:txBody>
+      </p:sp>
+      <p:pic>
+        <p:nvPicPr>
+          <p:cNvPr id="4" name="Content Placeholder 3" descr="A screenshot of a computer&#10;&#10;Description automatically generated">
+            <a:extLst>
+              <a:ext uri="{FF2B5EF4-FFF2-40B4-BE49-F238E27FC236}">
+                <a16:creationId xmlns:a16="http://schemas.microsoft.com/office/drawing/2014/main" id="{830A8479-E251-0D0B-D0BB-6C451E6978DE}"/>
+              </a:ext>
+            </a:extLst>
+          </p:cNvPr>
+          <p:cNvPicPr>
+            <a:picLocks noChangeAspect="1"/>
+          </p:cNvPicPr>
+          <p:nvPr/>
+        </p:nvPicPr>
+        <p:blipFill rotWithShape="1">
+          <a:blip r:embed="rId2"/>
+          <a:srcRect t="15881" r="9089" b="-2"/>
+          <a:stretch/>
+        </p:blipFill>
+        <p:spPr>
+          <a:xfrm>
+            <a:off x="3523488" y="10"/>
+            <a:ext cx="8668512" cy="6857990"/>
+          </a:xfrm>
+          <a:prstGeom prst="rect">
+            <a:avLst/>
+          </a:prstGeom>
+        </p:spPr>
+      </p:pic>
+      <p:sp>
+        <p:nvSpPr>
+          <p:cNvPr id="39" name="Rectangle 38">
+            <a:extLst>
+              <a:ext uri="{FF2B5EF4-FFF2-40B4-BE49-F238E27FC236}">
+                <a16:creationId xmlns:a16="http://schemas.microsoft.com/office/drawing/2014/main" id="{96AD1E61-D5AE-06FC-2C41-BA6E09019C19}"/>
+              </a:ext>
+              <a:ext uri="{C183D7F6-B498-43B3-948B-1728B52AA6E4}">
+                <adec:decorative xmlns:adec="http://schemas.microsoft.com/office/drawing/2017/decorative" val="1"/>
+              </a:ext>
+            </a:extLst>
+          </p:cNvPr>
+          <p:cNvSpPr>
+            <a:spLocks noGrp="1" noRot="1" noChangeAspect="1" noMove="1" noResize="1" noEditPoints="1" noAdjustHandles="1" noChangeArrowheads="1" noChangeShapeType="1" noTextEdit="1"/>
+          </p:cNvSpPr>
+          <p:nvPr>
+            <p:extLst>
+              <p:ext uri="{386F3935-93C4-4BCD-93E2-E3B085C9AB24}">
+                <p16:designElem xmlns:p16="http://schemas.microsoft.com/office/powerpoint/2015/main" val="1"/>
+              </p:ext>
+            </p:extLst>
+          </p:nvPr>
+        </p:nvSpPr>
+        <p:spPr>
+          <a:xfrm>
+            <a:off x="3" y="0"/>
+            <a:ext cx="9339206" cy="6858000"/>
+          </a:xfrm>
+          <a:prstGeom prst="rect">
+            <a:avLst/>
+          </a:prstGeom>
+          <a:gradFill>
+            <a:gsLst>
+              <a:gs pos="58000">
+                <a:schemeClr val="tx1"/>
+              </a:gs>
+              <a:gs pos="33000">
+                <a:schemeClr val="tx1">
+                  <a:alpha val="64000"/>
+                </a:schemeClr>
+              </a:gs>
+              <a:gs pos="0">
+                <a:schemeClr val="tx1">
+                  <a:alpha val="0"/>
+                </a:schemeClr>
+              </a:gs>
+              <a:gs pos="100000">
+                <a:schemeClr val="tx1"/>
+              </a:gs>
+            </a:gsLst>
+            <a:lin ang="10800000" scaled="0"/>
+          </a:gradFill>
+          <a:ln>
+            <a:noFill/>
+          </a:ln>
+        </p:spPr>
+        <p:style>
+          <a:lnRef idx="2">
+            <a:schemeClr val="accent1">
+              <a:shade val="50000"/>
+            </a:schemeClr>
+          </a:lnRef>
+          <a:fillRef idx="1">
+            <a:schemeClr val="accent1"/>
+          </a:fillRef>
+          <a:effectRef idx="0">
+            <a:schemeClr val="accent1"/>
+          </a:effectRef>
+          <a:fontRef idx="minor">
+            <a:schemeClr val="lt1"/>
+          </a:fontRef>
+        </p:style>
+        <p:txBody>
+          <a:bodyPr rtlCol="0" anchor="ctr"/>
+          <a:lstStyle/>
+          <a:p>
+            <a:pPr algn="ctr"/>
+            <a:endParaRPr lang="en-US" dirty="0"/>
+          </a:p>
+        </p:txBody>
+      </p:sp>
+      <p:sp>
+        <p:nvSpPr>
+          <p:cNvPr id="2" name="Title 1">
+            <a:extLst>
+              <a:ext uri="{FF2B5EF4-FFF2-40B4-BE49-F238E27FC236}">
+                <a16:creationId xmlns:a16="http://schemas.microsoft.com/office/drawing/2014/main" id="{52BADE16-C114-2134-71D4-C4E964F6BB5D}"/>
+              </a:ext>
+            </a:extLst>
+          </p:cNvPr>
+          <p:cNvSpPr>
+            <a:spLocks noGrp="1"/>
+          </p:cNvSpPr>
+          <p:nvPr>
+            <p:ph type="title"/>
+          </p:nvPr>
+        </p:nvSpPr>
+        <p:spPr>
+          <a:xfrm>
+            <a:off x="385851" y="1174815"/>
+            <a:ext cx="4495658" cy="751193"/>
+          </a:xfrm>
+        </p:spPr>
+        <p:txBody>
+          <a:bodyPr vert="horz" lIns="91440" tIns="45720" rIns="91440" bIns="45720" rtlCol="0" anchor="b">
+            <a:normAutofit/>
+          </a:bodyPr>
+          <a:lstStyle/>
+          <a:p>
+            <a:r>
+              <a:rPr lang="en-US" sz="4800" dirty="0">
+                <a:solidFill>
+                  <a:schemeClr val="bg1"/>
+                </a:solidFill>
+              </a:rPr>
+              <a:t>Look at that Tree!</a:t>
+            </a:r>
+          </a:p>
+        </p:txBody>
+      </p:sp>
+      <p:sp>
+        <p:nvSpPr>
+          <p:cNvPr id="41" name="Rectangle 40">
+            <a:extLst>
+              <a:ext uri="{FF2B5EF4-FFF2-40B4-BE49-F238E27FC236}">
+                <a16:creationId xmlns:a16="http://schemas.microsoft.com/office/drawing/2014/main" id="{836E88AD-E337-2605-24E5-5D6DCEBADE79}"/>
+              </a:ext>
+              <a:ext uri="{C183D7F6-B498-43B3-948B-1728B52AA6E4}">
+                <adec:decorative xmlns:adec="http://schemas.microsoft.com/office/drawing/2017/decorative" val="1"/>
+              </a:ext>
+            </a:extLst>
+          </p:cNvPr>
+          <p:cNvSpPr>
+            <a:spLocks noGrp="1" noRot="1" noChangeAspect="1" noMove="1" noResize="1" noEditPoints="1" noAdjustHandles="1" noChangeArrowheads="1" noChangeShapeType="1" noTextEdit="1"/>
+          </p:cNvSpPr>
+          <p:nvPr>
+            <p:extLst>
+              <p:ext uri="{386F3935-93C4-4BCD-93E2-E3B085C9AB24}">
+                <p16:designElem xmlns:p16="http://schemas.microsoft.com/office/powerpoint/2015/main" val="1"/>
+              </p:ext>
+            </p:extLst>
+          </p:nvPr>
+        </p:nvSpPr>
+        <p:spPr>
+          <a:xfrm rot="5400000">
+            <a:off x="759921" y="346791"/>
+            <a:ext cx="146304" cy="704088"/>
+          </a:xfrm>
+          <a:prstGeom prst="rect">
+            <a:avLst/>
+          </a:prstGeom>
+          <a:solidFill>
+            <a:schemeClr val="accent2"/>
+          </a:solidFill>
+          <a:ln>
+            <a:noFill/>
+          </a:ln>
+        </p:spPr>
+        <p:style>
+          <a:lnRef idx="2">
+            <a:schemeClr val="accent1">
+              <a:shade val="50000"/>
+            </a:schemeClr>
+          </a:lnRef>
+          <a:fillRef idx="1">
+            <a:schemeClr val="accent1"/>
+          </a:fillRef>
+          <a:effectRef idx="0">
+            <a:schemeClr val="accent1"/>
+          </a:effectRef>
+          <a:fontRef idx="minor">
+            <a:schemeClr val="lt1"/>
+          </a:fontRef>
+        </p:style>
+        <p:txBody>
+          <a:bodyPr rtlCol="0" anchor="ctr"/>
+          <a:lstStyle/>
+          <a:p>
+            <a:pPr algn="ctr"/>
+            <a:endParaRPr lang="en-US">
+              <a:solidFill>
+                <a:prstClr val="white"/>
+              </a:solidFill>
+              <a:latin typeface="Calibri" panose="020F0502020204030204"/>
+            </a:endParaRPr>
+          </a:p>
+        </p:txBody>
+      </p:sp>
+      <p:sp>
+        <p:nvSpPr>
+          <p:cNvPr id="43" name="Rectangle 42">
+            <a:extLst>
+              <a:ext uri="{FF2B5EF4-FFF2-40B4-BE49-F238E27FC236}">
+                <a16:creationId xmlns:a16="http://schemas.microsoft.com/office/drawing/2014/main" id="{A4A95562-3C99-1BEC-6FD4-5031C4D4DFBF}"/>
+              </a:ext>
+              <a:ext uri="{C183D7F6-B498-43B3-948B-1728B52AA6E4}">
+                <adec:decorative xmlns:adec="http://schemas.microsoft.com/office/drawing/2017/decorative" val="1"/>
+              </a:ext>
+            </a:extLst>
+          </p:cNvPr>
+          <p:cNvSpPr>
+            <a:spLocks noGrp="1" noRot="1" noChangeAspect="1" noMove="1" noResize="1" noEditPoints="1" noAdjustHandles="1" noChangeArrowheads="1" noChangeShapeType="1" noTextEdit="1"/>
+          </p:cNvSpPr>
+          <p:nvPr>
+            <p:extLst>
+              <p:ext uri="{386F3935-93C4-4BCD-93E2-E3B085C9AB24}">
+                <p16:designElem xmlns:p16="http://schemas.microsoft.com/office/powerpoint/2015/main" val="1"/>
+              </p:ext>
+            </p:extLst>
+          </p:nvPr>
+        </p:nvSpPr>
+        <p:spPr>
+          <a:xfrm>
+            <a:off x="481029" y="4546920"/>
+            <a:ext cx="3977640" cy="18288"/>
+          </a:xfrm>
+          <a:prstGeom prst="rect">
+            <a:avLst/>
+          </a:prstGeom>
+          <a:solidFill>
+            <a:schemeClr val="tx1"/>
+          </a:solidFill>
+          <a:ln w="3175">
+            <a:noFill/>
+          </a:ln>
+          <a:effectLst/>
+        </p:spPr>
+        <p:style>
+          <a:lnRef idx="2">
+            <a:schemeClr val="accent1">
+              <a:shade val="50000"/>
+            </a:schemeClr>
+          </a:lnRef>
+          <a:fillRef idx="1">
+            <a:schemeClr val="accent1"/>
+          </a:fillRef>
+          <a:effectRef idx="0">
+            <a:schemeClr val="accent1"/>
+          </a:effectRef>
+          <a:fontRef idx="minor">
+            <a:schemeClr val="lt1"/>
+          </a:fontRef>
+        </p:style>
+        <p:txBody>
+          <a:bodyPr rtlCol="0" anchor="ctr"/>
+          <a:lstStyle/>
+          <a:p>
+            <a:pPr marL="0" marR="0" lvl="0" indent="0" algn="ctr" defTabSz="914400" rtl="0" eaLnBrk="1" fontAlgn="auto" latinLnBrk="0" hangingPunct="1">
+              <a:lnSpc>
+                <a:spcPct val="100000"/>
+              </a:lnSpc>
+              <a:spcBef>
+                <a:spcPts val="0"/>
+              </a:spcBef>
+              <a:spcAft>
+                <a:spcPts val="0"/>
+              </a:spcAft>
+              <a:buClrTx/>
+              <a:buSzTx/>
+              <a:buFontTx/>
+              <a:buNone/>
+              <a:tabLst/>
+              <a:defRPr/>
+            </a:pPr>
+            <a:endParaRPr kumimoji="0" lang="en-US" sz="1800" b="0" i="0" u="none" strike="noStrike" kern="1200" cap="none" spc="0" normalizeH="0" baseline="0" noProof="0">
+              <a:ln>
+                <a:noFill/>
+              </a:ln>
+              <a:solidFill>
+                <a:prstClr val="white"/>
+              </a:solidFill>
+              <a:effectLst/>
+              <a:uLnTx/>
+              <a:uFillTx/>
+              <a:latin typeface="Calibri" panose="020F0502020204030204"/>
+              <a:ea typeface="+mn-ea"/>
+              <a:cs typeface="+mn-cs"/>
+            </a:endParaRPr>
+          </a:p>
+        </p:txBody>
+      </p:sp>
+      <p:sp>
+        <p:nvSpPr>
+          <p:cNvPr id="6" name="Title 1">
+            <a:extLst>
+              <a:ext uri="{FF2B5EF4-FFF2-40B4-BE49-F238E27FC236}">
+                <a16:creationId xmlns:a16="http://schemas.microsoft.com/office/drawing/2014/main" id="{6B1FEF86-74BC-2F61-1B9E-DD91C4B5214C}"/>
+              </a:ext>
+            </a:extLst>
+          </p:cNvPr>
+          <p:cNvSpPr txBox="1">
+            <a:spLocks/>
+          </p:cNvSpPr>
+          <p:nvPr/>
+        </p:nvSpPr>
+        <p:spPr>
+          <a:xfrm>
+            <a:off x="456123" y="1926009"/>
+            <a:ext cx="4023360" cy="4306308"/>
+          </a:xfrm>
+          <a:prstGeom prst="rect">
+            <a:avLst/>
+          </a:prstGeom>
+        </p:spPr>
+        <p:txBody>
+          <a:bodyPr vert="horz" lIns="91440" tIns="45720" rIns="91440" bIns="45720" rtlCol="0" anchor="b">
+            <a:normAutofit/>
+          </a:bodyPr>
+          <a:lstStyle>
+            <a:lvl1pPr algn="l" defTabSz="914400" rtl="0" eaLnBrk="1" latinLnBrk="0" hangingPunct="1">
+              <a:lnSpc>
+                <a:spcPct val="90000"/>
+              </a:lnSpc>
+              <a:spcBef>
+                <a:spcPct val="0"/>
+              </a:spcBef>
+              <a:buNone/>
+              <a:defRPr sz="4400" kern="1200">
+                <a:solidFill>
+                  <a:schemeClr val="tx1"/>
+                </a:solidFill>
+                <a:latin typeface="+mj-lt"/>
+                <a:ea typeface="+mj-ea"/>
+                <a:cs typeface="+mj-cs"/>
+              </a:defRPr>
+            </a:lvl1pPr>
+          </a:lstStyle>
+          <a:p>
+            <a:endParaRPr lang="en-US" sz="4800" dirty="0">
+              <a:solidFill>
+                <a:schemeClr val="bg1"/>
+              </a:solidFill>
+            </a:endParaRPr>
+          </a:p>
+        </p:txBody>
+      </p:sp>
+      <p:pic>
+        <p:nvPicPr>
+          <p:cNvPr id="5" name="Picture 4" descr="A computer screen shot of a computer&#10;&#10;Description automatically generated">
+            <a:extLst>
+              <a:ext uri="{FF2B5EF4-FFF2-40B4-BE49-F238E27FC236}">
+                <a16:creationId xmlns:a16="http://schemas.microsoft.com/office/drawing/2014/main" id="{4631288C-ECD5-7DB3-B91A-B369ECD803E2}"/>
+              </a:ext>
+            </a:extLst>
+          </p:cNvPr>
+          <p:cNvPicPr>
+            <a:picLocks noChangeAspect="1"/>
+          </p:cNvPicPr>
+          <p:nvPr/>
+        </p:nvPicPr>
+        <p:blipFill>
+          <a:blip r:embed="rId3">
+            <a:extLst>
+              <a:ext uri="{28A0092B-C50C-407E-A947-70E740481C1C}">
+                <a14:useLocalDpi xmlns:a14="http://schemas.microsoft.com/office/drawing/2010/main" val="0"/>
+              </a:ext>
+            </a:extLst>
+          </a:blip>
+          <a:stretch>
+            <a:fillRect/>
+          </a:stretch>
+        </p:blipFill>
+        <p:spPr>
+          <a:xfrm>
+            <a:off x="385851" y="2424217"/>
+            <a:ext cx="11420298" cy="3309891"/>
+          </a:xfrm>
+          <a:prstGeom prst="rect">
+            <a:avLst/>
+          </a:prstGeom>
+        </p:spPr>
+      </p:pic>
+    </p:spTree>
+    <p:extLst>
+      <p:ext uri="{BB962C8B-B14F-4D97-AF65-F5344CB8AC3E}">
+        <p14:creationId xmlns:p14="http://schemas.microsoft.com/office/powerpoint/2010/main" val="1942326142"/>
+      </p:ext>
+    </p:extLst>
+  </p:cSld>
+  <p:clrMapOvr>
+    <a:masterClrMapping/>
+  </p:clrMapOvr>
+</p:sld>
+</file>
+
+<file path=ppt/slides/slide14.xml><?xml version="1.0" encoding="utf-8"?>
+<p:sld xmlns:a="http://schemas.openxmlformats.org/drawingml/2006/main" xmlns:r="http://schemas.openxmlformats.org/officeDocument/2006/relationships" xmlns:p="http://schemas.openxmlformats.org/presentationml/2006/main">
+  <p:cSld>
+    <p:bg>
+      <p:bgPr>
+        <a:solidFill>
+          <a:schemeClr val="bg1"/>
+        </a:solidFill>
+        <a:effectLst/>
+      </p:bgPr>
+    </p:bg>
+    <p:spTree>
+      <p:nvGrpSpPr>
+        <p:cNvPr id="1" name="">
+          <a:extLst>
+            <a:ext uri="{FF2B5EF4-FFF2-40B4-BE49-F238E27FC236}">
+              <a16:creationId xmlns:a16="http://schemas.microsoft.com/office/drawing/2014/main" id="{B118CD06-C986-F984-1850-054081403461}"/>
+            </a:ext>
+          </a:extLst>
+        </p:cNvPr>
+        <p:cNvGrpSpPr/>
+        <p:nvPr/>
+      </p:nvGrpSpPr>
+      <p:grpSpPr>
+        <a:xfrm>
+          <a:off x="0" y="0"/>
+          <a:ext cx="0" cy="0"/>
+          <a:chOff x="0" y="0"/>
+          <a:chExt cx="0" cy="0"/>
+        </a:xfrm>
+      </p:grpSpPr>
+      <p:sp useBgFill="1">
+        <p:nvSpPr>
+          <p:cNvPr id="37" name="Rectangle 36">
+            <a:extLst>
+              <a:ext uri="{FF2B5EF4-FFF2-40B4-BE49-F238E27FC236}">
+                <a16:creationId xmlns:a16="http://schemas.microsoft.com/office/drawing/2014/main" id="{CB347225-45DA-16DD-0D00-68B14BC6591E}"/>
+              </a:ext>
+              <a:ext uri="{C183D7F6-B498-43B3-948B-1728B52AA6E4}">
+                <adec:decorative xmlns:adec="http://schemas.microsoft.com/office/drawing/2017/decorative" val="1"/>
+              </a:ext>
+            </a:extLst>
+          </p:cNvPr>
+          <p:cNvSpPr>
+            <a:spLocks noGrp="1" noRot="1" noChangeAspect="1" noMove="1" noResize="1" noEditPoints="1" noAdjustHandles="1" noChangeArrowheads="1" noChangeShapeType="1" noTextEdit="1"/>
+          </p:cNvSpPr>
+          <p:nvPr>
+            <p:extLst>
+              <p:ext uri="{386F3935-93C4-4BCD-93E2-E3B085C9AB24}">
+                <p16:designElem xmlns:p16="http://schemas.microsoft.com/office/powerpoint/2015/main" val="1"/>
+              </p:ext>
+            </p:extLst>
+          </p:nvPr>
+        </p:nvSpPr>
+        <p:spPr>
+          <a:xfrm>
+            <a:off x="0" y="0"/>
+            <a:ext cx="12192000" cy="6858000"/>
+          </a:xfrm>
+          <a:prstGeom prst="rect">
+            <a:avLst/>
+          </a:prstGeom>
+          <a:ln>
+            <a:noFill/>
+          </a:ln>
+        </p:spPr>
+        <p:style>
+          <a:lnRef idx="2">
+            <a:schemeClr val="accent1">
+              <a:shade val="50000"/>
+            </a:schemeClr>
+          </a:lnRef>
+          <a:fillRef idx="1">
+            <a:schemeClr val="accent1"/>
+          </a:fillRef>
+          <a:effectRef idx="0">
+            <a:schemeClr val="accent1"/>
+          </a:effectRef>
+          <a:fontRef idx="minor">
+            <a:schemeClr val="lt1"/>
+          </a:fontRef>
+        </p:style>
+        <p:txBody>
+          <a:bodyPr rtlCol="0" anchor="ctr"/>
+          <a:lstStyle/>
+          <a:p>
+            <a:pPr algn="ctr"/>
+            <a:endParaRPr lang="en-US"/>
+          </a:p>
+        </p:txBody>
+      </p:sp>
+      <p:pic>
+        <p:nvPicPr>
+          <p:cNvPr id="4" name="Content Placeholder 3" descr="A screenshot of a computer&#10;&#10;Description automatically generated">
+            <a:extLst>
+              <a:ext uri="{FF2B5EF4-FFF2-40B4-BE49-F238E27FC236}">
+                <a16:creationId xmlns:a16="http://schemas.microsoft.com/office/drawing/2014/main" id="{4AAD4112-10F4-2A1B-191D-2EA67917FA43}"/>
+              </a:ext>
+            </a:extLst>
+          </p:cNvPr>
+          <p:cNvPicPr>
+            <a:picLocks noChangeAspect="1"/>
+          </p:cNvPicPr>
+          <p:nvPr/>
+        </p:nvPicPr>
+        <p:blipFill rotWithShape="1">
+          <a:blip r:embed="rId2"/>
+          <a:srcRect t="15881" r="9089" b="-2"/>
+          <a:stretch/>
+        </p:blipFill>
+        <p:spPr>
+          <a:xfrm>
+            <a:off x="3523488" y="10"/>
+            <a:ext cx="8668512" cy="6857990"/>
+          </a:xfrm>
+          <a:prstGeom prst="rect">
+            <a:avLst/>
+          </a:prstGeom>
+        </p:spPr>
+      </p:pic>
+      <p:sp>
+        <p:nvSpPr>
+          <p:cNvPr id="39" name="Rectangle 38">
+            <a:extLst>
+              <a:ext uri="{FF2B5EF4-FFF2-40B4-BE49-F238E27FC236}">
+                <a16:creationId xmlns:a16="http://schemas.microsoft.com/office/drawing/2014/main" id="{2EC190D5-D4EA-B7BB-E6E9-58D60004D8DD}"/>
+              </a:ext>
+              <a:ext uri="{C183D7F6-B498-43B3-948B-1728B52AA6E4}">
+                <adec:decorative xmlns:adec="http://schemas.microsoft.com/office/drawing/2017/decorative" val="1"/>
+              </a:ext>
+            </a:extLst>
+          </p:cNvPr>
+          <p:cNvSpPr>
+            <a:spLocks noGrp="1" noRot="1" noChangeAspect="1" noMove="1" noResize="1" noEditPoints="1" noAdjustHandles="1" noChangeArrowheads="1" noChangeShapeType="1" noTextEdit="1"/>
+          </p:cNvSpPr>
+          <p:nvPr>
+            <p:extLst>
+              <p:ext uri="{386F3935-93C4-4BCD-93E2-E3B085C9AB24}">
+                <p16:designElem xmlns:p16="http://schemas.microsoft.com/office/powerpoint/2015/main" val="1"/>
+              </p:ext>
+            </p:extLst>
+          </p:nvPr>
+        </p:nvSpPr>
+        <p:spPr>
+          <a:xfrm>
+            <a:off x="3" y="0"/>
+            <a:ext cx="9339206" cy="6858000"/>
+          </a:xfrm>
+          <a:prstGeom prst="rect">
+            <a:avLst/>
+          </a:prstGeom>
+          <a:gradFill>
+            <a:gsLst>
+              <a:gs pos="58000">
+                <a:schemeClr val="tx1"/>
+              </a:gs>
+              <a:gs pos="33000">
+                <a:schemeClr val="tx1">
+                  <a:alpha val="64000"/>
+                </a:schemeClr>
+              </a:gs>
+              <a:gs pos="0">
+                <a:schemeClr val="tx1">
+                  <a:alpha val="0"/>
+                </a:schemeClr>
+              </a:gs>
+              <a:gs pos="100000">
+                <a:schemeClr val="tx1"/>
+              </a:gs>
+            </a:gsLst>
+            <a:lin ang="10800000" scaled="0"/>
+          </a:gradFill>
+          <a:ln>
+            <a:noFill/>
+          </a:ln>
+        </p:spPr>
+        <p:style>
+          <a:lnRef idx="2">
+            <a:schemeClr val="accent1">
+              <a:shade val="50000"/>
+            </a:schemeClr>
+          </a:lnRef>
+          <a:fillRef idx="1">
+            <a:schemeClr val="accent1"/>
+          </a:fillRef>
+          <a:effectRef idx="0">
+            <a:schemeClr val="accent1"/>
+          </a:effectRef>
+          <a:fontRef idx="minor">
+            <a:schemeClr val="lt1"/>
+          </a:fontRef>
+        </p:style>
+        <p:txBody>
+          <a:bodyPr rtlCol="0" anchor="ctr"/>
+          <a:lstStyle/>
+          <a:p>
+            <a:pPr algn="ctr"/>
+            <a:endParaRPr lang="en-US" dirty="0"/>
+          </a:p>
+        </p:txBody>
+      </p:sp>
+      <p:sp>
+        <p:nvSpPr>
+          <p:cNvPr id="2" name="Title 1">
+            <a:extLst>
+              <a:ext uri="{FF2B5EF4-FFF2-40B4-BE49-F238E27FC236}">
+                <a16:creationId xmlns:a16="http://schemas.microsoft.com/office/drawing/2014/main" id="{C4016CAD-E59D-0097-D162-091388E9DF04}"/>
+              </a:ext>
+            </a:extLst>
+          </p:cNvPr>
+          <p:cNvSpPr>
+            <a:spLocks noGrp="1"/>
+          </p:cNvSpPr>
+          <p:nvPr>
+            <p:ph type="title"/>
+          </p:nvPr>
+        </p:nvSpPr>
+        <p:spPr>
+          <a:xfrm>
+            <a:off x="456123" y="1341914"/>
+            <a:ext cx="4023360" cy="751193"/>
+          </a:xfrm>
+        </p:spPr>
+        <p:txBody>
+          <a:bodyPr vert="horz" lIns="91440" tIns="45720" rIns="91440" bIns="45720" rtlCol="0" anchor="b">
+            <a:normAutofit fontScale="90000"/>
+          </a:bodyPr>
+          <a:lstStyle/>
+          <a:p>
+            <a:r>
+              <a:rPr lang="en-US" sz="4800" dirty="0">
+                <a:solidFill>
+                  <a:schemeClr val="bg1"/>
+                </a:solidFill>
+              </a:rPr>
+              <a:t>Python/</a:t>
+            </a:r>
+            <a:r>
+              <a:rPr lang="en-US" sz="4800" dirty="0" err="1">
+                <a:solidFill>
+                  <a:schemeClr val="bg1"/>
+                </a:solidFill>
+              </a:rPr>
+              <a:t>Sklearn</a:t>
+            </a:r>
+            <a:br>
+              <a:rPr lang="en-US" sz="4800" dirty="0">
+                <a:solidFill>
+                  <a:schemeClr val="bg1"/>
+                </a:solidFill>
+              </a:rPr>
+            </a:br>
+            <a:endParaRPr lang="en-US" sz="4800" dirty="0">
+              <a:solidFill>
+                <a:schemeClr val="bg1"/>
+              </a:solidFill>
+            </a:endParaRPr>
+          </a:p>
+        </p:txBody>
+      </p:sp>
+      <p:sp>
+        <p:nvSpPr>
+          <p:cNvPr id="41" name="Rectangle 40">
+            <a:extLst>
+              <a:ext uri="{FF2B5EF4-FFF2-40B4-BE49-F238E27FC236}">
+                <a16:creationId xmlns:a16="http://schemas.microsoft.com/office/drawing/2014/main" id="{CA0B9683-5E68-787C-9B21-2979FC06AB22}"/>
+              </a:ext>
+              <a:ext uri="{C183D7F6-B498-43B3-948B-1728B52AA6E4}">
+                <adec:decorative xmlns:adec="http://schemas.microsoft.com/office/drawing/2017/decorative" val="1"/>
+              </a:ext>
+            </a:extLst>
+          </p:cNvPr>
+          <p:cNvSpPr>
+            <a:spLocks noGrp="1" noRot="1" noChangeAspect="1" noMove="1" noResize="1" noEditPoints="1" noAdjustHandles="1" noChangeArrowheads="1" noChangeShapeType="1" noTextEdit="1"/>
+          </p:cNvSpPr>
+          <p:nvPr>
+            <p:extLst>
+              <p:ext uri="{386F3935-93C4-4BCD-93E2-E3B085C9AB24}">
+                <p16:designElem xmlns:p16="http://schemas.microsoft.com/office/powerpoint/2015/main" val="1"/>
+              </p:ext>
+            </p:extLst>
+          </p:nvPr>
+        </p:nvSpPr>
+        <p:spPr>
+          <a:xfrm rot="5400000">
+            <a:off x="759921" y="346791"/>
+            <a:ext cx="146304" cy="704088"/>
+          </a:xfrm>
+          <a:prstGeom prst="rect">
+            <a:avLst/>
+          </a:prstGeom>
+          <a:solidFill>
+            <a:schemeClr val="accent2"/>
+          </a:solidFill>
+          <a:ln>
+            <a:noFill/>
+          </a:ln>
+        </p:spPr>
+        <p:style>
+          <a:lnRef idx="2">
+            <a:schemeClr val="accent1">
+              <a:shade val="50000"/>
+            </a:schemeClr>
+          </a:lnRef>
+          <a:fillRef idx="1">
+            <a:schemeClr val="accent1"/>
+          </a:fillRef>
+          <a:effectRef idx="0">
+            <a:schemeClr val="accent1"/>
+          </a:effectRef>
+          <a:fontRef idx="minor">
+            <a:schemeClr val="lt1"/>
+          </a:fontRef>
+        </p:style>
+        <p:txBody>
+          <a:bodyPr rtlCol="0" anchor="ctr"/>
+          <a:lstStyle/>
+          <a:p>
+            <a:pPr algn="ctr"/>
+            <a:endParaRPr lang="en-US">
+              <a:solidFill>
+                <a:prstClr val="white"/>
+              </a:solidFill>
+              <a:latin typeface="Calibri" panose="020F0502020204030204"/>
+            </a:endParaRPr>
+          </a:p>
+        </p:txBody>
+      </p:sp>
+      <p:sp>
+        <p:nvSpPr>
+          <p:cNvPr id="43" name="Rectangle 42">
+            <a:extLst>
+              <a:ext uri="{FF2B5EF4-FFF2-40B4-BE49-F238E27FC236}">
+                <a16:creationId xmlns:a16="http://schemas.microsoft.com/office/drawing/2014/main" id="{6C35F55C-CE09-8884-D3C4-3BFE6F26043B}"/>
+              </a:ext>
+              <a:ext uri="{C183D7F6-B498-43B3-948B-1728B52AA6E4}">
+                <adec:decorative xmlns:adec="http://schemas.microsoft.com/office/drawing/2017/decorative" val="1"/>
+              </a:ext>
+            </a:extLst>
+          </p:cNvPr>
+          <p:cNvSpPr>
+            <a:spLocks noGrp="1" noRot="1" noChangeAspect="1" noMove="1" noResize="1" noEditPoints="1" noAdjustHandles="1" noChangeArrowheads="1" noChangeShapeType="1" noTextEdit="1"/>
+          </p:cNvSpPr>
+          <p:nvPr>
+            <p:extLst>
+              <p:ext uri="{386F3935-93C4-4BCD-93E2-E3B085C9AB24}">
+                <p16:designElem xmlns:p16="http://schemas.microsoft.com/office/powerpoint/2015/main" val="1"/>
+              </p:ext>
+            </p:extLst>
+          </p:nvPr>
+        </p:nvSpPr>
+        <p:spPr>
+          <a:xfrm>
+            <a:off x="481029" y="4546920"/>
+            <a:ext cx="3977640" cy="18288"/>
+          </a:xfrm>
+          <a:prstGeom prst="rect">
+            <a:avLst/>
+          </a:prstGeom>
+          <a:solidFill>
+            <a:schemeClr val="tx1"/>
+          </a:solidFill>
+          <a:ln w="3175">
+            <a:noFill/>
+          </a:ln>
+          <a:effectLst/>
+        </p:spPr>
+        <p:style>
+          <a:lnRef idx="2">
+            <a:schemeClr val="accent1">
+              <a:shade val="50000"/>
+            </a:schemeClr>
+          </a:lnRef>
+          <a:fillRef idx="1">
+            <a:schemeClr val="accent1"/>
+          </a:fillRef>
+          <a:effectRef idx="0">
+            <a:schemeClr val="accent1"/>
+          </a:effectRef>
+          <a:fontRef idx="minor">
+            <a:schemeClr val="lt1"/>
+          </a:fontRef>
+        </p:style>
+        <p:txBody>
+          <a:bodyPr rtlCol="0" anchor="ctr"/>
+          <a:lstStyle/>
+          <a:p>
+            <a:pPr marL="0" marR="0" lvl="0" indent="0" algn="ctr" defTabSz="914400" rtl="0" eaLnBrk="1" fontAlgn="auto" latinLnBrk="0" hangingPunct="1">
+              <a:lnSpc>
+                <a:spcPct val="100000"/>
+              </a:lnSpc>
+              <a:spcBef>
+                <a:spcPts val="0"/>
+              </a:spcBef>
+              <a:spcAft>
+                <a:spcPts val="0"/>
+              </a:spcAft>
+              <a:buClrTx/>
+              <a:buSzTx/>
+              <a:buFontTx/>
+              <a:buNone/>
+              <a:tabLst/>
+              <a:defRPr/>
+            </a:pPr>
+            <a:endParaRPr kumimoji="0" lang="en-US" sz="1800" b="0" i="0" u="none" strike="noStrike" kern="1200" cap="none" spc="0" normalizeH="0" baseline="0" noProof="0">
+              <a:ln>
+                <a:noFill/>
+              </a:ln>
+              <a:solidFill>
+                <a:prstClr val="white"/>
+              </a:solidFill>
+              <a:effectLst/>
+              <a:uLnTx/>
+              <a:uFillTx/>
+              <a:latin typeface="Calibri" panose="020F0502020204030204"/>
+              <a:ea typeface="+mn-ea"/>
+              <a:cs typeface="+mn-cs"/>
+            </a:endParaRPr>
+          </a:p>
+        </p:txBody>
+      </p:sp>
+      <p:sp>
+        <p:nvSpPr>
+          <p:cNvPr id="6" name="Title 1">
+            <a:extLst>
+              <a:ext uri="{FF2B5EF4-FFF2-40B4-BE49-F238E27FC236}">
+                <a16:creationId xmlns:a16="http://schemas.microsoft.com/office/drawing/2014/main" id="{C993825D-23C7-8976-A4BD-E4324F4818C6}"/>
+              </a:ext>
+            </a:extLst>
+          </p:cNvPr>
+          <p:cNvSpPr txBox="1">
+            <a:spLocks/>
+          </p:cNvSpPr>
+          <p:nvPr/>
+        </p:nvSpPr>
+        <p:spPr>
+          <a:xfrm>
+            <a:off x="456123" y="1926009"/>
+            <a:ext cx="4023360" cy="4306308"/>
+          </a:xfrm>
+          <a:prstGeom prst="rect">
+            <a:avLst/>
+          </a:prstGeom>
+        </p:spPr>
+        <p:txBody>
+          <a:bodyPr vert="horz" lIns="91440" tIns="45720" rIns="91440" bIns="45720" rtlCol="0" anchor="b">
+            <a:normAutofit/>
+          </a:bodyPr>
+          <a:lstStyle>
+            <a:lvl1pPr algn="l" defTabSz="914400" rtl="0" eaLnBrk="1" latinLnBrk="0" hangingPunct="1">
+              <a:lnSpc>
+                <a:spcPct val="90000"/>
+              </a:lnSpc>
+              <a:spcBef>
+                <a:spcPct val="0"/>
+              </a:spcBef>
+              <a:buNone/>
+              <a:defRPr sz="4400" kern="1200">
+                <a:solidFill>
+                  <a:schemeClr val="tx1"/>
+                </a:solidFill>
+                <a:latin typeface="+mj-lt"/>
+                <a:ea typeface="+mj-ea"/>
+                <a:cs typeface="+mj-cs"/>
+              </a:defRPr>
+            </a:lvl1pPr>
+          </a:lstStyle>
+          <a:p>
+            <a:endParaRPr lang="en-US" sz="4800" dirty="0">
+              <a:solidFill>
+                <a:schemeClr val="bg1"/>
+              </a:solidFill>
+            </a:endParaRPr>
+          </a:p>
+        </p:txBody>
+      </p:sp>
+      <p:sp>
+        <p:nvSpPr>
+          <p:cNvPr id="7" name="TextBox 6">
+            <a:extLst>
+              <a:ext uri="{FF2B5EF4-FFF2-40B4-BE49-F238E27FC236}">
+                <a16:creationId xmlns:a16="http://schemas.microsoft.com/office/drawing/2014/main" id="{BA5C8475-6081-DF9C-D001-1F69E3C4B797}"/>
+              </a:ext>
+            </a:extLst>
+          </p:cNvPr>
+          <p:cNvSpPr txBox="1"/>
+          <p:nvPr/>
+        </p:nvSpPr>
+        <p:spPr>
+          <a:xfrm>
+            <a:off x="481029" y="1848788"/>
+            <a:ext cx="3230880" cy="2585323"/>
+          </a:xfrm>
+          <a:prstGeom prst="rect">
+            <a:avLst/>
+          </a:prstGeom>
+          <a:noFill/>
+        </p:spPr>
+        <p:txBody>
+          <a:bodyPr wrap="square" rtlCol="0">
+            <a:spAutoFit/>
+          </a:bodyPr>
+          <a:lstStyle/>
+          <a:p>
+            <a:pPr marL="342900" indent="-342900">
+              <a:buFont typeface="Arial" panose="020B0604020202020204" pitchFamily="34" charset="0"/>
+              <a:buChar char="•"/>
+            </a:pPr>
+            <a:r>
+              <a:rPr lang="en-US" dirty="0">
+                <a:solidFill>
+                  <a:schemeClr val="bg1"/>
+                </a:solidFill>
+              </a:rPr>
+              <a:t>Gathered random samples from data</a:t>
+            </a:r>
+          </a:p>
+          <a:p>
+            <a:pPr marL="342900" indent="-342900">
+              <a:buFont typeface="Arial" panose="020B0604020202020204" pitchFamily="34" charset="0"/>
+              <a:buChar char="•"/>
+            </a:pPr>
+            <a:endParaRPr lang="en-US" dirty="0">
+              <a:solidFill>
+                <a:schemeClr val="bg1"/>
+              </a:solidFill>
+            </a:endParaRPr>
+          </a:p>
+          <a:p>
+            <a:pPr marL="342900" indent="-342900">
+              <a:buFont typeface="Arial" panose="020B0604020202020204" pitchFamily="34" charset="0"/>
+              <a:buChar char="•"/>
+            </a:pPr>
+            <a:r>
+              <a:rPr lang="en-US" dirty="0">
+                <a:solidFill>
+                  <a:schemeClr val="bg1"/>
+                </a:solidFill>
+              </a:rPr>
+              <a:t>Repeated the preprocessing steps to create data that could be passed through the model</a:t>
+            </a:r>
+          </a:p>
+          <a:p>
+            <a:pPr marL="342900" indent="-342900">
+              <a:buFont typeface="Arial" panose="020B0604020202020204" pitchFamily="34" charset="0"/>
+              <a:buChar char="•"/>
+            </a:pPr>
+            <a:endParaRPr lang="en-US" dirty="0">
+              <a:solidFill>
+                <a:schemeClr val="bg1"/>
+              </a:solidFill>
+            </a:endParaRPr>
+          </a:p>
+          <a:p>
+            <a:pPr marL="342900" indent="-342900">
+              <a:buFont typeface="Arial" panose="020B0604020202020204" pitchFamily="34" charset="0"/>
+              <a:buChar char="•"/>
+            </a:pPr>
+            <a:r>
+              <a:rPr lang="en-US" dirty="0">
+                <a:solidFill>
+                  <a:schemeClr val="bg1"/>
+                </a:solidFill>
+              </a:rPr>
+              <a:t>Generated predictions</a:t>
+            </a:r>
+          </a:p>
+        </p:txBody>
+      </p:sp>
+      <p:sp>
+        <p:nvSpPr>
+          <p:cNvPr id="10" name="TextBox 9">
+            <a:extLst>
+              <a:ext uri="{FF2B5EF4-FFF2-40B4-BE49-F238E27FC236}">
+                <a16:creationId xmlns:a16="http://schemas.microsoft.com/office/drawing/2014/main" id="{AFE95A3E-E37C-6DDC-2FB6-BB039921C8B6}"/>
+              </a:ext>
+            </a:extLst>
+          </p:cNvPr>
+          <p:cNvSpPr txBox="1"/>
+          <p:nvPr/>
+        </p:nvSpPr>
+        <p:spPr>
+          <a:xfrm>
+            <a:off x="455754" y="1479456"/>
+            <a:ext cx="3230879" cy="369332"/>
+          </a:xfrm>
+          <a:prstGeom prst="rect">
+            <a:avLst/>
+          </a:prstGeom>
+          <a:noFill/>
+        </p:spPr>
+        <p:txBody>
+          <a:bodyPr wrap="square" rtlCol="0">
+            <a:spAutoFit/>
+          </a:bodyPr>
+          <a:lstStyle/>
+          <a:p>
+            <a:r>
+              <a:rPr lang="en-US" dirty="0">
+                <a:solidFill>
+                  <a:schemeClr val="bg1"/>
+                </a:solidFill>
+              </a:rPr>
+              <a:t>Let’s make some predictions!</a:t>
+            </a:r>
+            <a:endParaRPr lang="en-US" dirty="0"/>
+          </a:p>
+        </p:txBody>
+      </p:sp>
+      <p:pic>
+        <p:nvPicPr>
+          <p:cNvPr id="5" name="Picture 4" descr="A screenshot of a computer&#10;&#10;Description automatically generated">
+            <a:extLst>
+              <a:ext uri="{FF2B5EF4-FFF2-40B4-BE49-F238E27FC236}">
+                <a16:creationId xmlns:a16="http://schemas.microsoft.com/office/drawing/2014/main" id="{13DD6381-505C-555C-C067-FA64F4A10606}"/>
+              </a:ext>
+            </a:extLst>
+          </p:cNvPr>
+          <p:cNvPicPr>
+            <a:picLocks noChangeAspect="1"/>
+          </p:cNvPicPr>
+          <p:nvPr/>
+        </p:nvPicPr>
+        <p:blipFill>
+          <a:blip r:embed="rId3">
+            <a:extLst>
+              <a:ext uri="{28A0092B-C50C-407E-A947-70E740481C1C}">
+                <a14:useLocalDpi xmlns:a14="http://schemas.microsoft.com/office/drawing/2010/main" val="0"/>
+              </a:ext>
+            </a:extLst>
+          </a:blip>
+          <a:stretch>
+            <a:fillRect/>
+          </a:stretch>
+        </p:blipFill>
+        <p:spPr>
+          <a:xfrm>
+            <a:off x="4170555" y="1311430"/>
+            <a:ext cx="7824124" cy="3393402"/>
+          </a:xfrm>
+          <a:prstGeom prst="rect">
+            <a:avLst/>
+          </a:prstGeom>
+        </p:spPr>
+      </p:pic>
+      <p:pic>
+        <p:nvPicPr>
+          <p:cNvPr id="13" name="Picture 12" descr="A close-up of a screen&#10;&#10;Description automatically generated">
+            <a:extLst>
+              <a:ext uri="{FF2B5EF4-FFF2-40B4-BE49-F238E27FC236}">
+                <a16:creationId xmlns:a16="http://schemas.microsoft.com/office/drawing/2014/main" id="{60E38554-8FA4-D284-3C8E-1D495D4885FF}"/>
+              </a:ext>
+            </a:extLst>
+          </p:cNvPr>
+          <p:cNvPicPr>
+            <a:picLocks noChangeAspect="1"/>
+          </p:cNvPicPr>
+          <p:nvPr/>
+        </p:nvPicPr>
+        <p:blipFill>
+          <a:blip r:embed="rId4">
+            <a:extLst>
+              <a:ext uri="{28A0092B-C50C-407E-A947-70E740481C1C}">
+                <a14:useLocalDpi xmlns:a14="http://schemas.microsoft.com/office/drawing/2010/main" val="0"/>
+              </a:ext>
+            </a:extLst>
+          </a:blip>
+          <a:stretch>
+            <a:fillRect/>
+          </a:stretch>
+        </p:blipFill>
+        <p:spPr>
+          <a:xfrm>
+            <a:off x="4170555" y="4920030"/>
+            <a:ext cx="7824124" cy="969933"/>
+          </a:xfrm>
+          <a:prstGeom prst="rect">
+            <a:avLst/>
+          </a:prstGeom>
+        </p:spPr>
+      </p:pic>
+    </p:spTree>
+    <p:extLst>
+      <p:ext uri="{BB962C8B-B14F-4D97-AF65-F5344CB8AC3E}">
+        <p14:creationId xmlns:p14="http://schemas.microsoft.com/office/powerpoint/2010/main" val="486471628"/>
+      </p:ext>
+    </p:extLst>
+  </p:cSld>
+  <p:clrMapOvr>
+    <a:masterClrMapping/>
+  </p:clrMapOvr>
+</p:sld>
+</file>
+
+<file path=ppt/slides/slide15.xml><?xml version="1.0" encoding="utf-8"?>
+<p:sld xmlns:a="http://schemas.openxmlformats.org/drawingml/2006/main" xmlns:r="http://schemas.openxmlformats.org/officeDocument/2006/relationships" xmlns:p="http://schemas.openxmlformats.org/presentationml/2006/main">
+  <p:cSld>
+    <p:bg>
+      <p:bgPr>
+        <a:solidFill>
+          <a:schemeClr val="bg1"/>
+        </a:solidFill>
+        <a:effectLst/>
+      </p:bgPr>
+    </p:bg>
+    <p:spTree>
+      <p:nvGrpSpPr>
+        <p:cNvPr id="1" name=""/>
+        <p:cNvGrpSpPr/>
+        <p:nvPr/>
+      </p:nvGrpSpPr>
+      <p:grpSpPr>
+        <a:xfrm>
+          <a:off x="0" y="0"/>
+          <a:ext cx="0" cy="0"/>
+          <a:chOff x="0" y="0"/>
+          <a:chExt cx="0" cy="0"/>
+        </a:xfrm>
+      </p:grpSpPr>
+      <p:sp useBgFill="1">
+        <p:nvSpPr>
+          <p:cNvPr id="64" name="Rectangle 63">
+            <a:extLst>
+              <a:ext uri="{FF2B5EF4-FFF2-40B4-BE49-F238E27FC236}">
+                <a16:creationId xmlns:a16="http://schemas.microsoft.com/office/drawing/2014/main" id="{0671A8AE-40A1-4631-A6B8-581AFF065482}"/>
+              </a:ext>
+              <a:ext uri="{C183D7F6-B498-43B3-948B-1728B52AA6E4}">
+                <adec:decorative xmlns:adec="http://schemas.microsoft.com/office/drawing/2017/decorative" val="1"/>
+              </a:ext>
+            </a:extLst>
+          </p:cNvPr>
+          <p:cNvSpPr>
+            <a:spLocks noGrp="1" noRot="1" noChangeAspect="1" noMove="1" noResize="1" noEditPoints="1" noAdjustHandles="1" noChangeArrowheads="1" noChangeShapeType="1" noTextEdit="1"/>
+          </p:cNvSpPr>
+          <p:nvPr>
+            <p:extLst>
+              <p:ext uri="{386F3935-93C4-4BCD-93E2-E3B085C9AB24}">
+                <p16:designElem xmlns:p16="http://schemas.microsoft.com/office/powerpoint/2015/main" val="1"/>
+              </p:ext>
+            </p:extLst>
+          </p:nvPr>
+        </p:nvSpPr>
+        <p:spPr>
+          <a:xfrm>
+            <a:off x="0" y="0"/>
+            <a:ext cx="12192000" cy="6858000"/>
+          </a:xfrm>
+          <a:prstGeom prst="rect">
+            <a:avLst/>
+          </a:prstGeom>
+          <a:ln>
+            <a:noFill/>
+          </a:ln>
+        </p:spPr>
+        <p:style>
+          <a:lnRef idx="2">
+            <a:schemeClr val="accent1">
+              <a:shade val="50000"/>
+            </a:schemeClr>
+          </a:lnRef>
+          <a:fillRef idx="1">
+            <a:schemeClr val="accent1"/>
+          </a:fillRef>
+          <a:effectRef idx="0">
+            <a:schemeClr val="accent1"/>
+          </a:effectRef>
+          <a:fontRef idx="minor">
+            <a:schemeClr val="lt1"/>
+          </a:fontRef>
+        </p:style>
+        <p:txBody>
+          <a:bodyPr rtlCol="0" anchor="ctr"/>
+          <a:lstStyle/>
+          <a:p>
+            <a:pPr algn="ctr"/>
+            <a:endParaRPr lang="en-US"/>
+          </a:p>
+        </p:txBody>
+      </p:sp>
+      <p:pic>
+        <p:nvPicPr>
+          <p:cNvPr id="5" name="Picture 4" descr="A collage of cartoon characters&#10;&#10;Description automatically generated">
+            <a:extLst>
+              <a:ext uri="{FF2B5EF4-FFF2-40B4-BE49-F238E27FC236}">
+                <a16:creationId xmlns:a16="http://schemas.microsoft.com/office/drawing/2014/main" id="{B2A36326-47D0-0EFB-BFD8-23CC4869851E}"/>
+              </a:ext>
+            </a:extLst>
+          </p:cNvPr>
+          <p:cNvPicPr>
+            <a:picLocks noChangeAspect="1"/>
+          </p:cNvPicPr>
+          <p:nvPr/>
+        </p:nvPicPr>
+        <p:blipFill rotWithShape="1">
+          <a:blip r:embed="rId2">
+            <a:extLst>
+              <a:ext uri="{28A0092B-C50C-407E-A947-70E740481C1C}">
+                <a14:useLocalDpi xmlns:a14="http://schemas.microsoft.com/office/drawing/2010/main" val="0"/>
+              </a:ext>
+            </a:extLst>
+          </a:blip>
+          <a:srcRect l="9081" t="9091" r="26282"/>
+          <a:stretch/>
+        </p:blipFill>
+        <p:spPr>
+          <a:xfrm>
+            <a:off x="3523488" y="10"/>
+            <a:ext cx="8668512" cy="6857990"/>
+          </a:xfrm>
+          <a:prstGeom prst="rect">
+            <a:avLst/>
+          </a:prstGeom>
+        </p:spPr>
+      </p:pic>
+      <p:sp>
+        <p:nvSpPr>
+          <p:cNvPr id="66" name="Rectangle 65">
+            <a:extLst>
+              <a:ext uri="{FF2B5EF4-FFF2-40B4-BE49-F238E27FC236}">
+                <a16:creationId xmlns:a16="http://schemas.microsoft.com/office/drawing/2014/main" id="{AB58EF07-17C2-48CF-ABB0-EEF1F17CB8F0}"/>
+              </a:ext>
+              <a:ext uri="{C183D7F6-B498-43B3-948B-1728B52AA6E4}">
+                <adec:decorative xmlns:adec="http://schemas.microsoft.com/office/drawing/2017/decorative" val="1"/>
+              </a:ext>
+            </a:extLst>
+          </p:cNvPr>
+          <p:cNvSpPr>
+            <a:spLocks noGrp="1" noRot="1" noChangeAspect="1" noMove="1" noResize="1" noEditPoints="1" noAdjustHandles="1" noChangeArrowheads="1" noChangeShapeType="1" noTextEdit="1"/>
+          </p:cNvSpPr>
+          <p:nvPr>
+            <p:extLst>
+              <p:ext uri="{386F3935-93C4-4BCD-93E2-E3B085C9AB24}">
+                <p16:designElem xmlns:p16="http://schemas.microsoft.com/office/powerpoint/2015/main" val="1"/>
+              </p:ext>
+            </p:extLst>
+          </p:nvPr>
+        </p:nvSpPr>
+        <p:spPr>
+          <a:xfrm>
+            <a:off x="3" y="0"/>
+            <a:ext cx="9339206" cy="6858000"/>
+          </a:xfrm>
+          <a:prstGeom prst="rect">
+            <a:avLst/>
+          </a:prstGeom>
+          <a:gradFill>
+            <a:gsLst>
+              <a:gs pos="58000">
+                <a:schemeClr val="tx1"/>
+              </a:gs>
+              <a:gs pos="33000">
+                <a:schemeClr val="tx1">
+                  <a:alpha val="64000"/>
+                </a:schemeClr>
+              </a:gs>
+              <a:gs pos="0">
+                <a:schemeClr val="tx1">
+                  <a:alpha val="0"/>
+                </a:schemeClr>
+              </a:gs>
+              <a:gs pos="100000">
+                <a:schemeClr val="tx1"/>
+              </a:gs>
+            </a:gsLst>
+            <a:lin ang="10800000" scaled="0"/>
+          </a:gradFill>
+          <a:ln>
+            <a:noFill/>
+          </a:ln>
+        </p:spPr>
+        <p:style>
+          <a:lnRef idx="2">
+            <a:schemeClr val="accent1">
+              <a:shade val="50000"/>
+            </a:schemeClr>
+          </a:lnRef>
+          <a:fillRef idx="1">
+            <a:schemeClr val="accent1"/>
+          </a:fillRef>
+          <a:effectRef idx="0">
+            <a:schemeClr val="accent1"/>
+          </a:effectRef>
+          <a:fontRef idx="minor">
+            <a:schemeClr val="lt1"/>
+          </a:fontRef>
+        </p:style>
+        <p:txBody>
+          <a:bodyPr rtlCol="0" anchor="ctr"/>
+          <a:lstStyle/>
+          <a:p>
+            <a:pPr algn="ctr"/>
+            <a:endParaRPr lang="en-US" dirty="0"/>
+          </a:p>
+        </p:txBody>
+      </p:sp>
+      <p:sp>
+        <p:nvSpPr>
+          <p:cNvPr id="2" name="Title 1">
+            <a:extLst>
+              <a:ext uri="{FF2B5EF4-FFF2-40B4-BE49-F238E27FC236}">
+                <a16:creationId xmlns:a16="http://schemas.microsoft.com/office/drawing/2014/main" id="{B8010948-F54A-85A8-2F04-CBC6115FC7B8}"/>
+              </a:ext>
+            </a:extLst>
+          </p:cNvPr>
+          <p:cNvSpPr>
+            <a:spLocks noGrp="1"/>
+          </p:cNvSpPr>
+          <p:nvPr>
+            <p:ph type="ctrTitle"/>
+          </p:nvPr>
+        </p:nvSpPr>
+        <p:spPr>
+          <a:xfrm>
+            <a:off x="477981" y="1122363"/>
+            <a:ext cx="4023360" cy="3204134"/>
+          </a:xfrm>
+        </p:spPr>
+        <p:txBody>
+          <a:bodyPr anchor="b">
+            <a:normAutofit/>
+          </a:bodyPr>
+          <a:lstStyle/>
+          <a:p>
+            <a:pPr algn="l"/>
+            <a:r>
+              <a:rPr lang="en-US" sz="4800">
+                <a:solidFill>
+                  <a:schemeClr val="bg1"/>
+                </a:solidFill>
+                <a:latin typeface="Arial Rounded MT Bold" panose="020F0704030504030204" pitchFamily="34" charset="0"/>
+              </a:rPr>
+              <a:t>Questions?</a:t>
+            </a:r>
+          </a:p>
+        </p:txBody>
+      </p:sp>
+      <p:sp>
+        <p:nvSpPr>
+          <p:cNvPr id="68" name="Rectangle 67">
+            <a:extLst>
+              <a:ext uri="{FF2B5EF4-FFF2-40B4-BE49-F238E27FC236}">
+                <a16:creationId xmlns:a16="http://schemas.microsoft.com/office/drawing/2014/main" id="{AF2F604E-43BE-4DC3-B983-E071523364F8}"/>
+              </a:ext>
+              <a:ext uri="{C183D7F6-B498-43B3-948B-1728B52AA6E4}">
+                <adec:decorative xmlns:adec="http://schemas.microsoft.com/office/drawing/2017/decorative" val="1"/>
+              </a:ext>
+            </a:extLst>
+          </p:cNvPr>
+          <p:cNvSpPr>
+            <a:spLocks noGrp="1" noRot="1" noChangeAspect="1" noMove="1" noResize="1" noEditPoints="1" noAdjustHandles="1" noChangeArrowheads="1" noChangeShapeType="1" noTextEdit="1"/>
+          </p:cNvSpPr>
+          <p:nvPr>
+            <p:extLst>
+              <p:ext uri="{386F3935-93C4-4BCD-93E2-E3B085C9AB24}">
+                <p16:designElem xmlns:p16="http://schemas.microsoft.com/office/powerpoint/2015/main" val="1"/>
+              </p:ext>
+            </p:extLst>
+          </p:nvPr>
+        </p:nvSpPr>
+        <p:spPr>
+          <a:xfrm rot="5400000">
+            <a:off x="759921" y="346791"/>
+            <a:ext cx="146304" cy="704088"/>
+          </a:xfrm>
+          <a:prstGeom prst="rect">
+            <a:avLst/>
+          </a:prstGeom>
+          <a:solidFill>
+            <a:schemeClr val="accent2"/>
+          </a:solidFill>
+          <a:ln>
+            <a:noFill/>
+          </a:ln>
+        </p:spPr>
+        <p:style>
+          <a:lnRef idx="2">
+            <a:schemeClr val="accent1">
+              <a:shade val="50000"/>
+            </a:schemeClr>
+          </a:lnRef>
+          <a:fillRef idx="1">
+            <a:schemeClr val="accent1"/>
+          </a:fillRef>
+          <a:effectRef idx="0">
+            <a:schemeClr val="accent1"/>
+          </a:effectRef>
+          <a:fontRef idx="minor">
+            <a:schemeClr val="lt1"/>
+          </a:fontRef>
+        </p:style>
+        <p:txBody>
+          <a:bodyPr rtlCol="0" anchor="ctr"/>
+          <a:lstStyle/>
+          <a:p>
+            <a:pPr algn="ctr"/>
+            <a:endParaRPr lang="en-US">
+              <a:solidFill>
+                <a:prstClr val="white"/>
+              </a:solidFill>
+              <a:latin typeface="Calibri" panose="020F0502020204030204"/>
+            </a:endParaRPr>
+          </a:p>
+        </p:txBody>
+      </p:sp>
+      <p:sp>
+        <p:nvSpPr>
+          <p:cNvPr id="70" name="Rectangle 69">
+            <a:extLst>
+              <a:ext uri="{FF2B5EF4-FFF2-40B4-BE49-F238E27FC236}">
+                <a16:creationId xmlns:a16="http://schemas.microsoft.com/office/drawing/2014/main" id="{08C9B587-E65E-4B52-B37C-ABEBB6E87928}"/>
+              </a:ext>
+              <a:ext uri="{C183D7F6-B498-43B3-948B-1728B52AA6E4}">
+                <adec:decorative xmlns:adec="http://schemas.microsoft.com/office/drawing/2017/decorative" val="1"/>
+              </a:ext>
+            </a:extLst>
+          </p:cNvPr>
+          <p:cNvSpPr>
+            <a:spLocks noGrp="1" noRot="1" noChangeAspect="1" noMove="1" noResize="1" noEditPoints="1" noAdjustHandles="1" noChangeArrowheads="1" noChangeShapeType="1" noTextEdit="1"/>
+          </p:cNvSpPr>
+          <p:nvPr>
+            <p:extLst>
+              <p:ext uri="{386F3935-93C4-4BCD-93E2-E3B085C9AB24}">
+                <p16:designElem xmlns:p16="http://schemas.microsoft.com/office/powerpoint/2015/main" val="1"/>
+              </p:ext>
+            </p:extLst>
+          </p:nvPr>
+        </p:nvSpPr>
+        <p:spPr>
+          <a:xfrm>
+            <a:off x="481029" y="4546920"/>
+            <a:ext cx="3977640" cy="18288"/>
+          </a:xfrm>
+          <a:prstGeom prst="rect">
+            <a:avLst/>
+          </a:prstGeom>
+          <a:solidFill>
+            <a:schemeClr val="tx1"/>
+          </a:solidFill>
+          <a:ln w="3175">
+            <a:noFill/>
+          </a:ln>
+          <a:effectLst/>
+        </p:spPr>
+        <p:style>
+          <a:lnRef idx="2">
+            <a:schemeClr val="accent1">
+              <a:shade val="50000"/>
+            </a:schemeClr>
+          </a:lnRef>
+          <a:fillRef idx="1">
+            <a:schemeClr val="accent1"/>
+          </a:fillRef>
+          <a:effectRef idx="0">
+            <a:schemeClr val="accent1"/>
+          </a:effectRef>
+          <a:fontRef idx="minor">
+            <a:schemeClr val="lt1"/>
+          </a:fontRef>
+        </p:style>
+        <p:txBody>
+          <a:bodyPr rtlCol="0" anchor="ctr"/>
+          <a:lstStyle/>
+          <a:p>
+            <a:pPr marL="0" marR="0" lvl="0" indent="0" algn="ctr" defTabSz="914400" rtl="0" eaLnBrk="1" fontAlgn="auto" latinLnBrk="0" hangingPunct="1">
+              <a:lnSpc>
+                <a:spcPct val="100000"/>
+              </a:lnSpc>
+              <a:spcBef>
+                <a:spcPts val="0"/>
+              </a:spcBef>
+              <a:spcAft>
+                <a:spcPts val="0"/>
+              </a:spcAft>
+              <a:buClrTx/>
+              <a:buSzTx/>
+              <a:buFontTx/>
+              <a:buNone/>
+              <a:tabLst/>
+              <a:defRPr/>
+            </a:pPr>
+            <a:endParaRPr kumimoji="0" lang="en-US" sz="1800" b="0" i="0" u="none" strike="noStrike" kern="1200" cap="none" spc="0" normalizeH="0" baseline="0" noProof="0">
+              <a:ln>
+                <a:noFill/>
+              </a:ln>
+              <a:solidFill>
+                <a:prstClr val="white"/>
+              </a:solidFill>
+              <a:effectLst/>
+              <a:uLnTx/>
+              <a:uFillTx/>
+              <a:latin typeface="Calibri" panose="020F0502020204030204"/>
+              <a:ea typeface="+mn-ea"/>
+              <a:cs typeface="+mn-cs"/>
+            </a:endParaRPr>
+          </a:p>
+        </p:txBody>
+      </p:sp>
+    </p:spTree>
+    <p:extLst>
+      <p:ext uri="{BB962C8B-B14F-4D97-AF65-F5344CB8AC3E}">
+        <p14:creationId xmlns:p14="http://schemas.microsoft.com/office/powerpoint/2010/main" val="2749805312"/>
+      </p:ext>
+    </p:extLst>
+  </p:cSld>
+  <p:clrMapOvr>
+    <a:overrideClrMapping bg1="lt1" tx1="dk1" bg2="lt2" tx2="dk2" accent1="accent1" accent2="accent2" accent3="accent3" accent4="accent4" accent5="accent5" accent6="accent6" hlink="hlink" folHlink="folHlink"/>
+  </p:clrMapOvr>
+  <p:timing>
+    <p:tnLst>
+      <p:par>
+        <p:cTn id="1" dur="indefinite" restart="never" nodeType="tmRoot">
+          <p:childTnLst>
+            <p:seq concurrent="1" nextAc="seek">
+              <p:cTn id="2" dur="indefinite" nodeType="mainSeq">
+                <p:childTnLst>
+                  <p:par>
+                    <p:cTn id="3" fill="hold">
+                      <p:stCondLst>
+                        <p:cond delay="indefinite"/>
+                        <p:cond evt="onBegin" delay="0">
+                          <p:tn val="2"/>
+                        </p:cond>
+                      </p:stCondLst>
+                      <p:childTnLst>
+                        <p:par>
+                          <p:cTn id="4" fill="hold">
+                            <p:stCondLst>
+                              <p:cond delay="0"/>
+                            </p:stCondLst>
+                            <p:childTnLst>
+                              <p:par>
+                                <p:cTn id="5" presetID="10" presetClass="entr" presetSubtype="0" fill="hold" grpId="0" nodeType="withEffect">
+                                  <p:stCondLst>
+                                    <p:cond delay="1000"/>
+                                  </p:stCondLst>
+                                  <p:iterate>
+                                    <p:tmPct val="10000"/>
+                                  </p:iterate>
+                                  <p:childTnLst>
+                                    <p:set>
+                                      <p:cBhvr>
+                                        <p:cTn id="6" dur="1" fill="hold">
+                                          <p:stCondLst>
+                                            <p:cond delay="0"/>
+                                          </p:stCondLst>
+                                        </p:cTn>
+                                        <p:tgtEl>
+                                          <p:spTgt spid="2"/>
+                                        </p:tgtEl>
+                                        <p:attrNameLst>
+                                          <p:attrName>style.visibility</p:attrName>
+                                        </p:attrNameLst>
+                                      </p:cBhvr>
+                                      <p:to>
+                                        <p:strVal val="visible"/>
+                                      </p:to>
+                                    </p:set>
+                                    <p:animEffect transition="in" filter="fade">
+                                      <p:cBhvr>
+                                        <p:cTn id="7" dur="700"/>
+                                        <p:tgtEl>
+                                          <p:spTgt spid="2"/>
+                                        </p:tgtEl>
+                                      </p:cBhvr>
+                                    </p:animEffect>
+                                  </p:childTnLst>
+                                </p:cTn>
+                              </p:par>
+                            </p:childTnLst>
+                          </p:cTn>
+                        </p:par>
+                      </p:childTnLst>
+                    </p:cTn>
+                  </p:par>
+                </p:childTnLst>
+              </p:cTn>
+              <p:prevCondLst>
+                <p:cond evt="onPrev" delay="0">
+                  <p:tgtEl>
+                    <p:sldTgt/>
+                  </p:tgtEl>
+                </p:cond>
+              </p:prevCondLst>
+              <p:nextCondLst>
+                <p:cond evt="onNext" delay="0">
+                  <p:tgtEl>
+                    <p:sldTgt/>
+                  </p:tgtEl>
+                </p:cond>
+              </p:nextCondLst>
+            </p:seq>
+          </p:childTnLst>
+        </p:cTn>
+      </p:par>
+    </p:tnLst>
+    <p:bldLst>
+      <p:bldP spid="2" grpId="0"/>
+    </p:bldLst>
+  </p:timing>
+</p:sld>
+</file>
+
+<file path=ppt/slides/slide16.xml><?xml version="1.0" encoding="utf-8"?>
+<p:sld xmlns:a="http://schemas.openxmlformats.org/drawingml/2006/main" xmlns:r="http://schemas.openxmlformats.org/officeDocument/2006/relationships" xmlns:p="http://schemas.openxmlformats.org/presentationml/2006/main">
+  <p:cSld>
+    <p:bg>
+      <p:bgPr>
+        <a:solidFill>
+          <a:schemeClr val="bg1"/>
+        </a:solidFill>
+        <a:effectLst/>
+      </p:bgPr>
+    </p:bg>
+    <p:spTree>
+      <p:nvGrpSpPr>
+        <p:cNvPr id="1" name=""/>
+        <p:cNvGrpSpPr/>
+        <p:nvPr/>
+      </p:nvGrpSpPr>
+      <p:grpSpPr>
+        <a:xfrm>
+          <a:off x="0" y="0"/>
+          <a:ext cx="0" cy="0"/>
+          <a:chOff x="0" y="0"/>
+          <a:chExt cx="0" cy="0"/>
+        </a:xfrm>
+      </p:grpSpPr>
+      <p:sp useBgFill="1">
+        <p:nvSpPr>
+          <p:cNvPr id="64" name="Rectangle 63">
+            <a:extLst>
+              <a:ext uri="{FF2B5EF4-FFF2-40B4-BE49-F238E27FC236}">
+                <a16:creationId xmlns:a16="http://schemas.microsoft.com/office/drawing/2014/main" id="{0671A8AE-40A1-4631-A6B8-581AFF065482}"/>
+              </a:ext>
+              <a:ext uri="{C183D7F6-B498-43B3-948B-1728B52AA6E4}">
+                <adec:decorative xmlns:adec="http://schemas.microsoft.com/office/drawing/2017/decorative" val="1"/>
+              </a:ext>
+            </a:extLst>
+          </p:cNvPr>
+          <p:cNvSpPr>
+            <a:spLocks noGrp="1" noRot="1" noChangeAspect="1" noMove="1" noResize="1" noEditPoints="1" noAdjustHandles="1" noChangeArrowheads="1" noChangeShapeType="1" noTextEdit="1"/>
+          </p:cNvSpPr>
+          <p:nvPr>
+            <p:extLst>
+              <p:ext uri="{386F3935-93C4-4BCD-93E2-E3B085C9AB24}">
+                <p16:designElem xmlns:p16="http://schemas.microsoft.com/office/powerpoint/2015/main" val="1"/>
+              </p:ext>
+            </p:extLst>
+          </p:nvPr>
+        </p:nvSpPr>
+        <p:spPr>
+          <a:xfrm>
+            <a:off x="0" y="0"/>
+            <a:ext cx="12192000" cy="6858000"/>
+          </a:xfrm>
+          <a:prstGeom prst="rect">
+            <a:avLst/>
+          </a:prstGeom>
+          <a:ln>
+            <a:noFill/>
+          </a:ln>
+        </p:spPr>
+        <p:style>
+          <a:lnRef idx="2">
+            <a:schemeClr val="accent1">
+              <a:shade val="50000"/>
+            </a:schemeClr>
+          </a:lnRef>
+          <a:fillRef idx="1">
+            <a:schemeClr val="accent1"/>
+          </a:fillRef>
+          <a:effectRef idx="0">
+            <a:schemeClr val="accent1"/>
+          </a:effectRef>
+          <a:fontRef idx="minor">
+            <a:schemeClr val="lt1"/>
+          </a:fontRef>
+        </p:style>
+        <p:txBody>
+          <a:bodyPr rtlCol="0" anchor="ctr"/>
+          <a:lstStyle/>
+          <a:p>
+            <a:pPr algn="ctr"/>
+            <a:endParaRPr lang="en-US"/>
+          </a:p>
+        </p:txBody>
+      </p:sp>
+      <p:pic>
+        <p:nvPicPr>
+          <p:cNvPr id="5" name="Picture 4" descr="A collage of cartoon characters&#10;&#10;Description automatically generated">
+            <a:extLst>
+              <a:ext uri="{FF2B5EF4-FFF2-40B4-BE49-F238E27FC236}">
+                <a16:creationId xmlns:a16="http://schemas.microsoft.com/office/drawing/2014/main" id="{B2A36326-47D0-0EFB-BFD8-23CC4869851E}"/>
+              </a:ext>
+            </a:extLst>
+          </p:cNvPr>
+          <p:cNvPicPr>
+            <a:picLocks noChangeAspect="1"/>
+          </p:cNvPicPr>
+          <p:nvPr/>
+        </p:nvPicPr>
+        <p:blipFill rotWithShape="1">
+          <a:blip r:embed="rId2">
+            <a:extLst>
+              <a:ext uri="{28A0092B-C50C-407E-A947-70E740481C1C}">
+                <a14:useLocalDpi xmlns:a14="http://schemas.microsoft.com/office/drawing/2010/main" val="0"/>
+              </a:ext>
+            </a:extLst>
+          </a:blip>
+          <a:srcRect l="9081" t="9091" r="26282"/>
+          <a:stretch/>
+        </p:blipFill>
+        <p:spPr>
+          <a:xfrm>
+            <a:off x="3523488" y="10"/>
+            <a:ext cx="8668512" cy="6857990"/>
+          </a:xfrm>
+          <a:prstGeom prst="rect">
+            <a:avLst/>
+          </a:prstGeom>
+        </p:spPr>
+      </p:pic>
+      <p:sp>
+        <p:nvSpPr>
+          <p:cNvPr id="66" name="Rectangle 65">
+            <a:extLst>
+              <a:ext uri="{FF2B5EF4-FFF2-40B4-BE49-F238E27FC236}">
+                <a16:creationId xmlns:a16="http://schemas.microsoft.com/office/drawing/2014/main" id="{AB58EF07-17C2-48CF-ABB0-EEF1F17CB8F0}"/>
+              </a:ext>
+              <a:ext uri="{C183D7F6-B498-43B3-948B-1728B52AA6E4}">
+                <adec:decorative xmlns:adec="http://schemas.microsoft.com/office/drawing/2017/decorative" val="1"/>
+              </a:ext>
+            </a:extLst>
+          </p:cNvPr>
+          <p:cNvSpPr>
+            <a:spLocks noGrp="1" noRot="1" noChangeAspect="1" noMove="1" noResize="1" noEditPoints="1" noAdjustHandles="1" noChangeArrowheads="1" noChangeShapeType="1" noTextEdit="1"/>
+          </p:cNvSpPr>
+          <p:nvPr>
+            <p:extLst>
+              <p:ext uri="{386F3935-93C4-4BCD-93E2-E3B085C9AB24}">
+                <p16:designElem xmlns:p16="http://schemas.microsoft.com/office/powerpoint/2015/main" val="1"/>
+              </p:ext>
+            </p:extLst>
+          </p:nvPr>
+        </p:nvSpPr>
+        <p:spPr>
+          <a:xfrm>
+            <a:off x="3" y="0"/>
+            <a:ext cx="9339206" cy="6858000"/>
+          </a:xfrm>
+          <a:prstGeom prst="rect">
+            <a:avLst/>
+          </a:prstGeom>
+          <a:gradFill>
+            <a:gsLst>
+              <a:gs pos="58000">
+                <a:schemeClr val="tx1"/>
+              </a:gs>
+              <a:gs pos="33000">
+                <a:schemeClr val="tx1">
+                  <a:alpha val="64000"/>
+                </a:schemeClr>
+              </a:gs>
+              <a:gs pos="0">
+                <a:schemeClr val="tx1">
+                  <a:alpha val="0"/>
+                </a:schemeClr>
+              </a:gs>
+              <a:gs pos="100000">
+                <a:schemeClr val="tx1"/>
+              </a:gs>
+            </a:gsLst>
+            <a:lin ang="10800000" scaled="0"/>
+          </a:gradFill>
+          <a:ln>
+            <a:noFill/>
+          </a:ln>
+        </p:spPr>
+        <p:style>
+          <a:lnRef idx="2">
+            <a:schemeClr val="accent1">
+              <a:shade val="50000"/>
+            </a:schemeClr>
+          </a:lnRef>
+          <a:fillRef idx="1">
+            <a:schemeClr val="accent1"/>
+          </a:fillRef>
+          <a:effectRef idx="0">
+            <a:schemeClr val="accent1"/>
+          </a:effectRef>
+          <a:fontRef idx="minor">
+            <a:schemeClr val="lt1"/>
+          </a:fontRef>
+        </p:style>
+        <p:txBody>
+          <a:bodyPr rtlCol="0" anchor="ctr"/>
+          <a:lstStyle/>
+          <a:p>
+            <a:pPr algn="ctr"/>
+            <a:endParaRPr lang="en-US" dirty="0"/>
+          </a:p>
+        </p:txBody>
+      </p:sp>
+      <p:sp>
+        <p:nvSpPr>
+          <p:cNvPr id="2" name="Title 1">
+            <a:extLst>
+              <a:ext uri="{FF2B5EF4-FFF2-40B4-BE49-F238E27FC236}">
+                <a16:creationId xmlns:a16="http://schemas.microsoft.com/office/drawing/2014/main" id="{B8010948-F54A-85A8-2F04-CBC6115FC7B8}"/>
+              </a:ext>
+            </a:extLst>
+          </p:cNvPr>
+          <p:cNvSpPr>
+            <a:spLocks noGrp="1"/>
+          </p:cNvSpPr>
+          <p:nvPr>
+            <p:ph type="ctrTitle"/>
+          </p:nvPr>
+        </p:nvSpPr>
+        <p:spPr>
+          <a:xfrm>
+            <a:off x="477981" y="1122363"/>
+            <a:ext cx="4023360" cy="3204134"/>
+          </a:xfrm>
+        </p:spPr>
+        <p:txBody>
+          <a:bodyPr anchor="b">
+            <a:normAutofit/>
+          </a:bodyPr>
+          <a:lstStyle/>
+          <a:p>
+            <a:pPr algn="l"/>
+            <a:r>
+              <a:rPr lang="en-US" sz="4800">
+                <a:solidFill>
+                  <a:schemeClr val="bg1"/>
+                </a:solidFill>
+                <a:latin typeface="Arial Rounded MT Bold" panose="020F0704030504030204" pitchFamily="34" charset="0"/>
+              </a:rPr>
+              <a:t>Thank you!</a:t>
+            </a:r>
+          </a:p>
+        </p:txBody>
+      </p:sp>
+      <p:sp>
+        <p:nvSpPr>
+          <p:cNvPr id="68" name="Rectangle 67">
+            <a:extLst>
+              <a:ext uri="{FF2B5EF4-FFF2-40B4-BE49-F238E27FC236}">
+                <a16:creationId xmlns:a16="http://schemas.microsoft.com/office/drawing/2014/main" id="{AF2F604E-43BE-4DC3-B983-E071523364F8}"/>
+              </a:ext>
+              <a:ext uri="{C183D7F6-B498-43B3-948B-1728B52AA6E4}">
+                <adec:decorative xmlns:adec="http://schemas.microsoft.com/office/drawing/2017/decorative" val="1"/>
+              </a:ext>
+            </a:extLst>
+          </p:cNvPr>
+          <p:cNvSpPr>
+            <a:spLocks noGrp="1" noRot="1" noChangeAspect="1" noMove="1" noResize="1" noEditPoints="1" noAdjustHandles="1" noChangeArrowheads="1" noChangeShapeType="1" noTextEdit="1"/>
+          </p:cNvSpPr>
+          <p:nvPr>
+            <p:extLst>
+              <p:ext uri="{386F3935-93C4-4BCD-93E2-E3B085C9AB24}">
+                <p16:designElem xmlns:p16="http://schemas.microsoft.com/office/powerpoint/2015/main" val="1"/>
+              </p:ext>
+            </p:extLst>
+          </p:nvPr>
+        </p:nvSpPr>
+        <p:spPr>
+          <a:xfrm rot="5400000">
+            <a:off x="759921" y="346791"/>
+            <a:ext cx="146304" cy="704088"/>
+          </a:xfrm>
+          <a:prstGeom prst="rect">
+            <a:avLst/>
+          </a:prstGeom>
+          <a:solidFill>
+            <a:schemeClr val="accent2"/>
+          </a:solidFill>
+          <a:ln>
+            <a:noFill/>
+          </a:ln>
+        </p:spPr>
+        <p:style>
+          <a:lnRef idx="2">
+            <a:schemeClr val="accent1">
+              <a:shade val="50000"/>
+            </a:schemeClr>
+          </a:lnRef>
+          <a:fillRef idx="1">
+            <a:schemeClr val="accent1"/>
+          </a:fillRef>
+          <a:effectRef idx="0">
+            <a:schemeClr val="accent1"/>
+          </a:effectRef>
+          <a:fontRef idx="minor">
+            <a:schemeClr val="lt1"/>
+          </a:fontRef>
+        </p:style>
+        <p:txBody>
+          <a:bodyPr rtlCol="0" anchor="ctr"/>
+          <a:lstStyle/>
+          <a:p>
+            <a:pPr algn="ctr"/>
+            <a:endParaRPr lang="en-US">
+              <a:solidFill>
+                <a:prstClr val="white"/>
+              </a:solidFill>
+              <a:latin typeface="Calibri" panose="020F0502020204030204"/>
+            </a:endParaRPr>
+          </a:p>
+        </p:txBody>
+      </p:sp>
+      <p:sp>
+        <p:nvSpPr>
+          <p:cNvPr id="70" name="Rectangle 69">
+            <a:extLst>
+              <a:ext uri="{FF2B5EF4-FFF2-40B4-BE49-F238E27FC236}">
+                <a16:creationId xmlns:a16="http://schemas.microsoft.com/office/drawing/2014/main" id="{08C9B587-E65E-4B52-B37C-ABEBB6E87928}"/>
+              </a:ext>
+              <a:ext uri="{C183D7F6-B498-43B3-948B-1728B52AA6E4}">
+                <adec:decorative xmlns:adec="http://schemas.microsoft.com/office/drawing/2017/decorative" val="1"/>
+              </a:ext>
+            </a:extLst>
+          </p:cNvPr>
+          <p:cNvSpPr>
+            <a:spLocks noGrp="1" noRot="1" noChangeAspect="1" noMove="1" noResize="1" noEditPoints="1" noAdjustHandles="1" noChangeArrowheads="1" noChangeShapeType="1" noTextEdit="1"/>
+          </p:cNvSpPr>
+          <p:nvPr>
+            <p:extLst>
+              <p:ext uri="{386F3935-93C4-4BCD-93E2-E3B085C9AB24}">
+                <p16:designElem xmlns:p16="http://schemas.microsoft.com/office/powerpoint/2015/main" val="1"/>
+              </p:ext>
+            </p:extLst>
+          </p:nvPr>
+        </p:nvSpPr>
+        <p:spPr>
+          <a:xfrm>
+            <a:off x="481029" y="4546920"/>
+            <a:ext cx="3977640" cy="18288"/>
+          </a:xfrm>
+          <a:prstGeom prst="rect">
+            <a:avLst/>
+          </a:prstGeom>
+          <a:solidFill>
+            <a:schemeClr val="tx1"/>
+          </a:solidFill>
+          <a:ln w="3175">
+            <a:noFill/>
+          </a:ln>
+          <a:effectLst/>
+        </p:spPr>
+        <p:style>
+          <a:lnRef idx="2">
+            <a:schemeClr val="accent1">
+              <a:shade val="50000"/>
+            </a:schemeClr>
+          </a:lnRef>
+          <a:fillRef idx="1">
+            <a:schemeClr val="accent1"/>
+          </a:fillRef>
+          <a:effectRef idx="0">
+            <a:schemeClr val="accent1"/>
+          </a:effectRef>
+          <a:fontRef idx="minor">
+            <a:schemeClr val="lt1"/>
+          </a:fontRef>
+        </p:style>
+        <p:txBody>
+          <a:bodyPr rtlCol="0" anchor="ctr"/>
+          <a:lstStyle/>
+          <a:p>
+            <a:pPr marL="0" marR="0" lvl="0" indent="0" algn="ctr" defTabSz="914400" rtl="0" eaLnBrk="1" fontAlgn="auto" latinLnBrk="0" hangingPunct="1">
+              <a:lnSpc>
+                <a:spcPct val="100000"/>
+              </a:lnSpc>
+              <a:spcBef>
+                <a:spcPts val="0"/>
+              </a:spcBef>
+              <a:spcAft>
+                <a:spcPts val="0"/>
+              </a:spcAft>
+              <a:buClrTx/>
+              <a:buSzTx/>
+              <a:buFontTx/>
+              <a:buNone/>
+              <a:tabLst/>
+              <a:defRPr/>
+            </a:pPr>
+            <a:endParaRPr kumimoji="0" lang="en-US" sz="1800" b="0" i="0" u="none" strike="noStrike" kern="1200" cap="none" spc="0" normalizeH="0" baseline="0" noProof="0">
+              <a:ln>
+                <a:noFill/>
+              </a:ln>
+              <a:solidFill>
+                <a:prstClr val="white"/>
+              </a:solidFill>
+              <a:effectLst/>
+              <a:uLnTx/>
+              <a:uFillTx/>
+              <a:latin typeface="Calibri" panose="020F0502020204030204"/>
+              <a:ea typeface="+mn-ea"/>
+              <a:cs typeface="+mn-cs"/>
+            </a:endParaRPr>
+          </a:p>
+        </p:txBody>
+      </p:sp>
+    </p:spTree>
+    <p:extLst>
+      <p:ext uri="{BB962C8B-B14F-4D97-AF65-F5344CB8AC3E}">
+        <p14:creationId xmlns:p14="http://schemas.microsoft.com/office/powerpoint/2010/main" val="2415236300"/>
+      </p:ext>
+    </p:extLst>
+  </p:cSld>
+  <p:clrMapOvr>
+    <a:overrideClrMapping bg1="lt1" tx1="dk1" bg2="lt2" tx2="dk2" accent1="accent1" accent2="accent2" accent3="accent3" accent4="accent4" accent5="accent5" accent6="accent6" hlink="hlink" folHlink="folHlink"/>
+  </p:clrMapOvr>
+  <p:timing>
+    <p:tnLst>
+      <p:par>
+        <p:cTn id="1" dur="indefinite" restart="never" nodeType="tmRoot">
+          <p:childTnLst>
+            <p:seq concurrent="1" nextAc="seek">
+              <p:cTn id="2" dur="indefinite" nodeType="mainSeq">
+                <p:childTnLst>
+                  <p:par>
+                    <p:cTn id="3" fill="hold">
+                      <p:stCondLst>
+                        <p:cond delay="indefinite"/>
+                        <p:cond evt="onBegin" delay="0">
+                          <p:tn val="2"/>
+                        </p:cond>
+                      </p:stCondLst>
+                      <p:childTnLst>
+                        <p:par>
+                          <p:cTn id="4" fill="hold">
+                            <p:stCondLst>
+                              <p:cond delay="0"/>
+                            </p:stCondLst>
+                            <p:childTnLst>
+                              <p:par>
+                                <p:cTn id="5" presetID="10" presetClass="entr" presetSubtype="0" fill="hold" grpId="0" nodeType="withEffect">
+                                  <p:stCondLst>
+                                    <p:cond delay="1000"/>
+                                  </p:stCondLst>
+                                  <p:iterate>
+                                    <p:tmPct val="10000"/>
+                                  </p:iterate>
+                                  <p:childTnLst>
+                                    <p:set>
+                                      <p:cBhvr>
+                                        <p:cTn id="6" dur="1" fill="hold">
+                                          <p:stCondLst>
+                                            <p:cond delay="0"/>
+                                          </p:stCondLst>
+                                        </p:cTn>
+                                        <p:tgtEl>
+                                          <p:spTgt spid="2"/>
+                                        </p:tgtEl>
+                                        <p:attrNameLst>
+                                          <p:attrName>style.visibility</p:attrName>
+                                        </p:attrNameLst>
+                                      </p:cBhvr>
+                                      <p:to>
+                                        <p:strVal val="visible"/>
+                                      </p:to>
+                                    </p:set>
+                                    <p:animEffect transition="in" filter="fade">
+                                      <p:cBhvr>
+                                        <p:cTn id="7" dur="700"/>
+                                        <p:tgtEl>
+                                          <p:spTgt spid="2"/>
+                                        </p:tgtEl>
+                                      </p:cBhvr>
+                                    </p:animEffect>
+                                  </p:childTnLst>
+                                </p:cTn>
+                              </p:par>
+                            </p:childTnLst>
+                          </p:cTn>
+                        </p:par>
+                      </p:childTnLst>
+                    </p:cTn>
+                  </p:par>
+                </p:childTnLst>
+              </p:cTn>
+              <p:prevCondLst>
+                <p:cond evt="onPrev" delay="0">
+                  <p:tgtEl>
+                    <p:sldTgt/>
+                  </p:tgtEl>
+                </p:cond>
+              </p:prevCondLst>
+              <p:nextCondLst>
+                <p:cond evt="onNext" delay="0">
+                  <p:tgtEl>
+                    <p:sldTgt/>
+                  </p:tgtEl>
+                </p:cond>
+              </p:nextCondLst>
+            </p:seq>
+          </p:childTnLst>
+        </p:cTn>
+      </p:par>
+    </p:tnLst>
+    <p:bldLst>
+      <p:bldP spid="2" grpId="0"/>
     </p:bldLst>
   </p:timing>
 </p:sld>
@@ -9072,17 +13393,7 @@
                   <a:schemeClr val="bg1"/>
                 </a:solidFill>
               </a:rPr>
-              <a:t>Python Pandas</a:t>
-            </a:r>
-          </a:p>
-          <a:p>
-            <a:r>
-              <a:rPr lang="en-US" sz="1700" dirty="0">
-                <a:solidFill>
-                  <a:schemeClr val="bg1"/>
-                </a:solidFill>
-              </a:rPr>
-              <a:t>NumPy</a:t>
+              <a:t>Python/Pandas</a:t>
             </a:r>
           </a:p>
           <a:p>
@@ -9092,7 +13403,22 @@
                   <a:schemeClr val="bg1"/>
                 </a:solidFill>
               </a:rPr>
-              <a:t>SkLearn</a:t>
+              <a:t>Numpy</a:t>
+            </a:r>
+            <a:endParaRPr lang="en-US" sz="1700" dirty="0">
+              <a:solidFill>
+                <a:schemeClr val="bg1"/>
+              </a:solidFill>
+            </a:endParaRPr>
+          </a:p>
+          <a:p>
+            <a:r>
+              <a:rPr lang="en-US" sz="1700" dirty="0" err="1">
+                <a:solidFill>
+                  <a:schemeClr val="bg1"/>
+                </a:solidFill>
+              </a:rPr>
+              <a:t>Sklearn</a:t>
             </a:r>
             <a:endParaRPr lang="en-US" sz="1700" dirty="0">
               <a:solidFill>
@@ -10073,24 +14399,36 @@
         </p:nvSpPr>
         <p:spPr>
           <a:xfrm>
-            <a:off x="477981" y="1122363"/>
-            <a:ext cx="4023360" cy="3204134"/>
+            <a:off x="456123" y="1341914"/>
+            <a:ext cx="4023360" cy="751193"/>
           </a:xfrm>
         </p:spPr>
         <p:txBody>
           <a:bodyPr vert="horz" lIns="91440" tIns="45720" rIns="91440" bIns="45720" rtlCol="0" anchor="b">
-            <a:normAutofit/>
+            <a:normAutofit fontScale="90000"/>
           </a:bodyPr>
           <a:lstStyle/>
           <a:p>
             <a:r>
-              <a:rPr lang="en-US" sz="4800">
+              <a:rPr lang="en-US" sz="4800" dirty="0">
                 <a:solidFill>
                   <a:schemeClr val="bg1"/>
                 </a:solidFill>
               </a:rPr>
-              <a:t>Python Pandas</a:t>
+              <a:t>Python/Pandas</a:t>
             </a:r>
+            <a:br>
+              <a:rPr lang="en-US" sz="4800" dirty="0">
+                <a:solidFill>
+                  <a:schemeClr val="bg1"/>
+                </a:solidFill>
+              </a:rPr>
+            </a:br>
+            <a:endParaRPr lang="en-US" sz="4800" dirty="0">
+              <a:solidFill>
+                <a:schemeClr val="bg1"/>
+              </a:solidFill>
+            </a:endParaRPr>
           </a:p>
         </p:txBody>
       </p:sp>
@@ -10255,6 +14593,321 @@
           </a:p>
         </p:txBody>
       </p:sp>
+      <p:pic>
+        <p:nvPicPr>
+          <p:cNvPr id="5" name="Picture 4" descr="A screenshot of a computer&#10;&#10;Description automatically generated">
+            <a:extLst>
+              <a:ext uri="{FF2B5EF4-FFF2-40B4-BE49-F238E27FC236}">
+                <a16:creationId xmlns:a16="http://schemas.microsoft.com/office/drawing/2014/main" id="{6F3F3E27-5AF9-31D2-D60F-9F9F1117C08B}"/>
+              </a:ext>
+            </a:extLst>
+          </p:cNvPr>
+          <p:cNvPicPr>
+            <a:picLocks noChangeAspect="1"/>
+          </p:cNvPicPr>
+          <p:nvPr/>
+        </p:nvPicPr>
+        <p:blipFill>
+          <a:blip r:embed="rId3">
+            <a:extLst>
+              <a:ext uri="{28A0092B-C50C-407E-A947-70E740481C1C}">
+                <a14:useLocalDpi xmlns:a14="http://schemas.microsoft.com/office/drawing/2010/main" val="0"/>
+              </a:ext>
+            </a:extLst>
+          </a:blip>
+          <a:stretch>
+            <a:fillRect/>
+          </a:stretch>
+        </p:blipFill>
+        <p:spPr>
+          <a:xfrm>
+            <a:off x="4146444" y="107052"/>
+            <a:ext cx="7924309" cy="4163760"/>
+          </a:xfrm>
+          <a:prstGeom prst="rect">
+            <a:avLst/>
+          </a:prstGeom>
+        </p:spPr>
+      </p:pic>
+      <p:sp>
+        <p:nvSpPr>
+          <p:cNvPr id="6" name="Title 1">
+            <a:extLst>
+              <a:ext uri="{FF2B5EF4-FFF2-40B4-BE49-F238E27FC236}">
+                <a16:creationId xmlns:a16="http://schemas.microsoft.com/office/drawing/2014/main" id="{0AFC5683-8CFF-4913-6AAC-FCD944B6016B}"/>
+              </a:ext>
+            </a:extLst>
+          </p:cNvPr>
+          <p:cNvSpPr txBox="1">
+            <a:spLocks/>
+          </p:cNvSpPr>
+          <p:nvPr/>
+        </p:nvSpPr>
+        <p:spPr>
+          <a:xfrm>
+            <a:off x="456123" y="1926009"/>
+            <a:ext cx="4023360" cy="4306308"/>
+          </a:xfrm>
+          <a:prstGeom prst="rect">
+            <a:avLst/>
+          </a:prstGeom>
+        </p:spPr>
+        <p:txBody>
+          <a:bodyPr vert="horz" lIns="91440" tIns="45720" rIns="91440" bIns="45720" rtlCol="0" anchor="b">
+            <a:normAutofit/>
+          </a:bodyPr>
+          <a:lstStyle>
+            <a:lvl1pPr algn="l" defTabSz="914400" rtl="0" eaLnBrk="1" latinLnBrk="0" hangingPunct="1">
+              <a:lnSpc>
+                <a:spcPct val="90000"/>
+              </a:lnSpc>
+              <a:spcBef>
+                <a:spcPct val="0"/>
+              </a:spcBef>
+              <a:buNone/>
+              <a:defRPr sz="4400" kern="1200">
+                <a:solidFill>
+                  <a:schemeClr val="tx1"/>
+                </a:solidFill>
+                <a:latin typeface="+mj-lt"/>
+                <a:ea typeface="+mj-ea"/>
+                <a:cs typeface="+mj-cs"/>
+              </a:defRPr>
+            </a:lvl1pPr>
+          </a:lstStyle>
+          <a:p>
+            <a:endParaRPr lang="en-US" sz="4800" dirty="0">
+              <a:solidFill>
+                <a:schemeClr val="bg1"/>
+              </a:solidFill>
+            </a:endParaRPr>
+          </a:p>
+        </p:txBody>
+      </p:sp>
+      <p:sp>
+        <p:nvSpPr>
+          <p:cNvPr id="7" name="TextBox 6">
+            <a:extLst>
+              <a:ext uri="{FF2B5EF4-FFF2-40B4-BE49-F238E27FC236}">
+                <a16:creationId xmlns:a16="http://schemas.microsoft.com/office/drawing/2014/main" id="{15D8ED17-F368-3F3C-024E-43F78BA91A8D}"/>
+              </a:ext>
+            </a:extLst>
+          </p:cNvPr>
+          <p:cNvSpPr txBox="1"/>
+          <p:nvPr/>
+        </p:nvSpPr>
+        <p:spPr>
+          <a:xfrm>
+            <a:off x="481029" y="1848788"/>
+            <a:ext cx="3230880" cy="1908215"/>
+          </a:xfrm>
+          <a:prstGeom prst="rect">
+            <a:avLst/>
+          </a:prstGeom>
+          <a:noFill/>
+        </p:spPr>
+        <p:txBody>
+          <a:bodyPr wrap="square" rtlCol="0">
+            <a:spAutoFit/>
+          </a:bodyPr>
+          <a:lstStyle/>
+          <a:p>
+            <a:pPr marL="342900" indent="-342900">
+              <a:buFont typeface="Arial" panose="020B0604020202020204" pitchFamily="34" charset="0"/>
+              <a:buChar char="•"/>
+            </a:pPr>
+            <a:r>
+              <a:rPr lang="en-US" dirty="0">
+                <a:solidFill>
+                  <a:schemeClr val="bg1"/>
+                </a:solidFill>
+              </a:rPr>
+              <a:t>Imported dependencies</a:t>
+            </a:r>
+          </a:p>
+          <a:p>
+            <a:pPr marL="342900" indent="-342900">
+              <a:buFont typeface="Arial" panose="020B0604020202020204" pitchFamily="34" charset="0"/>
+              <a:buChar char="•"/>
+            </a:pPr>
+            <a:r>
+              <a:rPr lang="en-US" dirty="0">
+                <a:solidFill>
+                  <a:schemeClr val="bg1"/>
+                </a:solidFill>
+              </a:rPr>
+              <a:t>Read csv</a:t>
+            </a:r>
+          </a:p>
+          <a:p>
+            <a:pPr marL="342900" indent="-342900">
+              <a:buFont typeface="Arial" panose="020B0604020202020204" pitchFamily="34" charset="0"/>
+              <a:buChar char="•"/>
+            </a:pPr>
+            <a:r>
+              <a:rPr lang="en-US" dirty="0">
+                <a:solidFill>
+                  <a:schemeClr val="bg1"/>
+                </a:solidFill>
+              </a:rPr>
+              <a:t>Checked data types</a:t>
+            </a:r>
+          </a:p>
+          <a:p>
+            <a:pPr marL="800100" lvl="1" indent="-342900">
+              <a:buFont typeface="Arial" panose="020B0604020202020204" pitchFamily="34" charset="0"/>
+              <a:buChar char="•"/>
+            </a:pPr>
+            <a:r>
+              <a:rPr lang="en-US" sz="1400" dirty="0">
+                <a:solidFill>
+                  <a:schemeClr val="bg1"/>
+                </a:solidFill>
+              </a:rPr>
+              <a:t>Noticed the ‘Year’ column loaded as a float</a:t>
+            </a:r>
+          </a:p>
+          <a:p>
+            <a:pPr marL="342900" indent="-342900">
+              <a:buFont typeface="Arial" panose="020B0604020202020204" pitchFamily="34" charset="0"/>
+              <a:buChar char="•"/>
+            </a:pPr>
+            <a:r>
+              <a:rPr lang="en-US" dirty="0">
+                <a:solidFill>
+                  <a:schemeClr val="bg1"/>
+                </a:solidFill>
+              </a:rPr>
+              <a:t>Converted the ‘Year’ column into an integer </a:t>
+            </a:r>
+            <a:r>
+              <a:rPr lang="en-US" dirty="0" err="1">
+                <a:solidFill>
+                  <a:schemeClr val="bg1"/>
+                </a:solidFill>
+              </a:rPr>
+              <a:t>dtype</a:t>
+            </a:r>
+            <a:endParaRPr lang="en-US" dirty="0">
+              <a:solidFill>
+                <a:schemeClr val="bg1"/>
+              </a:solidFill>
+            </a:endParaRPr>
+          </a:p>
+        </p:txBody>
+      </p:sp>
+      <p:pic>
+        <p:nvPicPr>
+          <p:cNvPr id="9" name="Picture 8" descr="A screenshot of a computer screen&#10;&#10;Description automatically generated">
+            <a:extLst>
+              <a:ext uri="{FF2B5EF4-FFF2-40B4-BE49-F238E27FC236}">
+                <a16:creationId xmlns:a16="http://schemas.microsoft.com/office/drawing/2014/main" id="{E716A305-540A-9655-3812-6BC39BE7722F}"/>
+              </a:ext>
+            </a:extLst>
+          </p:cNvPr>
+          <p:cNvPicPr>
+            <a:picLocks noChangeAspect="1"/>
+          </p:cNvPicPr>
+          <p:nvPr/>
+        </p:nvPicPr>
+        <p:blipFill>
+          <a:blip r:embed="rId4">
+            <a:extLst>
+              <a:ext uri="{28A0092B-C50C-407E-A947-70E740481C1C}">
+                <a14:useLocalDpi xmlns:a14="http://schemas.microsoft.com/office/drawing/2010/main" val="0"/>
+              </a:ext>
+            </a:extLst>
+          </a:blip>
+          <a:stretch>
+            <a:fillRect/>
+          </a:stretch>
+        </p:blipFill>
+        <p:spPr>
+          <a:xfrm>
+            <a:off x="4146444" y="4448735"/>
+            <a:ext cx="7924309" cy="2133157"/>
+          </a:xfrm>
+          <a:prstGeom prst="rect">
+            <a:avLst/>
+          </a:prstGeom>
+        </p:spPr>
+      </p:pic>
+      <p:sp>
+        <p:nvSpPr>
+          <p:cNvPr id="10" name="TextBox 9">
+            <a:extLst>
+              <a:ext uri="{FF2B5EF4-FFF2-40B4-BE49-F238E27FC236}">
+                <a16:creationId xmlns:a16="http://schemas.microsoft.com/office/drawing/2014/main" id="{04ED978F-5182-A9CD-21A4-82B31E31C93E}"/>
+              </a:ext>
+            </a:extLst>
+          </p:cNvPr>
+          <p:cNvSpPr txBox="1"/>
+          <p:nvPr/>
+        </p:nvSpPr>
+        <p:spPr>
+          <a:xfrm>
+            <a:off x="455754" y="1479456"/>
+            <a:ext cx="3230879" cy="369332"/>
+          </a:xfrm>
+          <a:prstGeom prst="rect">
+            <a:avLst/>
+          </a:prstGeom>
+          <a:noFill/>
+        </p:spPr>
+        <p:txBody>
+          <a:bodyPr wrap="square" rtlCol="0">
+            <a:spAutoFit/>
+          </a:bodyPr>
+          <a:lstStyle/>
+          <a:p>
+            <a:r>
+              <a:rPr lang="en-US" sz="1800" dirty="0">
+                <a:solidFill>
+                  <a:schemeClr val="bg1"/>
+                </a:solidFill>
+              </a:rPr>
+              <a:t>What does our data look like?</a:t>
+            </a:r>
+            <a:endParaRPr lang="en-US" dirty="0"/>
+          </a:p>
+        </p:txBody>
+      </p:sp>
+      <p:pic>
+        <p:nvPicPr>
+          <p:cNvPr id="12" name="Picture 11" descr="A screenshot of a computer&#10;&#10;Description automatically generated">
+            <a:extLst>
+              <a:ext uri="{FF2B5EF4-FFF2-40B4-BE49-F238E27FC236}">
+                <a16:creationId xmlns:a16="http://schemas.microsoft.com/office/drawing/2014/main" id="{9397E27A-9358-41F9-AF00-AF911FEE8031}"/>
+              </a:ext>
+            </a:extLst>
+          </p:cNvPr>
+          <p:cNvPicPr>
+            <a:picLocks noChangeAspect="1"/>
+          </p:cNvPicPr>
+          <p:nvPr/>
+        </p:nvPicPr>
+        <p:blipFill>
+          <a:blip r:embed="rId5">
+            <a:extLst>
+              <a:ext uri="{28A0092B-C50C-407E-A947-70E740481C1C}">
+                <a14:useLocalDpi xmlns:a14="http://schemas.microsoft.com/office/drawing/2010/main" val="0"/>
+              </a:ext>
+            </a:extLst>
+          </a:blip>
+          <a:stretch>
+            <a:fillRect/>
+          </a:stretch>
+        </p:blipFill>
+        <p:spPr>
+          <a:xfrm>
+            <a:off x="911752" y="3924046"/>
+            <a:ext cx="3105583" cy="2657846"/>
+          </a:xfrm>
+          <a:prstGeom prst="rect">
+            <a:avLst/>
+          </a:prstGeom>
+        </p:spPr>
+      </p:pic>
     </p:spTree>
     <p:extLst>
       <p:ext uri="{BB962C8B-B14F-4D97-AF65-F5344CB8AC3E}">
@@ -10281,7 +14934,13 @@
     </p:bg>
     <p:spTree>
       <p:nvGrpSpPr>
-        <p:cNvPr id="1" name=""/>
+        <p:cNvPr id="1" name="">
+          <a:extLst>
+            <a:ext uri="{FF2B5EF4-FFF2-40B4-BE49-F238E27FC236}">
+              <a16:creationId xmlns:a16="http://schemas.microsoft.com/office/drawing/2014/main" id="{8F940CC5-57A4-1555-9EE3-71937499013C}"/>
+            </a:ext>
+          </a:extLst>
+        </p:cNvPr>
         <p:cNvGrpSpPr/>
         <p:nvPr/>
       </p:nvGrpSpPr>
@@ -10295,10 +14954,10 @@
       </p:grpSpPr>
       <p:sp useBgFill="1">
         <p:nvSpPr>
-          <p:cNvPr id="64" name="Rectangle 63">
-            <a:extLst>
-              <a:ext uri="{FF2B5EF4-FFF2-40B4-BE49-F238E27FC236}">
-                <a16:creationId xmlns:a16="http://schemas.microsoft.com/office/drawing/2014/main" id="{0671A8AE-40A1-4631-A6B8-581AFF065482}"/>
+          <p:cNvPr id="37" name="Rectangle 36">
+            <a:extLst>
+              <a:ext uri="{FF2B5EF4-FFF2-40B4-BE49-F238E27FC236}">
+                <a16:creationId xmlns:a16="http://schemas.microsoft.com/office/drawing/2014/main" id="{41810ECD-0EA3-9E64-D395-8D3F09726F95}"/>
               </a:ext>
               <a:ext uri="{C183D7F6-B498-43B3-948B-1728B52AA6E4}">
                 <adec:decorative xmlns:adec="http://schemas.microsoft.com/office/drawing/2017/decorative" val="1"/>
@@ -10355,10 +15014,10 @@
       </p:sp>
       <p:pic>
         <p:nvPicPr>
-          <p:cNvPr id="5" name="Picture 4" descr="A collage of cartoon characters&#10;&#10;Description automatically generated">
-            <a:extLst>
-              <a:ext uri="{FF2B5EF4-FFF2-40B4-BE49-F238E27FC236}">
-                <a16:creationId xmlns:a16="http://schemas.microsoft.com/office/drawing/2014/main" id="{B2A36326-47D0-0EFB-BFD8-23CC4869851E}"/>
+          <p:cNvPr id="4" name="Content Placeholder 3" descr="A screenshot of a computer&#10;&#10;Description automatically generated">
+            <a:extLst>
+              <a:ext uri="{FF2B5EF4-FFF2-40B4-BE49-F238E27FC236}">
+                <a16:creationId xmlns:a16="http://schemas.microsoft.com/office/drawing/2014/main" id="{8C693BC5-71F4-E1DC-EADC-5C47851A84B1}"/>
               </a:ext>
             </a:extLst>
           </p:cNvPr>
@@ -10368,14 +15027,8 @@
           <p:nvPr/>
         </p:nvPicPr>
         <p:blipFill rotWithShape="1">
-          <a:blip r:embed="rId2">
-            <a:extLst>
-              <a:ext uri="{28A0092B-C50C-407E-A947-70E740481C1C}">
-                <a14:useLocalDpi xmlns:a14="http://schemas.microsoft.com/office/drawing/2010/main" val="0"/>
-              </a:ext>
-            </a:extLst>
-          </a:blip>
-          <a:srcRect l="9081" t="9091" r="26282"/>
+          <a:blip r:embed="rId2"/>
+          <a:srcRect t="15881" r="9089" b="-2"/>
           <a:stretch/>
         </p:blipFill>
         <p:spPr>
@@ -10390,10 +15043,10 @@
       </p:pic>
       <p:sp>
         <p:nvSpPr>
-          <p:cNvPr id="66" name="Rectangle 65">
-            <a:extLst>
-              <a:ext uri="{FF2B5EF4-FFF2-40B4-BE49-F238E27FC236}">
-                <a16:creationId xmlns:a16="http://schemas.microsoft.com/office/drawing/2014/main" id="{AB58EF07-17C2-48CF-ABB0-EEF1F17CB8F0}"/>
+          <p:cNvPr id="39" name="Rectangle 38">
+            <a:extLst>
+              <a:ext uri="{FF2B5EF4-FFF2-40B4-BE49-F238E27FC236}">
+                <a16:creationId xmlns:a16="http://schemas.microsoft.com/office/drawing/2014/main" id="{65063DB5-DD03-3950-5594-A3B78D5E92C4}"/>
               </a:ext>
               <a:ext uri="{C183D7F6-B498-43B3-948B-1728B52AA6E4}">
                 <adec:decorative xmlns:adec="http://schemas.microsoft.com/office/drawing/2017/decorative" val="1"/>
@@ -10474,7 +15127,7 @@
           <p:cNvPr id="2" name="Title 1">
             <a:extLst>
               <a:ext uri="{FF2B5EF4-FFF2-40B4-BE49-F238E27FC236}">
-                <a16:creationId xmlns:a16="http://schemas.microsoft.com/office/drawing/2014/main" id="{B8010948-F54A-85A8-2F04-CBC6115FC7B8}"/>
+                <a16:creationId xmlns:a16="http://schemas.microsoft.com/office/drawing/2014/main" id="{472B288A-0D08-3570-FF44-3DB1189B6669}"/>
               </a:ext>
             </a:extLst>
           </p:cNvPr>
@@ -10482,40 +15135,50 @@
             <a:spLocks noGrp="1"/>
           </p:cNvSpPr>
           <p:nvPr>
-            <p:ph type="ctrTitle"/>
+            <p:ph type="title"/>
           </p:nvPr>
         </p:nvSpPr>
         <p:spPr>
           <a:xfrm>
-            <a:off x="477981" y="1122363"/>
-            <a:ext cx="4023360" cy="3204134"/>
+            <a:off x="456123" y="1341914"/>
+            <a:ext cx="4023360" cy="751193"/>
           </a:xfrm>
         </p:spPr>
         <p:txBody>
-          <a:bodyPr anchor="b">
-            <a:normAutofit/>
+          <a:bodyPr vert="horz" lIns="91440" tIns="45720" rIns="91440" bIns="45720" rtlCol="0" anchor="b">
+            <a:normAutofit fontScale="90000"/>
           </a:bodyPr>
           <a:lstStyle/>
           <a:p>
-            <a:pPr algn="l"/>
             <a:r>
-              <a:rPr lang="en-US" sz="4800">
+              <a:rPr lang="en-US" sz="4800" dirty="0">
                 <a:solidFill>
                   <a:schemeClr val="bg1"/>
                 </a:solidFill>
-                <a:latin typeface="Arial Rounded MT Bold" panose="020F0704030504030204" pitchFamily="34" charset="0"/>
               </a:rPr>
-              <a:t>Questions?</a:t>
+              <a:t>Python/Pandas</a:t>
             </a:r>
+            <a:br>
+              <a:rPr lang="en-US" sz="4800" dirty="0">
+                <a:solidFill>
+                  <a:schemeClr val="bg1"/>
+                </a:solidFill>
+              </a:rPr>
+            </a:br>
+            <a:endParaRPr lang="en-US" sz="4800" dirty="0">
+              <a:solidFill>
+                <a:schemeClr val="bg1"/>
+              </a:solidFill>
+            </a:endParaRPr>
           </a:p>
         </p:txBody>
       </p:sp>
       <p:sp>
         <p:nvSpPr>
-          <p:cNvPr id="68" name="Rectangle 67">
-            <a:extLst>
-              <a:ext uri="{FF2B5EF4-FFF2-40B4-BE49-F238E27FC236}">
-                <a16:creationId xmlns:a16="http://schemas.microsoft.com/office/drawing/2014/main" id="{AF2F604E-43BE-4DC3-B983-E071523364F8}"/>
+          <p:cNvPr id="41" name="Rectangle 40">
+            <a:extLst>
+              <a:ext uri="{FF2B5EF4-FFF2-40B4-BE49-F238E27FC236}">
+                <a16:creationId xmlns:a16="http://schemas.microsoft.com/office/drawing/2014/main" id="{71F2B952-F7D1-29B1-5349-A6CEB199FA37}"/>
               </a:ext>
               <a:ext uri="{C183D7F6-B498-43B3-948B-1728B52AA6E4}">
                 <adec:decorative xmlns:adec="http://schemas.microsoft.com/office/drawing/2017/decorative" val="1"/>
@@ -10580,10 +15243,10 @@
       </p:sp>
       <p:sp>
         <p:nvSpPr>
-          <p:cNvPr id="70" name="Rectangle 69">
-            <a:extLst>
-              <a:ext uri="{FF2B5EF4-FFF2-40B4-BE49-F238E27FC236}">
-                <a16:creationId xmlns:a16="http://schemas.microsoft.com/office/drawing/2014/main" id="{08C9B587-E65E-4B52-B37C-ABEBB6E87928}"/>
+          <p:cNvPr id="43" name="Rectangle 42">
+            <a:extLst>
+              <a:ext uri="{FF2B5EF4-FFF2-40B4-BE49-F238E27FC236}">
+                <a16:creationId xmlns:a16="http://schemas.microsoft.com/office/drawing/2014/main" id="{5BFD70FA-0F77-4B03-7804-06586B4C3011}"/>
               </a:ext>
               <a:ext uri="{C183D7F6-B498-43B3-948B-1728B52AA6E4}">
                 <adec:decorative xmlns:adec="http://schemas.microsoft.com/office/drawing/2017/decorative" val="1"/>
@@ -10671,108 +15334,318 @@
           </a:p>
         </p:txBody>
       </p:sp>
+      <p:sp>
+        <p:nvSpPr>
+          <p:cNvPr id="6" name="Title 1">
+            <a:extLst>
+              <a:ext uri="{FF2B5EF4-FFF2-40B4-BE49-F238E27FC236}">
+                <a16:creationId xmlns:a16="http://schemas.microsoft.com/office/drawing/2014/main" id="{96149338-55BC-27BC-20A6-1D1E9212C654}"/>
+              </a:ext>
+            </a:extLst>
+          </p:cNvPr>
+          <p:cNvSpPr txBox="1">
+            <a:spLocks/>
+          </p:cNvSpPr>
+          <p:nvPr/>
+        </p:nvSpPr>
+        <p:spPr>
+          <a:xfrm>
+            <a:off x="456123" y="1926009"/>
+            <a:ext cx="4023360" cy="4306308"/>
+          </a:xfrm>
+          <a:prstGeom prst="rect">
+            <a:avLst/>
+          </a:prstGeom>
+        </p:spPr>
+        <p:txBody>
+          <a:bodyPr vert="horz" lIns="91440" tIns="45720" rIns="91440" bIns="45720" rtlCol="0" anchor="b">
+            <a:normAutofit/>
+          </a:bodyPr>
+          <a:lstStyle>
+            <a:lvl1pPr algn="l" defTabSz="914400" rtl="0" eaLnBrk="1" latinLnBrk="0" hangingPunct="1">
+              <a:lnSpc>
+                <a:spcPct val="90000"/>
+              </a:lnSpc>
+              <a:spcBef>
+                <a:spcPct val="0"/>
+              </a:spcBef>
+              <a:buNone/>
+              <a:defRPr sz="4400" kern="1200">
+                <a:solidFill>
+                  <a:schemeClr val="tx1"/>
+                </a:solidFill>
+                <a:latin typeface="+mj-lt"/>
+                <a:ea typeface="+mj-ea"/>
+                <a:cs typeface="+mj-cs"/>
+              </a:defRPr>
+            </a:lvl1pPr>
+          </a:lstStyle>
+          <a:p>
+            <a:endParaRPr lang="en-US" sz="4800" dirty="0">
+              <a:solidFill>
+                <a:schemeClr val="bg1"/>
+              </a:solidFill>
+            </a:endParaRPr>
+          </a:p>
+        </p:txBody>
+      </p:sp>
+      <p:sp>
+        <p:nvSpPr>
+          <p:cNvPr id="7" name="TextBox 6">
+            <a:extLst>
+              <a:ext uri="{FF2B5EF4-FFF2-40B4-BE49-F238E27FC236}">
+                <a16:creationId xmlns:a16="http://schemas.microsoft.com/office/drawing/2014/main" id="{5E2AF9D9-04AF-EFDA-FD9F-F6EF65E87EC0}"/>
+              </a:ext>
+            </a:extLst>
+          </p:cNvPr>
+          <p:cNvSpPr txBox="1"/>
+          <p:nvPr/>
+        </p:nvSpPr>
+        <p:spPr>
+          <a:xfrm>
+            <a:off x="481029" y="1848788"/>
+            <a:ext cx="3230880" cy="4524315"/>
+          </a:xfrm>
+          <a:prstGeom prst="rect">
+            <a:avLst/>
+          </a:prstGeom>
+          <a:noFill/>
+        </p:spPr>
+        <p:txBody>
+          <a:bodyPr wrap="square" rtlCol="0">
+            <a:spAutoFit/>
+          </a:bodyPr>
+          <a:lstStyle/>
+          <a:p>
+            <a:pPr marL="342900" indent="-342900">
+              <a:buFont typeface="Arial" panose="020B0604020202020204" pitchFamily="34" charset="0"/>
+              <a:buChar char="•"/>
+            </a:pPr>
+            <a:r>
+              <a:rPr lang="en-US" dirty="0">
+                <a:solidFill>
+                  <a:schemeClr val="bg1"/>
+                </a:solidFill>
+              </a:rPr>
+              <a:t>Created a copy of the </a:t>
+            </a:r>
+            <a:r>
+              <a:rPr lang="en-US" dirty="0" err="1">
+                <a:solidFill>
+                  <a:schemeClr val="bg1"/>
+                </a:solidFill>
+              </a:rPr>
+              <a:t>dataframe</a:t>
+            </a:r>
+            <a:endParaRPr lang="en-US" dirty="0">
+              <a:solidFill>
+                <a:schemeClr val="bg1"/>
+              </a:solidFill>
+            </a:endParaRPr>
+          </a:p>
+          <a:p>
+            <a:endParaRPr lang="en-US" dirty="0">
+              <a:solidFill>
+                <a:schemeClr val="bg1"/>
+              </a:solidFill>
+            </a:endParaRPr>
+          </a:p>
+          <a:p>
+            <a:pPr marL="342900" indent="-342900">
+              <a:buFont typeface="Arial" panose="020B0604020202020204" pitchFamily="34" charset="0"/>
+              <a:buChar char="•"/>
+            </a:pPr>
+            <a:r>
+              <a:rPr lang="en-US" dirty="0">
+                <a:solidFill>
+                  <a:schemeClr val="bg1"/>
+                </a:solidFill>
+              </a:rPr>
+              <a:t>Dropped columns that we did not intend on using for our model</a:t>
+            </a:r>
+          </a:p>
+          <a:p>
+            <a:endParaRPr lang="en-US" dirty="0">
+              <a:solidFill>
+                <a:schemeClr val="bg1"/>
+              </a:solidFill>
+            </a:endParaRPr>
+          </a:p>
+          <a:p>
+            <a:pPr marL="342900" indent="-342900">
+              <a:buFont typeface="Arial" panose="020B0604020202020204" pitchFamily="34" charset="0"/>
+              <a:buChar char="•"/>
+            </a:pPr>
+            <a:r>
+              <a:rPr lang="en-US" dirty="0">
+                <a:solidFill>
+                  <a:schemeClr val="bg1"/>
+                </a:solidFill>
+              </a:rPr>
+              <a:t>Created bins for the ‘Platform’ column to simplify the data and prevent overfitting</a:t>
+            </a:r>
+          </a:p>
+          <a:p>
+            <a:endParaRPr lang="en-US" dirty="0">
+              <a:solidFill>
+                <a:schemeClr val="bg1"/>
+              </a:solidFill>
+            </a:endParaRPr>
+          </a:p>
+          <a:p>
+            <a:pPr marL="342900" indent="-342900">
+              <a:buFont typeface="Arial" panose="020B0604020202020204" pitchFamily="34" charset="0"/>
+              <a:buChar char="•"/>
+            </a:pPr>
+            <a:r>
+              <a:rPr lang="en-US" dirty="0">
+                <a:solidFill>
+                  <a:schemeClr val="bg1"/>
+                </a:solidFill>
+              </a:rPr>
+              <a:t>Created a new column ‘</a:t>
+            </a:r>
+            <a:r>
+              <a:rPr lang="en-US" dirty="0" err="1">
+                <a:solidFill>
+                  <a:schemeClr val="bg1"/>
+                </a:solidFill>
+              </a:rPr>
+              <a:t>platform_bins</a:t>
+            </a:r>
+            <a:r>
+              <a:rPr lang="en-US" dirty="0">
+                <a:solidFill>
+                  <a:schemeClr val="bg1"/>
+                </a:solidFill>
+              </a:rPr>
+              <a:t>’ to store bins and dropped the ‘Platform’ column</a:t>
+            </a:r>
+          </a:p>
+        </p:txBody>
+      </p:sp>
+      <p:sp>
+        <p:nvSpPr>
+          <p:cNvPr id="10" name="TextBox 9">
+            <a:extLst>
+              <a:ext uri="{FF2B5EF4-FFF2-40B4-BE49-F238E27FC236}">
+                <a16:creationId xmlns:a16="http://schemas.microsoft.com/office/drawing/2014/main" id="{C96E7F90-1FC5-0757-1AF8-13CCFD4442A2}"/>
+              </a:ext>
+            </a:extLst>
+          </p:cNvPr>
+          <p:cNvSpPr txBox="1"/>
+          <p:nvPr/>
+        </p:nvSpPr>
+        <p:spPr>
+          <a:xfrm>
+            <a:off x="455754" y="1479456"/>
+            <a:ext cx="3230879" cy="369332"/>
+          </a:xfrm>
+          <a:prstGeom prst="rect">
+            <a:avLst/>
+          </a:prstGeom>
+          <a:noFill/>
+        </p:spPr>
+        <p:txBody>
+          <a:bodyPr wrap="square" rtlCol="0">
+            <a:spAutoFit/>
+          </a:bodyPr>
+          <a:lstStyle/>
+          <a:p>
+            <a:r>
+              <a:rPr lang="en-US" dirty="0">
+                <a:solidFill>
+                  <a:schemeClr val="bg1"/>
+                </a:solidFill>
+              </a:rPr>
+              <a:t>The art of preprocessing!</a:t>
+            </a:r>
+            <a:endParaRPr lang="en-US" dirty="0"/>
+          </a:p>
+        </p:txBody>
+      </p:sp>
+      <p:pic>
+        <p:nvPicPr>
+          <p:cNvPr id="8" name="Picture 7" descr="A screenshot of a computer&#10;&#10;Description automatically generated">
+            <a:extLst>
+              <a:ext uri="{FF2B5EF4-FFF2-40B4-BE49-F238E27FC236}">
+                <a16:creationId xmlns:a16="http://schemas.microsoft.com/office/drawing/2014/main" id="{B700A2BD-DCDB-7576-80FF-AEFB0A7CAE65}"/>
+              </a:ext>
+            </a:extLst>
+          </p:cNvPr>
+          <p:cNvPicPr>
+            <a:picLocks noChangeAspect="1"/>
+          </p:cNvPicPr>
+          <p:nvPr/>
+        </p:nvPicPr>
+        <p:blipFill>
+          <a:blip r:embed="rId3">
+            <a:extLst>
+              <a:ext uri="{28A0092B-C50C-407E-A947-70E740481C1C}">
+                <a14:useLocalDpi xmlns:a14="http://schemas.microsoft.com/office/drawing/2010/main" val="0"/>
+              </a:ext>
+            </a:extLst>
+          </a:blip>
+          <a:stretch>
+            <a:fillRect/>
+          </a:stretch>
+        </p:blipFill>
+        <p:spPr>
+          <a:xfrm>
+            <a:off x="4935603" y="78982"/>
+            <a:ext cx="7138674" cy="2536884"/>
+          </a:xfrm>
+          <a:prstGeom prst="rect">
+            <a:avLst/>
+          </a:prstGeom>
+        </p:spPr>
+      </p:pic>
+      <p:pic>
+        <p:nvPicPr>
+          <p:cNvPr id="15" name="Picture 14" descr="A screenshot of a computer program&#10;&#10;Description automatically generated">
+            <a:extLst>
+              <a:ext uri="{FF2B5EF4-FFF2-40B4-BE49-F238E27FC236}">
+                <a16:creationId xmlns:a16="http://schemas.microsoft.com/office/drawing/2014/main" id="{ECDF5DDD-F9D2-288F-F539-6592B194BE8B}"/>
+              </a:ext>
+            </a:extLst>
+          </p:cNvPr>
+          <p:cNvPicPr>
+            <a:picLocks noChangeAspect="1"/>
+          </p:cNvPicPr>
+          <p:nvPr/>
+        </p:nvPicPr>
+        <p:blipFill>
+          <a:blip r:embed="rId4">
+            <a:extLst>
+              <a:ext uri="{28A0092B-C50C-407E-A947-70E740481C1C}">
+                <a14:useLocalDpi xmlns:a14="http://schemas.microsoft.com/office/drawing/2010/main" val="0"/>
+              </a:ext>
+            </a:extLst>
+          </a:blip>
+          <a:stretch>
+            <a:fillRect/>
+          </a:stretch>
+        </p:blipFill>
+        <p:spPr>
+          <a:xfrm>
+            <a:off x="4935603" y="2694838"/>
+            <a:ext cx="7138674" cy="3960957"/>
+          </a:xfrm>
+          <a:prstGeom prst="rect">
+            <a:avLst/>
+          </a:prstGeom>
+        </p:spPr>
+      </p:pic>
     </p:spTree>
     <p:extLst>
       <p:ext uri="{BB962C8B-B14F-4D97-AF65-F5344CB8AC3E}">
-        <p14:creationId xmlns:p14="http://schemas.microsoft.com/office/powerpoint/2010/main" val="2749805312"/>
+        <p14:creationId xmlns:p14="http://schemas.microsoft.com/office/powerpoint/2010/main" val="1002129078"/>
       </p:ext>
     </p:extLst>
   </p:cSld>
   <p:clrMapOvr>
-    <a:overrideClrMapping bg1="lt1" tx1="dk1" bg2="lt2" tx2="dk2" accent1="accent1" accent2="accent2" accent3="accent3" accent4="accent4" accent5="accent5" accent6="accent6" hlink="hlink" folHlink="folHlink"/>
+    <a:masterClrMapping/>
   </p:clrMapOvr>
-  <p:timing>
-    <p:tnLst>
-      <p:par>
-        <p:cTn id="1" dur="indefinite" restart="never" nodeType="tmRoot">
-          <p:childTnLst>
-            <p:seq concurrent="1" nextAc="seek">
-              <p:cTn id="2" dur="indefinite" nodeType="mainSeq">
-                <p:childTnLst>
-                  <p:par>
-                    <p:cTn id="3" fill="hold">
-                      <p:stCondLst>
-                        <p:cond delay="indefinite"/>
-                        <p:cond evt="onBegin" delay="0">
-                          <p:tn val="2"/>
-                        </p:cond>
-                      </p:stCondLst>
-                      <p:childTnLst>
-                        <p:par>
-                          <p:cTn id="4" fill="hold">
-                            <p:stCondLst>
-                              <p:cond delay="0"/>
-                            </p:stCondLst>
-                            <p:childTnLst>
-                              <p:par>
-                                <p:cTn id="5" presetID="10" presetClass="entr" presetSubtype="0" fill="hold" grpId="0" nodeType="withEffect">
-                                  <p:stCondLst>
-                                    <p:cond delay="1000"/>
-                                  </p:stCondLst>
-                                  <p:iterate>
-                                    <p:tmPct val="10000"/>
-                                  </p:iterate>
-                                  <p:childTnLst>
-                                    <p:set>
-                                      <p:cBhvr>
-                                        <p:cTn id="6" dur="1" fill="hold">
-                                          <p:stCondLst>
-                                            <p:cond delay="0"/>
-                                          </p:stCondLst>
-                                        </p:cTn>
-                                        <p:tgtEl>
-                                          <p:spTgt spid="2"/>
-                                        </p:tgtEl>
-                                        <p:attrNameLst>
-                                          <p:attrName>style.visibility</p:attrName>
-                                        </p:attrNameLst>
-                                      </p:cBhvr>
-                                      <p:to>
-                                        <p:strVal val="visible"/>
-                                      </p:to>
-                                    </p:set>
-                                    <p:animEffect transition="in" filter="fade">
-                                      <p:cBhvr>
-                                        <p:cTn id="7" dur="700"/>
-                                        <p:tgtEl>
-                                          <p:spTgt spid="2"/>
-                                        </p:tgtEl>
-                                      </p:cBhvr>
-                                    </p:animEffect>
-                                  </p:childTnLst>
-                                </p:cTn>
-                              </p:par>
-                            </p:childTnLst>
-                          </p:cTn>
-                        </p:par>
-                      </p:childTnLst>
-                    </p:cTn>
-                  </p:par>
-                </p:childTnLst>
-              </p:cTn>
-              <p:prevCondLst>
-                <p:cond evt="onPrev" delay="0">
-                  <p:tgtEl>
-                    <p:sldTgt/>
-                  </p:tgtEl>
-                </p:cond>
-              </p:prevCondLst>
-              <p:nextCondLst>
-                <p:cond evt="onNext" delay="0">
-                  <p:tgtEl>
-                    <p:sldTgt/>
-                  </p:tgtEl>
-                </p:cond>
-              </p:nextCondLst>
-            </p:seq>
-          </p:childTnLst>
-        </p:cTn>
-      </p:par>
-    </p:tnLst>
-    <p:bldLst>
-      <p:bldP spid="2" grpId="0"/>
-    </p:bldLst>
-  </p:timing>
 </p:sld>
 </file>
 
@@ -10789,7 +15662,13 @@
     </p:bg>
     <p:spTree>
       <p:nvGrpSpPr>
-        <p:cNvPr id="1" name=""/>
+        <p:cNvPr id="1" name="">
+          <a:extLst>
+            <a:ext uri="{FF2B5EF4-FFF2-40B4-BE49-F238E27FC236}">
+              <a16:creationId xmlns:a16="http://schemas.microsoft.com/office/drawing/2014/main" id="{1EB17ED5-A36C-EF9B-F672-D19304BB5A38}"/>
+            </a:ext>
+          </a:extLst>
+        </p:cNvPr>
         <p:cNvGrpSpPr/>
         <p:nvPr/>
       </p:nvGrpSpPr>
@@ -10803,10 +15682,10 @@
       </p:grpSpPr>
       <p:sp useBgFill="1">
         <p:nvSpPr>
-          <p:cNvPr id="64" name="Rectangle 63">
-            <a:extLst>
-              <a:ext uri="{FF2B5EF4-FFF2-40B4-BE49-F238E27FC236}">
-                <a16:creationId xmlns:a16="http://schemas.microsoft.com/office/drawing/2014/main" id="{0671A8AE-40A1-4631-A6B8-581AFF065482}"/>
+          <p:cNvPr id="37" name="Rectangle 36">
+            <a:extLst>
+              <a:ext uri="{FF2B5EF4-FFF2-40B4-BE49-F238E27FC236}">
+                <a16:creationId xmlns:a16="http://schemas.microsoft.com/office/drawing/2014/main" id="{2B662C5F-DE87-4248-4FE6-2630E4381BB8}"/>
               </a:ext>
               <a:ext uri="{C183D7F6-B498-43B3-948B-1728B52AA6E4}">
                 <adec:decorative xmlns:adec="http://schemas.microsoft.com/office/drawing/2017/decorative" val="1"/>
@@ -10863,10 +15742,10 @@
       </p:sp>
       <p:pic>
         <p:nvPicPr>
-          <p:cNvPr id="5" name="Picture 4" descr="A collage of cartoon characters&#10;&#10;Description automatically generated">
-            <a:extLst>
-              <a:ext uri="{FF2B5EF4-FFF2-40B4-BE49-F238E27FC236}">
-                <a16:creationId xmlns:a16="http://schemas.microsoft.com/office/drawing/2014/main" id="{B2A36326-47D0-0EFB-BFD8-23CC4869851E}"/>
+          <p:cNvPr id="4" name="Content Placeholder 3" descr="A screenshot of a computer&#10;&#10;Description automatically generated">
+            <a:extLst>
+              <a:ext uri="{FF2B5EF4-FFF2-40B4-BE49-F238E27FC236}">
+                <a16:creationId xmlns:a16="http://schemas.microsoft.com/office/drawing/2014/main" id="{8E7B34E7-1800-2F40-B2F5-C7ECC71E58DE}"/>
               </a:ext>
             </a:extLst>
           </p:cNvPr>
@@ -10876,14 +15755,8 @@
           <p:nvPr/>
         </p:nvPicPr>
         <p:blipFill rotWithShape="1">
-          <a:blip r:embed="rId2">
-            <a:extLst>
-              <a:ext uri="{28A0092B-C50C-407E-A947-70E740481C1C}">
-                <a14:useLocalDpi xmlns:a14="http://schemas.microsoft.com/office/drawing/2010/main" val="0"/>
-              </a:ext>
-            </a:extLst>
-          </a:blip>
-          <a:srcRect l="9081" t="9091" r="26282"/>
+          <a:blip r:embed="rId2"/>
+          <a:srcRect t="15881" r="9089" b="-2"/>
           <a:stretch/>
         </p:blipFill>
         <p:spPr>
@@ -10898,10 +15771,10 @@
       </p:pic>
       <p:sp>
         <p:nvSpPr>
-          <p:cNvPr id="66" name="Rectangle 65">
-            <a:extLst>
-              <a:ext uri="{FF2B5EF4-FFF2-40B4-BE49-F238E27FC236}">
-                <a16:creationId xmlns:a16="http://schemas.microsoft.com/office/drawing/2014/main" id="{AB58EF07-17C2-48CF-ABB0-EEF1F17CB8F0}"/>
+          <p:cNvPr id="39" name="Rectangle 38">
+            <a:extLst>
+              <a:ext uri="{FF2B5EF4-FFF2-40B4-BE49-F238E27FC236}">
+                <a16:creationId xmlns:a16="http://schemas.microsoft.com/office/drawing/2014/main" id="{777814A3-6252-2C48-4161-1017A4144919}"/>
               </a:ext>
               <a:ext uri="{C183D7F6-B498-43B3-948B-1728B52AA6E4}">
                 <adec:decorative xmlns:adec="http://schemas.microsoft.com/office/drawing/2017/decorative" val="1"/>
@@ -10982,7 +15855,7 @@
           <p:cNvPr id="2" name="Title 1">
             <a:extLst>
               <a:ext uri="{FF2B5EF4-FFF2-40B4-BE49-F238E27FC236}">
-                <a16:creationId xmlns:a16="http://schemas.microsoft.com/office/drawing/2014/main" id="{B8010948-F54A-85A8-2F04-CBC6115FC7B8}"/>
+                <a16:creationId xmlns:a16="http://schemas.microsoft.com/office/drawing/2014/main" id="{BA074B65-C0B1-1700-7F61-5ABFE13A0B86}"/>
               </a:ext>
             </a:extLst>
           </p:cNvPr>
@@ -10990,40 +15863,50 @@
             <a:spLocks noGrp="1"/>
           </p:cNvSpPr>
           <p:nvPr>
-            <p:ph type="ctrTitle"/>
+            <p:ph type="title"/>
           </p:nvPr>
         </p:nvSpPr>
         <p:spPr>
           <a:xfrm>
-            <a:off x="477981" y="1122363"/>
-            <a:ext cx="4023360" cy="3204134"/>
+            <a:off x="456123" y="1341914"/>
+            <a:ext cx="4023360" cy="751193"/>
           </a:xfrm>
         </p:spPr>
         <p:txBody>
-          <a:bodyPr anchor="b">
-            <a:normAutofit/>
+          <a:bodyPr vert="horz" lIns="91440" tIns="45720" rIns="91440" bIns="45720" rtlCol="0" anchor="b">
+            <a:normAutofit fontScale="90000"/>
           </a:bodyPr>
           <a:lstStyle/>
           <a:p>
-            <a:pPr algn="l"/>
             <a:r>
-              <a:rPr lang="en-US" sz="4800">
+              <a:rPr lang="en-US" sz="4800" dirty="0">
                 <a:solidFill>
                   <a:schemeClr val="bg1"/>
                 </a:solidFill>
-                <a:latin typeface="Arial Rounded MT Bold" panose="020F0704030504030204" pitchFamily="34" charset="0"/>
               </a:rPr>
-              <a:t>Thank you!</a:t>
+              <a:t>Python/Pandas</a:t>
             </a:r>
+            <a:br>
+              <a:rPr lang="en-US" sz="4800" dirty="0">
+                <a:solidFill>
+                  <a:schemeClr val="bg1"/>
+                </a:solidFill>
+              </a:rPr>
+            </a:br>
+            <a:endParaRPr lang="en-US" sz="4800" dirty="0">
+              <a:solidFill>
+                <a:schemeClr val="bg1"/>
+              </a:solidFill>
+            </a:endParaRPr>
           </a:p>
         </p:txBody>
       </p:sp>
       <p:sp>
         <p:nvSpPr>
-          <p:cNvPr id="68" name="Rectangle 67">
-            <a:extLst>
-              <a:ext uri="{FF2B5EF4-FFF2-40B4-BE49-F238E27FC236}">
-                <a16:creationId xmlns:a16="http://schemas.microsoft.com/office/drawing/2014/main" id="{AF2F604E-43BE-4DC3-B983-E071523364F8}"/>
+          <p:cNvPr id="41" name="Rectangle 40">
+            <a:extLst>
+              <a:ext uri="{FF2B5EF4-FFF2-40B4-BE49-F238E27FC236}">
+                <a16:creationId xmlns:a16="http://schemas.microsoft.com/office/drawing/2014/main" id="{654540B8-4373-BFC1-4BF9-CEFC0B240A06}"/>
               </a:ext>
               <a:ext uri="{C183D7F6-B498-43B3-948B-1728B52AA6E4}">
                 <adec:decorative xmlns:adec="http://schemas.microsoft.com/office/drawing/2017/decorative" val="1"/>
@@ -11088,10 +15971,10 @@
       </p:sp>
       <p:sp>
         <p:nvSpPr>
-          <p:cNvPr id="70" name="Rectangle 69">
-            <a:extLst>
-              <a:ext uri="{FF2B5EF4-FFF2-40B4-BE49-F238E27FC236}">
-                <a16:creationId xmlns:a16="http://schemas.microsoft.com/office/drawing/2014/main" id="{08C9B587-E65E-4B52-B37C-ABEBB6E87928}"/>
+          <p:cNvPr id="43" name="Rectangle 42">
+            <a:extLst>
+              <a:ext uri="{FF2B5EF4-FFF2-40B4-BE49-F238E27FC236}">
+                <a16:creationId xmlns:a16="http://schemas.microsoft.com/office/drawing/2014/main" id="{5411AECD-2333-44B7-E66B-9A6627FA9A4C}"/>
               </a:ext>
               <a:ext uri="{C183D7F6-B498-43B3-948B-1728B52AA6E4}">
                 <adec:decorative xmlns:adec="http://schemas.microsoft.com/office/drawing/2017/decorative" val="1"/>
@@ -11179,108 +16062,918 @@
           </a:p>
         </p:txBody>
       </p:sp>
+      <p:sp>
+        <p:nvSpPr>
+          <p:cNvPr id="6" name="Title 1">
+            <a:extLst>
+              <a:ext uri="{FF2B5EF4-FFF2-40B4-BE49-F238E27FC236}">
+                <a16:creationId xmlns:a16="http://schemas.microsoft.com/office/drawing/2014/main" id="{729A3876-C420-BC65-3C83-42C05EB2FC5D}"/>
+              </a:ext>
+            </a:extLst>
+          </p:cNvPr>
+          <p:cNvSpPr txBox="1">
+            <a:spLocks/>
+          </p:cNvSpPr>
+          <p:nvPr/>
+        </p:nvSpPr>
+        <p:spPr>
+          <a:xfrm>
+            <a:off x="456123" y="1926009"/>
+            <a:ext cx="4023360" cy="4306308"/>
+          </a:xfrm>
+          <a:prstGeom prst="rect">
+            <a:avLst/>
+          </a:prstGeom>
+        </p:spPr>
+        <p:txBody>
+          <a:bodyPr vert="horz" lIns="91440" tIns="45720" rIns="91440" bIns="45720" rtlCol="0" anchor="b">
+            <a:normAutofit/>
+          </a:bodyPr>
+          <a:lstStyle>
+            <a:lvl1pPr algn="l" defTabSz="914400" rtl="0" eaLnBrk="1" latinLnBrk="0" hangingPunct="1">
+              <a:lnSpc>
+                <a:spcPct val="90000"/>
+              </a:lnSpc>
+              <a:spcBef>
+                <a:spcPct val="0"/>
+              </a:spcBef>
+              <a:buNone/>
+              <a:defRPr sz="4400" kern="1200">
+                <a:solidFill>
+                  <a:schemeClr val="tx1"/>
+                </a:solidFill>
+                <a:latin typeface="+mj-lt"/>
+                <a:ea typeface="+mj-ea"/>
+                <a:cs typeface="+mj-cs"/>
+              </a:defRPr>
+            </a:lvl1pPr>
+          </a:lstStyle>
+          <a:p>
+            <a:endParaRPr lang="en-US" sz="4800" dirty="0">
+              <a:solidFill>
+                <a:schemeClr val="bg1"/>
+              </a:solidFill>
+            </a:endParaRPr>
+          </a:p>
+        </p:txBody>
+      </p:sp>
+      <p:sp>
+        <p:nvSpPr>
+          <p:cNvPr id="7" name="TextBox 6">
+            <a:extLst>
+              <a:ext uri="{FF2B5EF4-FFF2-40B4-BE49-F238E27FC236}">
+                <a16:creationId xmlns:a16="http://schemas.microsoft.com/office/drawing/2014/main" id="{D6F65994-FBF3-0FE6-A0AB-F48FBAFBFC40}"/>
+              </a:ext>
+            </a:extLst>
+          </p:cNvPr>
+          <p:cNvSpPr txBox="1"/>
+          <p:nvPr/>
+        </p:nvSpPr>
+        <p:spPr>
+          <a:xfrm>
+            <a:off x="481029" y="1848788"/>
+            <a:ext cx="3230880" cy="3139321"/>
+          </a:xfrm>
+          <a:prstGeom prst="rect">
+            <a:avLst/>
+          </a:prstGeom>
+          <a:noFill/>
+        </p:spPr>
+        <p:txBody>
+          <a:bodyPr wrap="square" rtlCol="0">
+            <a:spAutoFit/>
+          </a:bodyPr>
+          <a:lstStyle/>
+          <a:p>
+            <a:pPr marL="342900" indent="-342900">
+              <a:buFont typeface="Arial" panose="020B0604020202020204" pitchFamily="34" charset="0"/>
+              <a:buChar char="•"/>
+            </a:pPr>
+            <a:r>
+              <a:rPr lang="en-US" dirty="0">
+                <a:solidFill>
+                  <a:schemeClr val="bg1"/>
+                </a:solidFill>
+              </a:rPr>
+              <a:t>Created bins to sort the ‘</a:t>
+            </a:r>
+            <a:r>
+              <a:rPr lang="en-US" dirty="0" err="1">
+                <a:solidFill>
+                  <a:schemeClr val="bg1"/>
+                </a:solidFill>
+              </a:rPr>
+              <a:t>NA_Sales</a:t>
+            </a:r>
+            <a:r>
+              <a:rPr lang="en-US" dirty="0">
+                <a:solidFill>
+                  <a:schemeClr val="bg1"/>
+                </a:solidFill>
+              </a:rPr>
+              <a:t>’ column to simplify the data and prevent overfitting</a:t>
+            </a:r>
+          </a:p>
+          <a:p>
+            <a:endParaRPr lang="en-US" dirty="0">
+              <a:solidFill>
+                <a:schemeClr val="bg1"/>
+              </a:solidFill>
+            </a:endParaRPr>
+          </a:p>
+          <a:p>
+            <a:pPr marL="342900" indent="-342900">
+              <a:buFont typeface="Arial" panose="020B0604020202020204" pitchFamily="34" charset="0"/>
+              <a:buChar char="•"/>
+            </a:pPr>
+            <a:r>
+              <a:rPr lang="en-US" dirty="0">
+                <a:solidFill>
+                  <a:schemeClr val="bg1"/>
+                </a:solidFill>
+              </a:rPr>
+              <a:t> Created a new column ‘</a:t>
+            </a:r>
+            <a:r>
+              <a:rPr lang="en-US" dirty="0" err="1">
+                <a:solidFill>
+                  <a:schemeClr val="bg1"/>
+                </a:solidFill>
+              </a:rPr>
+              <a:t>sales_categories</a:t>
+            </a:r>
+            <a:r>
+              <a:rPr lang="en-US" dirty="0">
+                <a:solidFill>
+                  <a:schemeClr val="bg1"/>
+                </a:solidFill>
+              </a:rPr>
+              <a:t>’ to store bins</a:t>
+            </a:r>
+          </a:p>
+          <a:p>
+            <a:endParaRPr lang="en-US" dirty="0">
+              <a:solidFill>
+                <a:schemeClr val="bg1"/>
+              </a:solidFill>
+            </a:endParaRPr>
+          </a:p>
+          <a:p>
+            <a:pPr marL="342900" indent="-342900">
+              <a:buFont typeface="Arial" panose="020B0604020202020204" pitchFamily="34" charset="0"/>
+              <a:buChar char="•"/>
+            </a:pPr>
+            <a:r>
+              <a:rPr lang="en-US" dirty="0">
+                <a:solidFill>
+                  <a:schemeClr val="bg1"/>
+                </a:solidFill>
+              </a:rPr>
+              <a:t>Dropped the ‘</a:t>
+            </a:r>
+            <a:r>
+              <a:rPr lang="en-US" dirty="0" err="1">
+                <a:solidFill>
+                  <a:schemeClr val="bg1"/>
+                </a:solidFill>
+              </a:rPr>
+              <a:t>NA_Sales</a:t>
+            </a:r>
+            <a:r>
+              <a:rPr lang="en-US" dirty="0">
+                <a:solidFill>
+                  <a:schemeClr val="bg1"/>
+                </a:solidFill>
+              </a:rPr>
+              <a:t>’ column</a:t>
+            </a:r>
+          </a:p>
+        </p:txBody>
+      </p:sp>
+      <p:sp>
+        <p:nvSpPr>
+          <p:cNvPr id="10" name="TextBox 9">
+            <a:extLst>
+              <a:ext uri="{FF2B5EF4-FFF2-40B4-BE49-F238E27FC236}">
+                <a16:creationId xmlns:a16="http://schemas.microsoft.com/office/drawing/2014/main" id="{F34FF5A8-FD57-21C8-635C-8157173C9E45}"/>
+              </a:ext>
+            </a:extLst>
+          </p:cNvPr>
+          <p:cNvSpPr txBox="1"/>
+          <p:nvPr/>
+        </p:nvSpPr>
+        <p:spPr>
+          <a:xfrm>
+            <a:off x="455754" y="1479456"/>
+            <a:ext cx="3230879" cy="369332"/>
+          </a:xfrm>
+          <a:prstGeom prst="rect">
+            <a:avLst/>
+          </a:prstGeom>
+          <a:noFill/>
+        </p:spPr>
+        <p:txBody>
+          <a:bodyPr wrap="square" rtlCol="0">
+            <a:spAutoFit/>
+          </a:bodyPr>
+          <a:lstStyle/>
+          <a:p>
+            <a:r>
+              <a:rPr lang="en-US" dirty="0">
+                <a:solidFill>
+                  <a:schemeClr val="bg1"/>
+                </a:solidFill>
+              </a:rPr>
+              <a:t>The art of preprocessing!</a:t>
+            </a:r>
+            <a:endParaRPr lang="en-US" dirty="0"/>
+          </a:p>
+        </p:txBody>
+      </p:sp>
+      <p:pic>
+        <p:nvPicPr>
+          <p:cNvPr id="5" name="Picture 4" descr="A screenshot of a computer&#10;&#10;Description automatically generated">
+            <a:extLst>
+              <a:ext uri="{FF2B5EF4-FFF2-40B4-BE49-F238E27FC236}">
+                <a16:creationId xmlns:a16="http://schemas.microsoft.com/office/drawing/2014/main" id="{EB1805DD-4C2C-5A41-86D9-C10DF28B38CD}"/>
+              </a:ext>
+            </a:extLst>
+          </p:cNvPr>
+          <p:cNvPicPr>
+            <a:picLocks noChangeAspect="1"/>
+          </p:cNvPicPr>
+          <p:nvPr/>
+        </p:nvPicPr>
+        <p:blipFill>
+          <a:blip r:embed="rId3">
+            <a:extLst>
+              <a:ext uri="{28A0092B-C50C-407E-A947-70E740481C1C}">
+                <a14:useLocalDpi xmlns:a14="http://schemas.microsoft.com/office/drawing/2010/main" val="0"/>
+              </a:ext>
+            </a:extLst>
+          </a:blip>
+          <a:stretch>
+            <a:fillRect/>
+          </a:stretch>
+        </p:blipFill>
+        <p:spPr>
+          <a:xfrm>
+            <a:off x="4142384" y="771988"/>
+            <a:ext cx="7941865" cy="5346753"/>
+          </a:xfrm>
+          <a:prstGeom prst="rect">
+            <a:avLst/>
+          </a:prstGeom>
+        </p:spPr>
+      </p:pic>
     </p:spTree>
     <p:extLst>
       <p:ext uri="{BB962C8B-B14F-4D97-AF65-F5344CB8AC3E}">
-        <p14:creationId xmlns:p14="http://schemas.microsoft.com/office/powerpoint/2010/main" val="2415236300"/>
+        <p14:creationId xmlns:p14="http://schemas.microsoft.com/office/powerpoint/2010/main" val="2861744802"/>
       </p:ext>
     </p:extLst>
   </p:cSld>
   <p:clrMapOvr>
-    <a:overrideClrMapping bg1="lt1" tx1="dk1" bg2="lt2" tx2="dk2" accent1="accent1" accent2="accent2" accent3="accent3" accent4="accent4" accent5="accent5" accent6="accent6" hlink="hlink" folHlink="folHlink"/>
+    <a:masterClrMapping/>
   </p:clrMapOvr>
-  <p:timing>
-    <p:tnLst>
-      <p:par>
-        <p:cTn id="1" dur="indefinite" restart="never" nodeType="tmRoot">
-          <p:childTnLst>
-            <p:seq concurrent="1" nextAc="seek">
-              <p:cTn id="2" dur="indefinite" nodeType="mainSeq">
-                <p:childTnLst>
-                  <p:par>
-                    <p:cTn id="3" fill="hold">
-                      <p:stCondLst>
-                        <p:cond delay="indefinite"/>
-                        <p:cond evt="onBegin" delay="0">
-                          <p:tn val="2"/>
-                        </p:cond>
-                      </p:stCondLst>
-                      <p:childTnLst>
-                        <p:par>
-                          <p:cTn id="4" fill="hold">
-                            <p:stCondLst>
-                              <p:cond delay="0"/>
-                            </p:stCondLst>
-                            <p:childTnLst>
-                              <p:par>
-                                <p:cTn id="5" presetID="10" presetClass="entr" presetSubtype="0" fill="hold" grpId="0" nodeType="withEffect">
-                                  <p:stCondLst>
-                                    <p:cond delay="1000"/>
-                                  </p:stCondLst>
-                                  <p:iterate>
-                                    <p:tmPct val="10000"/>
-                                  </p:iterate>
-                                  <p:childTnLst>
-                                    <p:set>
-                                      <p:cBhvr>
-                                        <p:cTn id="6" dur="1" fill="hold">
-                                          <p:stCondLst>
-                                            <p:cond delay="0"/>
-                                          </p:stCondLst>
-                                        </p:cTn>
-                                        <p:tgtEl>
-                                          <p:spTgt spid="2"/>
-                                        </p:tgtEl>
-                                        <p:attrNameLst>
-                                          <p:attrName>style.visibility</p:attrName>
-                                        </p:attrNameLst>
-                                      </p:cBhvr>
-                                      <p:to>
-                                        <p:strVal val="visible"/>
-                                      </p:to>
-                                    </p:set>
-                                    <p:animEffect transition="in" filter="fade">
-                                      <p:cBhvr>
-                                        <p:cTn id="7" dur="700"/>
-                                        <p:tgtEl>
-                                          <p:spTgt spid="2"/>
-                                        </p:tgtEl>
-                                      </p:cBhvr>
-                                    </p:animEffect>
-                                  </p:childTnLst>
-                                </p:cTn>
-                              </p:par>
-                            </p:childTnLst>
-                          </p:cTn>
-                        </p:par>
-                      </p:childTnLst>
-                    </p:cTn>
-                  </p:par>
-                </p:childTnLst>
-              </p:cTn>
-              <p:prevCondLst>
-                <p:cond evt="onPrev" delay="0">
-                  <p:tgtEl>
-                    <p:sldTgt/>
-                  </p:tgtEl>
-                </p:cond>
-              </p:prevCondLst>
-              <p:nextCondLst>
-                <p:cond evt="onNext" delay="0">
-                  <p:tgtEl>
-                    <p:sldTgt/>
-                  </p:tgtEl>
-                </p:cond>
-              </p:nextCondLst>
-            </p:seq>
-          </p:childTnLst>
-        </p:cTn>
-      </p:par>
-    </p:tnLst>
-    <p:bldLst>
-      <p:bldP spid="2" grpId="0"/>
-    </p:bldLst>
-  </p:timing>
+</p:sld>
+</file>
+
+<file path=ppt/slides/slide9.xml><?xml version="1.0" encoding="utf-8"?>
+<p:sld xmlns:a="http://schemas.openxmlformats.org/drawingml/2006/main" xmlns:r="http://schemas.openxmlformats.org/officeDocument/2006/relationships" xmlns:p="http://schemas.openxmlformats.org/presentationml/2006/main">
+  <p:cSld>
+    <p:bg>
+      <p:bgPr>
+        <a:solidFill>
+          <a:schemeClr val="bg1"/>
+        </a:solidFill>
+        <a:effectLst/>
+      </p:bgPr>
+    </p:bg>
+    <p:spTree>
+      <p:nvGrpSpPr>
+        <p:cNvPr id="1" name="">
+          <a:extLst>
+            <a:ext uri="{FF2B5EF4-FFF2-40B4-BE49-F238E27FC236}">
+              <a16:creationId xmlns:a16="http://schemas.microsoft.com/office/drawing/2014/main" id="{411BA3B7-D35E-5727-BDE2-EC592974CFDA}"/>
+            </a:ext>
+          </a:extLst>
+        </p:cNvPr>
+        <p:cNvGrpSpPr/>
+        <p:nvPr/>
+      </p:nvGrpSpPr>
+      <p:grpSpPr>
+        <a:xfrm>
+          <a:off x="0" y="0"/>
+          <a:ext cx="0" cy="0"/>
+          <a:chOff x="0" y="0"/>
+          <a:chExt cx="0" cy="0"/>
+        </a:xfrm>
+      </p:grpSpPr>
+      <p:sp useBgFill="1">
+        <p:nvSpPr>
+          <p:cNvPr id="37" name="Rectangle 36">
+            <a:extLst>
+              <a:ext uri="{FF2B5EF4-FFF2-40B4-BE49-F238E27FC236}">
+                <a16:creationId xmlns:a16="http://schemas.microsoft.com/office/drawing/2014/main" id="{0D038C05-7F24-E5E3-F0C8-6FE81E8FBBEC}"/>
+              </a:ext>
+              <a:ext uri="{C183D7F6-B498-43B3-948B-1728B52AA6E4}">
+                <adec:decorative xmlns:adec="http://schemas.microsoft.com/office/drawing/2017/decorative" val="1"/>
+              </a:ext>
+            </a:extLst>
+          </p:cNvPr>
+          <p:cNvSpPr>
+            <a:spLocks noGrp="1" noRot="1" noChangeAspect="1" noMove="1" noResize="1" noEditPoints="1" noAdjustHandles="1" noChangeArrowheads="1" noChangeShapeType="1" noTextEdit="1"/>
+          </p:cNvSpPr>
+          <p:nvPr>
+            <p:extLst>
+              <p:ext uri="{386F3935-93C4-4BCD-93E2-E3B085C9AB24}">
+                <p16:designElem xmlns:p16="http://schemas.microsoft.com/office/powerpoint/2015/main" val="1"/>
+              </p:ext>
+            </p:extLst>
+          </p:nvPr>
+        </p:nvSpPr>
+        <p:spPr>
+          <a:xfrm>
+            <a:off x="0" y="0"/>
+            <a:ext cx="12192000" cy="6858000"/>
+          </a:xfrm>
+          <a:prstGeom prst="rect">
+            <a:avLst/>
+          </a:prstGeom>
+          <a:ln>
+            <a:noFill/>
+          </a:ln>
+        </p:spPr>
+        <p:style>
+          <a:lnRef idx="2">
+            <a:schemeClr val="accent1">
+              <a:shade val="50000"/>
+            </a:schemeClr>
+          </a:lnRef>
+          <a:fillRef idx="1">
+            <a:schemeClr val="accent1"/>
+          </a:fillRef>
+          <a:effectRef idx="0">
+            <a:schemeClr val="accent1"/>
+          </a:effectRef>
+          <a:fontRef idx="minor">
+            <a:schemeClr val="lt1"/>
+          </a:fontRef>
+        </p:style>
+        <p:txBody>
+          <a:bodyPr rtlCol="0" anchor="ctr"/>
+          <a:lstStyle/>
+          <a:p>
+            <a:pPr algn="ctr"/>
+            <a:endParaRPr lang="en-US"/>
+          </a:p>
+        </p:txBody>
+      </p:sp>
+      <p:pic>
+        <p:nvPicPr>
+          <p:cNvPr id="4" name="Content Placeholder 3" descr="A screenshot of a computer&#10;&#10;Description automatically generated">
+            <a:extLst>
+              <a:ext uri="{FF2B5EF4-FFF2-40B4-BE49-F238E27FC236}">
+                <a16:creationId xmlns:a16="http://schemas.microsoft.com/office/drawing/2014/main" id="{25CCFA30-E25F-D3BA-F933-122D9BE3BF56}"/>
+              </a:ext>
+            </a:extLst>
+          </p:cNvPr>
+          <p:cNvPicPr>
+            <a:picLocks noChangeAspect="1"/>
+          </p:cNvPicPr>
+          <p:nvPr/>
+        </p:nvPicPr>
+        <p:blipFill rotWithShape="1">
+          <a:blip r:embed="rId2"/>
+          <a:srcRect t="15881" r="9089" b="-2"/>
+          <a:stretch/>
+        </p:blipFill>
+        <p:spPr>
+          <a:xfrm>
+            <a:off x="3523488" y="10"/>
+            <a:ext cx="8668512" cy="6857990"/>
+          </a:xfrm>
+          <a:prstGeom prst="rect">
+            <a:avLst/>
+          </a:prstGeom>
+        </p:spPr>
+      </p:pic>
+      <p:sp>
+        <p:nvSpPr>
+          <p:cNvPr id="39" name="Rectangle 38">
+            <a:extLst>
+              <a:ext uri="{FF2B5EF4-FFF2-40B4-BE49-F238E27FC236}">
+                <a16:creationId xmlns:a16="http://schemas.microsoft.com/office/drawing/2014/main" id="{536A9607-64FD-5BAB-A623-07D347F1DECB}"/>
+              </a:ext>
+              <a:ext uri="{C183D7F6-B498-43B3-948B-1728B52AA6E4}">
+                <adec:decorative xmlns:adec="http://schemas.microsoft.com/office/drawing/2017/decorative" val="1"/>
+              </a:ext>
+            </a:extLst>
+          </p:cNvPr>
+          <p:cNvSpPr>
+            <a:spLocks noGrp="1" noRot="1" noChangeAspect="1" noMove="1" noResize="1" noEditPoints="1" noAdjustHandles="1" noChangeArrowheads="1" noChangeShapeType="1" noTextEdit="1"/>
+          </p:cNvSpPr>
+          <p:nvPr>
+            <p:extLst>
+              <p:ext uri="{386F3935-93C4-4BCD-93E2-E3B085C9AB24}">
+                <p16:designElem xmlns:p16="http://schemas.microsoft.com/office/powerpoint/2015/main" val="1"/>
+              </p:ext>
+            </p:extLst>
+          </p:nvPr>
+        </p:nvSpPr>
+        <p:spPr>
+          <a:xfrm>
+            <a:off x="3" y="0"/>
+            <a:ext cx="9339206" cy="6858000"/>
+          </a:xfrm>
+          <a:prstGeom prst="rect">
+            <a:avLst/>
+          </a:prstGeom>
+          <a:gradFill>
+            <a:gsLst>
+              <a:gs pos="58000">
+                <a:schemeClr val="tx1"/>
+              </a:gs>
+              <a:gs pos="33000">
+                <a:schemeClr val="tx1">
+                  <a:alpha val="64000"/>
+                </a:schemeClr>
+              </a:gs>
+              <a:gs pos="0">
+                <a:schemeClr val="tx1">
+                  <a:alpha val="0"/>
+                </a:schemeClr>
+              </a:gs>
+              <a:gs pos="100000">
+                <a:schemeClr val="tx1"/>
+              </a:gs>
+            </a:gsLst>
+            <a:lin ang="10800000" scaled="0"/>
+          </a:gradFill>
+          <a:ln>
+            <a:noFill/>
+          </a:ln>
+        </p:spPr>
+        <p:style>
+          <a:lnRef idx="2">
+            <a:schemeClr val="accent1">
+              <a:shade val="50000"/>
+            </a:schemeClr>
+          </a:lnRef>
+          <a:fillRef idx="1">
+            <a:schemeClr val="accent1"/>
+          </a:fillRef>
+          <a:effectRef idx="0">
+            <a:schemeClr val="accent1"/>
+          </a:effectRef>
+          <a:fontRef idx="minor">
+            <a:schemeClr val="lt1"/>
+          </a:fontRef>
+        </p:style>
+        <p:txBody>
+          <a:bodyPr rtlCol="0" anchor="ctr"/>
+          <a:lstStyle/>
+          <a:p>
+            <a:pPr algn="ctr"/>
+            <a:endParaRPr lang="en-US" dirty="0"/>
+          </a:p>
+        </p:txBody>
+      </p:sp>
+      <p:sp>
+        <p:nvSpPr>
+          <p:cNvPr id="2" name="Title 1">
+            <a:extLst>
+              <a:ext uri="{FF2B5EF4-FFF2-40B4-BE49-F238E27FC236}">
+                <a16:creationId xmlns:a16="http://schemas.microsoft.com/office/drawing/2014/main" id="{5991079E-50D9-1F09-1D56-7B6200FA4736}"/>
+              </a:ext>
+            </a:extLst>
+          </p:cNvPr>
+          <p:cNvSpPr>
+            <a:spLocks noGrp="1"/>
+          </p:cNvSpPr>
+          <p:nvPr>
+            <p:ph type="title"/>
+          </p:nvPr>
+        </p:nvSpPr>
+        <p:spPr>
+          <a:xfrm>
+            <a:off x="456123" y="1341914"/>
+            <a:ext cx="4023360" cy="751193"/>
+          </a:xfrm>
+        </p:spPr>
+        <p:txBody>
+          <a:bodyPr vert="horz" lIns="91440" tIns="45720" rIns="91440" bIns="45720" rtlCol="0" anchor="b">
+            <a:normAutofit fontScale="90000"/>
+          </a:bodyPr>
+          <a:lstStyle/>
+          <a:p>
+            <a:r>
+              <a:rPr lang="en-US" sz="4800" dirty="0">
+                <a:solidFill>
+                  <a:schemeClr val="bg1"/>
+                </a:solidFill>
+              </a:rPr>
+              <a:t>Python/Pandas</a:t>
+            </a:r>
+            <a:br>
+              <a:rPr lang="en-US" sz="4800" dirty="0">
+                <a:solidFill>
+                  <a:schemeClr val="bg1"/>
+                </a:solidFill>
+              </a:rPr>
+            </a:br>
+            <a:endParaRPr lang="en-US" sz="4800" dirty="0">
+              <a:solidFill>
+                <a:schemeClr val="bg1"/>
+              </a:solidFill>
+            </a:endParaRPr>
+          </a:p>
+        </p:txBody>
+      </p:sp>
+      <p:sp>
+        <p:nvSpPr>
+          <p:cNvPr id="41" name="Rectangle 40">
+            <a:extLst>
+              <a:ext uri="{FF2B5EF4-FFF2-40B4-BE49-F238E27FC236}">
+                <a16:creationId xmlns:a16="http://schemas.microsoft.com/office/drawing/2014/main" id="{171E971A-6510-4F63-5342-F7CB565E9677}"/>
+              </a:ext>
+              <a:ext uri="{C183D7F6-B498-43B3-948B-1728B52AA6E4}">
+                <adec:decorative xmlns:adec="http://schemas.microsoft.com/office/drawing/2017/decorative" val="1"/>
+              </a:ext>
+            </a:extLst>
+          </p:cNvPr>
+          <p:cNvSpPr>
+            <a:spLocks noGrp="1" noRot="1" noChangeAspect="1" noMove="1" noResize="1" noEditPoints="1" noAdjustHandles="1" noChangeArrowheads="1" noChangeShapeType="1" noTextEdit="1"/>
+          </p:cNvSpPr>
+          <p:nvPr>
+            <p:extLst>
+              <p:ext uri="{386F3935-93C4-4BCD-93E2-E3B085C9AB24}">
+                <p16:designElem xmlns:p16="http://schemas.microsoft.com/office/powerpoint/2015/main" val="1"/>
+              </p:ext>
+            </p:extLst>
+          </p:nvPr>
+        </p:nvSpPr>
+        <p:spPr>
+          <a:xfrm rot="5400000">
+            <a:off x="759921" y="346791"/>
+            <a:ext cx="146304" cy="704088"/>
+          </a:xfrm>
+          <a:prstGeom prst="rect">
+            <a:avLst/>
+          </a:prstGeom>
+          <a:solidFill>
+            <a:schemeClr val="accent2"/>
+          </a:solidFill>
+          <a:ln>
+            <a:noFill/>
+          </a:ln>
+        </p:spPr>
+        <p:style>
+          <a:lnRef idx="2">
+            <a:schemeClr val="accent1">
+              <a:shade val="50000"/>
+            </a:schemeClr>
+          </a:lnRef>
+          <a:fillRef idx="1">
+            <a:schemeClr val="accent1"/>
+          </a:fillRef>
+          <a:effectRef idx="0">
+            <a:schemeClr val="accent1"/>
+          </a:effectRef>
+          <a:fontRef idx="minor">
+            <a:schemeClr val="lt1"/>
+          </a:fontRef>
+        </p:style>
+        <p:txBody>
+          <a:bodyPr rtlCol="0" anchor="ctr"/>
+          <a:lstStyle/>
+          <a:p>
+            <a:pPr algn="ctr"/>
+            <a:endParaRPr lang="en-US">
+              <a:solidFill>
+                <a:prstClr val="white"/>
+              </a:solidFill>
+              <a:latin typeface="Calibri" panose="020F0502020204030204"/>
+            </a:endParaRPr>
+          </a:p>
+        </p:txBody>
+      </p:sp>
+      <p:sp>
+        <p:nvSpPr>
+          <p:cNvPr id="43" name="Rectangle 42">
+            <a:extLst>
+              <a:ext uri="{FF2B5EF4-FFF2-40B4-BE49-F238E27FC236}">
+                <a16:creationId xmlns:a16="http://schemas.microsoft.com/office/drawing/2014/main" id="{C0BF81F8-9B3E-E860-EB29-3A49F7231DC3}"/>
+              </a:ext>
+              <a:ext uri="{C183D7F6-B498-43B3-948B-1728B52AA6E4}">
+                <adec:decorative xmlns:adec="http://schemas.microsoft.com/office/drawing/2017/decorative" val="1"/>
+              </a:ext>
+            </a:extLst>
+          </p:cNvPr>
+          <p:cNvSpPr>
+            <a:spLocks noGrp="1" noRot="1" noChangeAspect="1" noMove="1" noResize="1" noEditPoints="1" noAdjustHandles="1" noChangeArrowheads="1" noChangeShapeType="1" noTextEdit="1"/>
+          </p:cNvSpPr>
+          <p:nvPr>
+            <p:extLst>
+              <p:ext uri="{386F3935-93C4-4BCD-93E2-E3B085C9AB24}">
+                <p16:designElem xmlns:p16="http://schemas.microsoft.com/office/powerpoint/2015/main" val="1"/>
+              </p:ext>
+            </p:extLst>
+          </p:nvPr>
+        </p:nvSpPr>
+        <p:spPr>
+          <a:xfrm>
+            <a:off x="481029" y="4546920"/>
+            <a:ext cx="3977640" cy="18288"/>
+          </a:xfrm>
+          <a:prstGeom prst="rect">
+            <a:avLst/>
+          </a:prstGeom>
+          <a:solidFill>
+            <a:schemeClr val="tx1"/>
+          </a:solidFill>
+          <a:ln w="3175">
+            <a:noFill/>
+          </a:ln>
+          <a:effectLst/>
+        </p:spPr>
+        <p:style>
+          <a:lnRef idx="2">
+            <a:schemeClr val="accent1">
+              <a:shade val="50000"/>
+            </a:schemeClr>
+          </a:lnRef>
+          <a:fillRef idx="1">
+            <a:schemeClr val="accent1"/>
+          </a:fillRef>
+          <a:effectRef idx="0">
+            <a:schemeClr val="accent1"/>
+          </a:effectRef>
+          <a:fontRef idx="minor">
+            <a:schemeClr val="lt1"/>
+          </a:fontRef>
+        </p:style>
+        <p:txBody>
+          <a:bodyPr rtlCol="0" anchor="ctr"/>
+          <a:lstStyle/>
+          <a:p>
+            <a:pPr marL="0" marR="0" lvl="0" indent="0" algn="ctr" defTabSz="914400" rtl="0" eaLnBrk="1" fontAlgn="auto" latinLnBrk="0" hangingPunct="1">
+              <a:lnSpc>
+                <a:spcPct val="100000"/>
+              </a:lnSpc>
+              <a:spcBef>
+                <a:spcPts val="0"/>
+              </a:spcBef>
+              <a:spcAft>
+                <a:spcPts val="0"/>
+              </a:spcAft>
+              <a:buClrTx/>
+              <a:buSzTx/>
+              <a:buFontTx/>
+              <a:buNone/>
+              <a:tabLst/>
+              <a:defRPr/>
+            </a:pPr>
+            <a:endParaRPr kumimoji="0" lang="en-US" sz="1800" b="0" i="0" u="none" strike="noStrike" kern="1200" cap="none" spc="0" normalizeH="0" baseline="0" noProof="0">
+              <a:ln>
+                <a:noFill/>
+              </a:ln>
+              <a:solidFill>
+                <a:prstClr val="white"/>
+              </a:solidFill>
+              <a:effectLst/>
+              <a:uLnTx/>
+              <a:uFillTx/>
+              <a:latin typeface="Calibri" panose="020F0502020204030204"/>
+              <a:ea typeface="+mn-ea"/>
+              <a:cs typeface="+mn-cs"/>
+            </a:endParaRPr>
+          </a:p>
+        </p:txBody>
+      </p:sp>
+      <p:sp>
+        <p:nvSpPr>
+          <p:cNvPr id="6" name="Title 1">
+            <a:extLst>
+              <a:ext uri="{FF2B5EF4-FFF2-40B4-BE49-F238E27FC236}">
+                <a16:creationId xmlns:a16="http://schemas.microsoft.com/office/drawing/2014/main" id="{C0CC90B3-211F-D6EB-93C8-3A92A977BDBA}"/>
+              </a:ext>
+            </a:extLst>
+          </p:cNvPr>
+          <p:cNvSpPr txBox="1">
+            <a:spLocks/>
+          </p:cNvSpPr>
+          <p:nvPr/>
+        </p:nvSpPr>
+        <p:spPr>
+          <a:xfrm>
+            <a:off x="456123" y="1926009"/>
+            <a:ext cx="4023360" cy="4306308"/>
+          </a:xfrm>
+          <a:prstGeom prst="rect">
+            <a:avLst/>
+          </a:prstGeom>
+        </p:spPr>
+        <p:txBody>
+          <a:bodyPr vert="horz" lIns="91440" tIns="45720" rIns="91440" bIns="45720" rtlCol="0" anchor="b">
+            <a:normAutofit/>
+          </a:bodyPr>
+          <a:lstStyle>
+            <a:lvl1pPr algn="l" defTabSz="914400" rtl="0" eaLnBrk="1" latinLnBrk="0" hangingPunct="1">
+              <a:lnSpc>
+                <a:spcPct val="90000"/>
+              </a:lnSpc>
+              <a:spcBef>
+                <a:spcPct val="0"/>
+              </a:spcBef>
+              <a:buNone/>
+              <a:defRPr sz="4400" kern="1200">
+                <a:solidFill>
+                  <a:schemeClr val="tx1"/>
+                </a:solidFill>
+                <a:latin typeface="+mj-lt"/>
+                <a:ea typeface="+mj-ea"/>
+                <a:cs typeface="+mj-cs"/>
+              </a:defRPr>
+            </a:lvl1pPr>
+          </a:lstStyle>
+          <a:p>
+            <a:endParaRPr lang="en-US" sz="4800" dirty="0">
+              <a:solidFill>
+                <a:schemeClr val="bg1"/>
+              </a:solidFill>
+            </a:endParaRPr>
+          </a:p>
+        </p:txBody>
+      </p:sp>
+      <p:sp>
+        <p:nvSpPr>
+          <p:cNvPr id="7" name="TextBox 6">
+            <a:extLst>
+              <a:ext uri="{FF2B5EF4-FFF2-40B4-BE49-F238E27FC236}">
+                <a16:creationId xmlns:a16="http://schemas.microsoft.com/office/drawing/2014/main" id="{1033B003-290E-C49E-A3F1-D189C72825D6}"/>
+              </a:ext>
+            </a:extLst>
+          </p:cNvPr>
+          <p:cNvSpPr txBox="1"/>
+          <p:nvPr/>
+        </p:nvSpPr>
+        <p:spPr>
+          <a:xfrm>
+            <a:off x="481029" y="1851684"/>
+            <a:ext cx="3230880" cy="1200329"/>
+          </a:xfrm>
+          <a:prstGeom prst="rect">
+            <a:avLst/>
+          </a:prstGeom>
+          <a:noFill/>
+        </p:spPr>
+        <p:txBody>
+          <a:bodyPr wrap="square" rtlCol="0">
+            <a:spAutoFit/>
+          </a:bodyPr>
+          <a:lstStyle/>
+          <a:p>
+            <a:pPr marL="342900" indent="-342900">
+              <a:buFont typeface="Arial" panose="020B0604020202020204" pitchFamily="34" charset="0"/>
+              <a:buChar char="•"/>
+            </a:pPr>
+            <a:r>
+              <a:rPr lang="en-US" dirty="0">
+                <a:solidFill>
+                  <a:schemeClr val="bg1"/>
+                </a:solidFill>
+              </a:rPr>
+              <a:t>Checked bins</a:t>
+            </a:r>
+          </a:p>
+          <a:p>
+            <a:pPr marL="342900" indent="-342900">
+              <a:buFont typeface="Arial" panose="020B0604020202020204" pitchFamily="34" charset="0"/>
+              <a:buChar char="•"/>
+            </a:pPr>
+            <a:endParaRPr lang="en-US" dirty="0">
+              <a:solidFill>
+                <a:schemeClr val="bg1"/>
+              </a:solidFill>
+            </a:endParaRPr>
+          </a:p>
+          <a:p>
+            <a:pPr marL="342900" indent="-342900">
+              <a:buFont typeface="Arial" panose="020B0604020202020204" pitchFamily="34" charset="0"/>
+              <a:buChar char="•"/>
+            </a:pPr>
+            <a:r>
+              <a:rPr lang="en-US" dirty="0">
+                <a:solidFill>
+                  <a:schemeClr val="bg1"/>
+                </a:solidFill>
+              </a:rPr>
+              <a:t>Reset the index since we manipulated the </a:t>
+            </a:r>
+            <a:r>
+              <a:rPr lang="en-US" dirty="0" err="1">
+                <a:solidFill>
+                  <a:schemeClr val="bg1"/>
+                </a:solidFill>
+              </a:rPr>
+              <a:t>dataframe</a:t>
+            </a:r>
+            <a:endParaRPr lang="en-US" dirty="0">
+              <a:solidFill>
+                <a:schemeClr val="bg1"/>
+              </a:solidFill>
+            </a:endParaRPr>
+          </a:p>
+        </p:txBody>
+      </p:sp>
+      <p:sp>
+        <p:nvSpPr>
+          <p:cNvPr id="10" name="TextBox 9">
+            <a:extLst>
+              <a:ext uri="{FF2B5EF4-FFF2-40B4-BE49-F238E27FC236}">
+                <a16:creationId xmlns:a16="http://schemas.microsoft.com/office/drawing/2014/main" id="{EE66073C-9021-FD46-6975-18E2C6317EE4}"/>
+              </a:ext>
+            </a:extLst>
+          </p:cNvPr>
+          <p:cNvSpPr txBox="1"/>
+          <p:nvPr/>
+        </p:nvSpPr>
+        <p:spPr>
+          <a:xfrm>
+            <a:off x="455754" y="1479456"/>
+            <a:ext cx="3230879" cy="369332"/>
+          </a:xfrm>
+          <a:prstGeom prst="rect">
+            <a:avLst/>
+          </a:prstGeom>
+          <a:noFill/>
+        </p:spPr>
+        <p:txBody>
+          <a:bodyPr wrap="square" rtlCol="0">
+            <a:spAutoFit/>
+          </a:bodyPr>
+          <a:lstStyle/>
+          <a:p>
+            <a:r>
+              <a:rPr lang="en-US" dirty="0">
+                <a:solidFill>
+                  <a:schemeClr val="bg1"/>
+                </a:solidFill>
+              </a:rPr>
+              <a:t>The art of preprocessing!</a:t>
+            </a:r>
+            <a:endParaRPr lang="en-US" dirty="0"/>
+          </a:p>
+        </p:txBody>
+      </p:sp>
+      <p:pic>
+        <p:nvPicPr>
+          <p:cNvPr id="8" name="Picture 7" descr="A screenshot of a computer&#10;&#10;Description automatically generated">
+            <a:extLst>
+              <a:ext uri="{FF2B5EF4-FFF2-40B4-BE49-F238E27FC236}">
+                <a16:creationId xmlns:a16="http://schemas.microsoft.com/office/drawing/2014/main" id="{F6DF80FB-87F5-B2C6-799C-3C7A90998BFE}"/>
+              </a:ext>
+            </a:extLst>
+          </p:cNvPr>
+          <p:cNvPicPr>
+            <a:picLocks noChangeAspect="1"/>
+          </p:cNvPicPr>
+          <p:nvPr/>
+        </p:nvPicPr>
+        <p:blipFill>
+          <a:blip r:embed="rId3">
+            <a:extLst>
+              <a:ext uri="{28A0092B-C50C-407E-A947-70E740481C1C}">
+                <a14:useLocalDpi xmlns:a14="http://schemas.microsoft.com/office/drawing/2010/main" val="0"/>
+              </a:ext>
+            </a:extLst>
+          </a:blip>
+          <a:stretch>
+            <a:fillRect/>
+          </a:stretch>
+        </p:blipFill>
+        <p:spPr>
+          <a:xfrm>
+            <a:off x="4218062" y="1774185"/>
+            <a:ext cx="7569812" cy="3288525"/>
+          </a:xfrm>
+          <a:prstGeom prst="rect">
+            <a:avLst/>
+          </a:prstGeom>
+        </p:spPr>
+      </p:pic>
+    </p:spTree>
+    <p:extLst>
+      <p:ext uri="{BB962C8B-B14F-4D97-AF65-F5344CB8AC3E}">
+        <p14:creationId xmlns:p14="http://schemas.microsoft.com/office/powerpoint/2010/main" val="2549989992"/>
+      </p:ext>
+    </p:extLst>
+  </p:cSld>
+  <p:clrMapOvr>
+    <a:masterClrMapping/>
+  </p:clrMapOvr>
 </p:sld>
 </file>
 
